--- a/Day3/3-paev-andmetarkus-esitlus.pptx
+++ b/Day3/3-paev-andmetarkus-esitlus.pptx
@@ -5,10 +5,10 @@
     <p:sldMasterId id="2147483648" r:id="rId4"/>
   </p:sldMasterIdLst>
   <p:notesMasterIdLst>
-    <p:notesMasterId r:id="rId22"/>
+    <p:notesMasterId r:id="rId26"/>
   </p:notesMasterIdLst>
   <p:handoutMasterIdLst>
-    <p:handoutMasterId r:id="rId23"/>
+    <p:handoutMasterId r:id="rId27"/>
   </p:handoutMasterIdLst>
   <p:sldIdLst>
     <p:sldId id="417" r:id="rId5"/>
@@ -19,32 +19,36 @@
     <p:sldId id="579" r:id="rId10"/>
     <p:sldId id="450" r:id="rId11"/>
     <p:sldId id="603" r:id="rId12"/>
-    <p:sldId id="484" r:id="rId13"/>
-    <p:sldId id="460" r:id="rId14"/>
-    <p:sldId id="461" r:id="rId15"/>
-    <p:sldId id="580" r:id="rId16"/>
-    <p:sldId id="503" r:id="rId17"/>
-    <p:sldId id="480" r:id="rId18"/>
-    <p:sldId id="604" r:id="rId19"/>
-    <p:sldId id="581" r:id="rId20"/>
-    <p:sldId id="588" r:id="rId21"/>
+    <p:sldId id="638" r:id="rId13"/>
+    <p:sldId id="639" r:id="rId14"/>
+    <p:sldId id="640" r:id="rId15"/>
+    <p:sldId id="484" r:id="rId16"/>
+    <p:sldId id="635" r:id="rId17"/>
+    <p:sldId id="460" r:id="rId18"/>
+    <p:sldId id="461" r:id="rId19"/>
+    <p:sldId id="580" r:id="rId20"/>
+    <p:sldId id="503" r:id="rId21"/>
+    <p:sldId id="480" r:id="rId22"/>
+    <p:sldId id="604" r:id="rId23"/>
+    <p:sldId id="581" r:id="rId24"/>
+    <p:sldId id="588" r:id="rId25"/>
   </p:sldIdLst>
   <p:sldSz cx="12192000" cy="6858000"/>
   <p:notesSz cx="6858000" cy="9144000"/>
   <p:embeddedFontLst>
     <p:embeddedFont>
       <p:font typeface="Inter" panose="020B0604020202020204" charset="0"/>
-      <p:regular r:id="rId24"/>
-      <p:bold r:id="rId25"/>
+      <p:regular r:id="rId28"/>
+      <p:bold r:id="rId29"/>
     </p:embeddedFont>
     <p:embeddedFont>
       <p:font typeface="Inter Bold" panose="020B0604020202020204" charset="0"/>
-      <p:bold r:id="rId26"/>
+      <p:bold r:id="rId30"/>
     </p:embeddedFont>
     <p:embeddedFont>
       <p:font typeface="Poppins SemiBold" panose="00000700000000000000" pitchFamily="2" charset="0"/>
-      <p:bold r:id="rId27"/>
-      <p:boldItalic r:id="rId28"/>
+      <p:bold r:id="rId31"/>
+      <p:boldItalic r:id="rId32"/>
     </p:embeddedFont>
   </p:embeddedFontLst>
   <p:defaultTextStyle>
@@ -156,9 +160,12 @@
 <file path=ppt/revisionInfo.xml><?xml version="1.0" encoding="utf-8"?>
 <p1510:revInfo xmlns:a="http://schemas.openxmlformats.org/drawingml/2006/main" xmlns:r="http://schemas.openxmlformats.org/officeDocument/2006/relationships" xmlns:p1510="http://schemas.microsoft.com/office/powerpoint/2015/10/main">
   <p1510:revLst>
-    <p1510:client id="{8F6E3AAF-566A-5D51-B119-77279892CBC3}" v="105" dt="2025-08-24T13:23:56.524"/>
+    <p1510:client id="{0072FE40-6ED8-484D-B3BF-2DC3C51420EA}" v="23" dt="2025-08-26T16:15:46.370"/>
+    <p1510:client id="{19C7C3EA-198D-3679-5220-7E0DE865FF5E}" v="111" dt="2025-08-26T15:56:24.840"/>
+    <p1510:client id="{3FDD2B3C-B068-2607-9D73-F6620F82C026}" v="156" dt="2025-08-26T16:07:37.221"/>
     <p1510:client id="{A8601F25-6AF6-9169-3466-87404BF55397}" v="262" dt="2025-08-25T15:32:10.434"/>
     <p1510:client id="{B8491133-D6B9-C97F-FC73-8668DC74C4BC}" v="617" dt="2025-08-25T15:10:28.446"/>
+    <p1510:client id="{C65C1195-2E73-5E4C-4A7C-AFB4C4A5B5A9}" v="79" dt="2025-08-26T15:37:30.809"/>
   </p1510:revLst>
 </p1510:revInfo>
 </file>
@@ -743,188 +750,10 @@
           <a:bodyPr/>
           <a:lstStyle/>
           <a:p>
-            <a:r>
-              <a:rPr lang="en-US" err="1">
-                <a:ea typeface="Calibri"/>
-                <a:cs typeface="Calibri"/>
-              </a:rPr>
-              <a:t>Tänase</a:t>
-            </a:r>
-            <a:r>
-              <a:rPr lang="en-US">
-                <a:ea typeface="Calibri"/>
-                <a:cs typeface="Calibri"/>
-              </a:rPr>
-              <a:t> </a:t>
-            </a:r>
-            <a:r>
-              <a:rPr lang="en-US" err="1">
-                <a:ea typeface="Calibri"/>
-                <a:cs typeface="Calibri"/>
-              </a:rPr>
-              <a:t>kohtumise</a:t>
-            </a:r>
-            <a:r>
-              <a:rPr lang="en-US">
-                <a:ea typeface="Calibri"/>
-                <a:cs typeface="Calibri"/>
-              </a:rPr>
-              <a:t> </a:t>
-            </a:r>
-            <a:r>
-              <a:rPr lang="en-US" err="1">
-                <a:ea typeface="Calibri"/>
-                <a:cs typeface="Calibri"/>
-              </a:rPr>
-              <a:t>eesmärk</a:t>
-            </a:r>
-            <a:r>
-              <a:rPr lang="en-US">
-                <a:ea typeface="Calibri"/>
-                <a:cs typeface="Calibri"/>
-              </a:rPr>
-              <a:t> on </a:t>
-            </a:r>
-            <a:r>
-              <a:rPr lang="en-US" err="1">
-                <a:ea typeface="Calibri"/>
-                <a:cs typeface="Calibri"/>
-              </a:rPr>
-              <a:t>üle</a:t>
-            </a:r>
-            <a:r>
-              <a:rPr lang="en-US">
-                <a:ea typeface="Calibri"/>
-                <a:cs typeface="Calibri"/>
-              </a:rPr>
-              <a:t> </a:t>
-            </a:r>
-            <a:r>
-              <a:rPr lang="en-US" err="1">
-                <a:ea typeface="Calibri"/>
-                <a:cs typeface="Calibri"/>
-              </a:rPr>
-              <a:t>vaadata</a:t>
-            </a:r>
-            <a:r>
-              <a:rPr lang="en-US">
-                <a:ea typeface="Calibri"/>
-                <a:cs typeface="Calibri"/>
-              </a:rPr>
-              <a:t> </a:t>
-            </a:r>
-            <a:r>
-              <a:rPr lang="en-US" err="1">
-                <a:ea typeface="Calibri"/>
-                <a:cs typeface="Calibri"/>
-              </a:rPr>
-              <a:t>õpiväljundid</a:t>
-            </a:r>
-            <a:r>
-              <a:rPr lang="en-US">
-                <a:ea typeface="Calibri"/>
-                <a:cs typeface="Calibri"/>
-              </a:rPr>
-              <a:t> </a:t>
-            </a:r>
-            <a:r>
-              <a:rPr lang="en-US" err="1">
-                <a:ea typeface="Calibri"/>
-                <a:cs typeface="Calibri"/>
-              </a:rPr>
-              <a:t>ning</a:t>
-            </a:r>
-            <a:r>
-              <a:rPr lang="en-US">
-                <a:ea typeface="Calibri"/>
-                <a:cs typeface="Calibri"/>
-              </a:rPr>
-              <a:t> </a:t>
-            </a:r>
-            <a:r>
-              <a:rPr lang="en-US" err="1">
-                <a:ea typeface="Calibri"/>
-                <a:cs typeface="Calibri"/>
-              </a:rPr>
-              <a:t>kogudaa</a:t>
-            </a:r>
-            <a:r>
-              <a:rPr lang="en-US">
-                <a:ea typeface="Calibri"/>
-                <a:cs typeface="Calibri"/>
-              </a:rPr>
-              <a:t> </a:t>
-            </a:r>
-            <a:r>
-              <a:rPr lang="en-US" err="1">
-                <a:ea typeface="Calibri"/>
-                <a:cs typeface="Calibri"/>
-              </a:rPr>
-              <a:t>teie</a:t>
-            </a:r>
-            <a:r>
-              <a:rPr lang="en-US">
-                <a:ea typeface="Calibri"/>
-                <a:cs typeface="Calibri"/>
-              </a:rPr>
-              <a:t> </a:t>
-            </a:r>
-            <a:r>
-              <a:rPr lang="en-US" err="1">
-                <a:ea typeface="Calibri"/>
-                <a:cs typeface="Calibri"/>
-              </a:rPr>
-              <a:t>esmased</a:t>
-            </a:r>
-            <a:r>
-              <a:rPr lang="en-US">
-                <a:ea typeface="Calibri"/>
-                <a:cs typeface="Calibri"/>
-              </a:rPr>
-              <a:t> </a:t>
-            </a:r>
-            <a:r>
-              <a:rPr lang="en-US" err="1">
-                <a:ea typeface="Calibri"/>
-                <a:cs typeface="Calibri"/>
-              </a:rPr>
-              <a:t>mõtted</a:t>
-            </a:r>
-            <a:r>
-              <a:rPr lang="en-US">
-                <a:ea typeface="Calibri"/>
-                <a:cs typeface="Calibri"/>
-              </a:rPr>
-              <a:t> </a:t>
-            </a:r>
-            <a:r>
-              <a:rPr lang="en-US" err="1">
-                <a:ea typeface="Calibri"/>
-                <a:cs typeface="Calibri"/>
-              </a:rPr>
-              <a:t>programmi</a:t>
-            </a:r>
-            <a:r>
-              <a:rPr lang="en-US">
-                <a:ea typeface="Calibri"/>
-                <a:cs typeface="Calibri"/>
-              </a:rPr>
-              <a:t> </a:t>
-            </a:r>
-            <a:r>
-              <a:rPr lang="en-US" err="1">
-                <a:ea typeface="Calibri"/>
-                <a:cs typeface="Calibri"/>
-              </a:rPr>
-              <a:t>osas</a:t>
-            </a:r>
-            <a:r>
-              <a:rPr lang="en-US">
-                <a:ea typeface="Calibri"/>
-                <a:cs typeface="Calibri"/>
-              </a:rPr>
-              <a:t>.</a:t>
-            </a:r>
+            <a:endParaRPr lang="en-US" dirty="0">
+              <a:ea typeface="Calibri"/>
+              <a:cs typeface="Calibri"/>
+            </a:endParaRPr>
           </a:p>
         </p:txBody>
       </p:sp>
@@ -1007,55 +836,10 @@
           <a:bodyPr/>
           <a:lstStyle/>
           <a:p>
-            <a:r>
-              <a:rPr lang="en-US">
-                <a:ea typeface="Calibri"/>
-                <a:cs typeface="Calibri"/>
-              </a:rPr>
-              <a:t>Miks </a:t>
-            </a:r>
-            <a:r>
-              <a:rPr lang="en-US" err="1">
-                <a:ea typeface="Calibri"/>
-                <a:cs typeface="Calibri"/>
-              </a:rPr>
-              <a:t>üldse</a:t>
-            </a:r>
-            <a:r>
-              <a:rPr lang="en-US">
-                <a:ea typeface="Calibri"/>
-                <a:cs typeface="Calibri"/>
-              </a:rPr>
-              <a:t> </a:t>
-            </a:r>
-            <a:r>
-              <a:rPr lang="en-US" err="1">
-                <a:ea typeface="Calibri"/>
-                <a:cs typeface="Calibri"/>
-              </a:rPr>
-              <a:t>andmeid</a:t>
-            </a:r>
-            <a:r>
-              <a:rPr lang="en-US">
-                <a:ea typeface="Calibri"/>
-                <a:cs typeface="Calibri"/>
-              </a:rPr>
-              <a:t> </a:t>
-            </a:r>
-            <a:r>
-              <a:rPr lang="en-US" err="1">
-                <a:ea typeface="Calibri"/>
-                <a:cs typeface="Calibri"/>
-              </a:rPr>
-              <a:t>visualiseerida</a:t>
-            </a:r>
-            <a:r>
-              <a:rPr lang="en-US">
-                <a:ea typeface="Calibri"/>
-                <a:cs typeface="Calibri"/>
-              </a:rPr>
-              <a:t>?</a:t>
-            </a:r>
+            <a:endParaRPr lang="en-US" dirty="0">
+              <a:ea typeface="Calibri"/>
+              <a:cs typeface="Calibri"/>
+            </a:endParaRPr>
           </a:p>
         </p:txBody>
       </p:sp>
@@ -1139,134 +923,10 @@
           <a:bodyPr/>
           <a:lstStyle/>
           <a:p>
-            <a:r>
-              <a:rPr lang="en-US" err="1">
-                <a:ea typeface="Calibri"/>
-                <a:cs typeface="Calibri"/>
-              </a:rPr>
-              <a:t>Konkreetse</a:t>
-            </a:r>
-            <a:r>
-              <a:rPr lang="en-US">
-                <a:ea typeface="Calibri"/>
-                <a:cs typeface="Calibri"/>
-              </a:rPr>
-              <a:t> </a:t>
-            </a:r>
-            <a:r>
-              <a:rPr lang="en-US" err="1">
-                <a:ea typeface="Calibri"/>
-                <a:cs typeface="Calibri"/>
-              </a:rPr>
-              <a:t>näite</a:t>
-            </a:r>
-            <a:r>
-              <a:rPr lang="en-US">
-                <a:ea typeface="Calibri"/>
-                <a:cs typeface="Calibri"/>
-              </a:rPr>
-              <a:t> </a:t>
-            </a:r>
-            <a:r>
-              <a:rPr lang="en-US" err="1">
-                <a:ea typeface="Calibri"/>
-                <a:cs typeface="Calibri"/>
-              </a:rPr>
-              <a:t>võtta</a:t>
-            </a:r>
-            <a:r>
-              <a:rPr lang="en-US">
-                <a:ea typeface="Calibri"/>
-                <a:cs typeface="Calibri"/>
-              </a:rPr>
-              <a:t> </a:t>
-            </a:r>
-            <a:r>
-              <a:rPr lang="en-US" err="1">
-                <a:ea typeface="Calibri"/>
-                <a:cs typeface="Calibri"/>
-              </a:rPr>
-              <a:t>andmepärli</a:t>
-            </a:r>
-            <a:r>
-              <a:rPr lang="en-US">
-                <a:ea typeface="Calibri"/>
-                <a:cs typeface="Calibri"/>
-              </a:rPr>
-              <a:t> </a:t>
-            </a:r>
-            <a:r>
-              <a:rPr lang="en-US" err="1">
-                <a:ea typeface="Calibri"/>
-                <a:cs typeface="Calibri"/>
-              </a:rPr>
-              <a:t>lugude</a:t>
-            </a:r>
-            <a:r>
-              <a:rPr lang="en-US">
-                <a:ea typeface="Calibri"/>
-                <a:cs typeface="Calibri"/>
-              </a:rPr>
-              <a:t> </a:t>
-            </a:r>
-            <a:r>
-              <a:rPr lang="en-US" err="1">
-                <a:ea typeface="Calibri"/>
-                <a:cs typeface="Calibri"/>
-              </a:rPr>
-              <a:t>seast</a:t>
-            </a:r>
-            <a:r>
-              <a:rPr lang="en-US">
-                <a:ea typeface="Calibri"/>
-                <a:cs typeface="Calibri"/>
-              </a:rPr>
-              <a:t>.</a:t>
-            </a:r>
-          </a:p>
-          <a:p>
-            <a:r>
-              <a:rPr lang="en-US" err="1">
-                <a:ea typeface="Calibri"/>
-                <a:cs typeface="Calibri"/>
-              </a:rPr>
-              <a:t>Analüütiline</a:t>
-            </a:r>
-            <a:r>
-              <a:rPr lang="en-US">
-                <a:ea typeface="Calibri"/>
-                <a:cs typeface="Calibri"/>
-              </a:rPr>
-              <a:t> (exploratory) vs </a:t>
-            </a:r>
-            <a:r>
-              <a:rPr lang="en-US" err="1">
-                <a:ea typeface="Calibri"/>
-                <a:cs typeface="Calibri"/>
-              </a:rPr>
-              <a:t>monitoorimine</a:t>
-            </a:r>
-            <a:r>
-              <a:rPr lang="en-US">
-                <a:ea typeface="Calibri"/>
-                <a:cs typeface="Calibri"/>
-              </a:rPr>
-              <a:t> vs </a:t>
-            </a:r>
-            <a:r>
-              <a:rPr lang="en-US" err="1">
-                <a:ea typeface="Calibri"/>
-                <a:cs typeface="Calibri"/>
-              </a:rPr>
-              <a:t>selgitav</a:t>
-            </a:r>
-            <a:r>
-              <a:rPr lang="en-US">
-                <a:ea typeface="Calibri"/>
-                <a:cs typeface="Calibri"/>
-              </a:rPr>
-              <a:t> (explanatory) analüüs.</a:t>
-            </a:r>
+            <a:endParaRPr lang="en-US" dirty="0">
+              <a:ea typeface="Calibri"/>
+              <a:cs typeface="Calibri"/>
+            </a:endParaRPr>
           </a:p>
         </p:txBody>
       </p:sp>
@@ -1287,7 +947,7 @@
           <a:p>
             <a:fld id="{46699514-027B-49BD-8B49-5054CA40ECF4}" type="slidenum">
               <a:rPr lang="en-US"/>
-              <a:t>13</a:t>
+              <a:t>17</a:t>
             </a:fld>
             <a:endParaRPr lang="en-US"/>
           </a:p>
@@ -1368,134 +1028,10 @@
           <a:bodyPr/>
           <a:lstStyle/>
           <a:p>
-            <a:r>
-              <a:rPr lang="en-US" err="1">
-                <a:ea typeface="Calibri"/>
-                <a:cs typeface="Calibri"/>
-              </a:rPr>
-              <a:t>Konkreetse</a:t>
-            </a:r>
-            <a:r>
-              <a:rPr lang="en-US">
-                <a:ea typeface="Calibri"/>
-                <a:cs typeface="Calibri"/>
-              </a:rPr>
-              <a:t> </a:t>
-            </a:r>
-            <a:r>
-              <a:rPr lang="en-US" err="1">
-                <a:ea typeface="Calibri"/>
-                <a:cs typeface="Calibri"/>
-              </a:rPr>
-              <a:t>näite</a:t>
-            </a:r>
-            <a:r>
-              <a:rPr lang="en-US">
-                <a:ea typeface="Calibri"/>
-                <a:cs typeface="Calibri"/>
-              </a:rPr>
-              <a:t> </a:t>
-            </a:r>
-            <a:r>
-              <a:rPr lang="en-US" err="1">
-                <a:ea typeface="Calibri"/>
-                <a:cs typeface="Calibri"/>
-              </a:rPr>
-              <a:t>võtta</a:t>
-            </a:r>
-            <a:r>
-              <a:rPr lang="en-US">
-                <a:ea typeface="Calibri"/>
-                <a:cs typeface="Calibri"/>
-              </a:rPr>
-              <a:t> </a:t>
-            </a:r>
-            <a:r>
-              <a:rPr lang="en-US" err="1">
-                <a:ea typeface="Calibri"/>
-                <a:cs typeface="Calibri"/>
-              </a:rPr>
-              <a:t>andmepärli</a:t>
-            </a:r>
-            <a:r>
-              <a:rPr lang="en-US">
-                <a:ea typeface="Calibri"/>
-                <a:cs typeface="Calibri"/>
-              </a:rPr>
-              <a:t> </a:t>
-            </a:r>
-            <a:r>
-              <a:rPr lang="en-US" err="1">
-                <a:ea typeface="Calibri"/>
-                <a:cs typeface="Calibri"/>
-              </a:rPr>
-              <a:t>lugude</a:t>
-            </a:r>
-            <a:r>
-              <a:rPr lang="en-US">
-                <a:ea typeface="Calibri"/>
-                <a:cs typeface="Calibri"/>
-              </a:rPr>
-              <a:t> </a:t>
-            </a:r>
-            <a:r>
-              <a:rPr lang="en-US" err="1">
-                <a:ea typeface="Calibri"/>
-                <a:cs typeface="Calibri"/>
-              </a:rPr>
-              <a:t>seast</a:t>
-            </a:r>
-            <a:r>
-              <a:rPr lang="en-US">
-                <a:ea typeface="Calibri"/>
-                <a:cs typeface="Calibri"/>
-              </a:rPr>
-              <a:t>.</a:t>
-            </a:r>
-          </a:p>
-          <a:p>
-            <a:r>
-              <a:rPr lang="en-US" err="1">
-                <a:ea typeface="Calibri"/>
-                <a:cs typeface="Calibri"/>
-              </a:rPr>
-              <a:t>Analüütiline</a:t>
-            </a:r>
-            <a:r>
-              <a:rPr lang="en-US">
-                <a:ea typeface="Calibri"/>
-                <a:cs typeface="Calibri"/>
-              </a:rPr>
-              <a:t> (exploratory) vs </a:t>
-            </a:r>
-            <a:r>
-              <a:rPr lang="en-US" err="1">
-                <a:ea typeface="Calibri"/>
-                <a:cs typeface="Calibri"/>
-              </a:rPr>
-              <a:t>monitoorimine</a:t>
-            </a:r>
-            <a:r>
-              <a:rPr lang="en-US">
-                <a:ea typeface="Calibri"/>
-                <a:cs typeface="Calibri"/>
-              </a:rPr>
-              <a:t> vs </a:t>
-            </a:r>
-            <a:r>
-              <a:rPr lang="en-US" err="1">
-                <a:ea typeface="Calibri"/>
-                <a:cs typeface="Calibri"/>
-              </a:rPr>
-              <a:t>selgitav</a:t>
-            </a:r>
-            <a:r>
-              <a:rPr lang="en-US">
-                <a:ea typeface="Calibri"/>
-                <a:cs typeface="Calibri"/>
-              </a:rPr>
-              <a:t> (explanatory) analüüs.</a:t>
-            </a:r>
+            <a:endParaRPr lang="en-US" dirty="0">
+              <a:ea typeface="Calibri"/>
+              <a:cs typeface="Calibri"/>
+            </a:endParaRPr>
           </a:p>
         </p:txBody>
       </p:sp>
@@ -1522,7 +1058,7 @@
           <a:p>
             <a:fld id="{46699514-027B-49BD-8B49-5054CA40ECF4}" type="slidenum">
               <a:rPr lang="en-US"/>
-              <a:t>17</a:t>
+              <a:t>21</a:t>
             </a:fld>
             <a:endParaRPr lang="en-US"/>
           </a:p>
@@ -24783,6 +24319,662 @@
         <p:cNvPr id="1" name="">
           <a:extLst>
             <a:ext uri="{FF2B5EF4-FFF2-40B4-BE49-F238E27FC236}">
+              <a16:creationId xmlns:a16="http://schemas.microsoft.com/office/drawing/2014/main" id="{9EEA2B20-17DB-62FA-4642-AEDF9BBEE665}"/>
+            </a:ext>
+          </a:extLst>
+        </p:cNvPr>
+        <p:cNvGrpSpPr/>
+        <p:nvPr/>
+      </p:nvGrpSpPr>
+      <p:grpSpPr>
+        <a:xfrm>
+          <a:off x="0" y="0"/>
+          <a:ext cx="0" cy="0"/>
+          <a:chOff x="0" y="0"/>
+          <a:chExt cx="0" cy="0"/>
+        </a:xfrm>
+      </p:grpSpPr>
+      <p:sp>
+        <p:nvSpPr>
+          <p:cNvPr id="2" name="Title 1">
+            <a:extLst>
+              <a:ext uri="{FF2B5EF4-FFF2-40B4-BE49-F238E27FC236}">
+                <a16:creationId xmlns:a16="http://schemas.microsoft.com/office/drawing/2014/main" id="{EF555F4C-1D32-4631-F4CF-0F9BD91F5509}"/>
+              </a:ext>
+            </a:extLst>
+          </p:cNvPr>
+          <p:cNvSpPr>
+            <a:spLocks noGrp="1"/>
+          </p:cNvSpPr>
+          <p:nvPr>
+            <p:ph type="ctrTitle"/>
+          </p:nvPr>
+        </p:nvSpPr>
+        <p:spPr/>
+        <p:txBody>
+          <a:bodyPr/>
+          <a:lstStyle/>
+          <a:p>
+            <a:r>
+              <a:rPr lang="en-US"/>
+              <a:t>Kumb </a:t>
+            </a:r>
+            <a:r>
+              <a:rPr lang="en-US" err="1"/>
+              <a:t>visuaal</a:t>
+            </a:r>
+            <a:r>
+              <a:rPr lang="en-US"/>
+              <a:t> on  </a:t>
+            </a:r>
+            <a:r>
+              <a:rPr lang="en-US" err="1"/>
+              <a:t>parem</a:t>
+            </a:r>
+            <a:r>
+              <a:rPr lang="en-US"/>
+              <a:t> – </a:t>
+            </a:r>
+            <a:r>
+              <a:rPr lang="en-US" err="1"/>
+              <a:t>miks</a:t>
+            </a:r>
+            <a:r>
+              <a:rPr lang="en-US"/>
+              <a:t>?</a:t>
+            </a:r>
+          </a:p>
+        </p:txBody>
+      </p:sp>
+      <p:pic>
+        <p:nvPicPr>
+          <p:cNvPr id="12" name="Content Placeholder 11">
+            <a:extLst>
+              <a:ext uri="{FF2B5EF4-FFF2-40B4-BE49-F238E27FC236}">
+                <a16:creationId xmlns:a16="http://schemas.microsoft.com/office/drawing/2014/main" id="{0A52F640-1D0A-6676-2612-F74C1B9849EC}"/>
+              </a:ext>
+            </a:extLst>
+          </p:cNvPr>
+          <p:cNvPicPr>
+            <a:picLocks noGrp="1" noChangeAspect="1"/>
+          </p:cNvPicPr>
+          <p:nvPr>
+            <p:ph sz="quarter" idx="11"/>
+          </p:nvPr>
+        </p:nvPicPr>
+        <p:blipFill>
+          <a:blip r:embed="rId2"/>
+          <a:stretch>
+            <a:fillRect/>
+          </a:stretch>
+        </p:blipFill>
+        <p:spPr>
+          <a:xfrm>
+            <a:off x="6757193" y="1722741"/>
+            <a:ext cx="4140445" cy="3674208"/>
+          </a:xfrm>
+          <a:prstGeom prst="rect">
+            <a:avLst/>
+          </a:prstGeom>
+        </p:spPr>
+      </p:pic>
+      <p:pic>
+        <p:nvPicPr>
+          <p:cNvPr id="11" name="Content Placeholder 10">
+            <a:extLst>
+              <a:ext uri="{FF2B5EF4-FFF2-40B4-BE49-F238E27FC236}">
+                <a16:creationId xmlns:a16="http://schemas.microsoft.com/office/drawing/2014/main" id="{79DEEC26-55A7-9770-1A7A-48D155173F16}"/>
+              </a:ext>
+            </a:extLst>
+          </p:cNvPr>
+          <p:cNvPicPr>
+            <a:picLocks noGrp="1" noChangeAspect="1"/>
+          </p:cNvPicPr>
+          <p:nvPr>
+            <p:ph sz="quarter" idx="10"/>
+          </p:nvPr>
+        </p:nvPicPr>
+        <p:blipFill>
+          <a:blip r:embed="rId3"/>
+          <a:stretch>
+            <a:fillRect/>
+          </a:stretch>
+        </p:blipFill>
+        <p:spPr>
+          <a:xfrm>
+            <a:off x="1088110" y="1722743"/>
+            <a:ext cx="4582257" cy="3674207"/>
+          </a:xfrm>
+          <a:prstGeom prst="rect">
+            <a:avLst/>
+          </a:prstGeom>
+          <a:ln>
+            <a:solidFill>
+              <a:schemeClr val="tx1">
+                <a:lumMod val="10000"/>
+                <a:lumOff val="90000"/>
+              </a:schemeClr>
+            </a:solidFill>
+          </a:ln>
+        </p:spPr>
+      </p:pic>
+    </p:spTree>
+    <p:extLst>
+      <p:ext uri="{BB962C8B-B14F-4D97-AF65-F5344CB8AC3E}">
+        <p14:creationId xmlns:p14="http://schemas.microsoft.com/office/powerpoint/2010/main" val="4213550379"/>
+      </p:ext>
+    </p:extLst>
+  </p:cSld>
+  <p:clrMapOvr>
+    <a:masterClrMapping/>
+  </p:clrMapOvr>
+</p:sld>
+</file>
+
+<file path=ppt/slides/slide11.xml><?xml version="1.0" encoding="utf-8"?>
+<p:sld xmlns:a="http://schemas.openxmlformats.org/drawingml/2006/main" xmlns:r="http://schemas.openxmlformats.org/officeDocument/2006/relationships" xmlns:p="http://schemas.openxmlformats.org/presentationml/2006/main">
+  <p:cSld>
+    <p:spTree>
+      <p:nvGrpSpPr>
+        <p:cNvPr id="1" name="">
+          <a:extLst>
+            <a:ext uri="{FF2B5EF4-FFF2-40B4-BE49-F238E27FC236}">
+              <a16:creationId xmlns:a16="http://schemas.microsoft.com/office/drawing/2014/main" id="{E0CB6255-A18B-98C8-37D3-5A91EE8E0245}"/>
+            </a:ext>
+          </a:extLst>
+        </p:cNvPr>
+        <p:cNvGrpSpPr/>
+        <p:nvPr/>
+      </p:nvGrpSpPr>
+      <p:grpSpPr>
+        <a:xfrm>
+          <a:off x="0" y="0"/>
+          <a:ext cx="0" cy="0"/>
+          <a:chOff x="0" y="0"/>
+          <a:chExt cx="0" cy="0"/>
+        </a:xfrm>
+      </p:grpSpPr>
+      <p:sp>
+        <p:nvSpPr>
+          <p:cNvPr id="2" name="Title 1">
+            <a:extLst>
+              <a:ext uri="{FF2B5EF4-FFF2-40B4-BE49-F238E27FC236}">
+                <a16:creationId xmlns:a16="http://schemas.microsoft.com/office/drawing/2014/main" id="{7AADADF3-06C6-7A42-2CFB-B3F6BEA29740}"/>
+              </a:ext>
+            </a:extLst>
+          </p:cNvPr>
+          <p:cNvSpPr>
+            <a:spLocks noGrp="1"/>
+          </p:cNvSpPr>
+          <p:nvPr>
+            <p:ph type="ctrTitle"/>
+          </p:nvPr>
+        </p:nvSpPr>
+        <p:spPr/>
+        <p:txBody>
+          <a:bodyPr/>
+          <a:lstStyle/>
+          <a:p>
+            <a:r>
+              <a:rPr lang="en-US"/>
+              <a:t>Kumb </a:t>
+            </a:r>
+            <a:r>
+              <a:rPr lang="en-US" err="1"/>
+              <a:t>visuaal</a:t>
+            </a:r>
+            <a:r>
+              <a:rPr lang="en-US"/>
+              <a:t> on </a:t>
+            </a:r>
+            <a:r>
+              <a:rPr lang="en-US" err="1"/>
+              <a:t>parem</a:t>
+            </a:r>
+            <a:r>
+              <a:rPr lang="en-US"/>
+              <a:t> – </a:t>
+            </a:r>
+            <a:r>
+              <a:rPr lang="en-US" err="1"/>
+              <a:t>miks</a:t>
+            </a:r>
+            <a:r>
+              <a:rPr lang="en-US"/>
+              <a:t>?</a:t>
+            </a:r>
+          </a:p>
+        </p:txBody>
+      </p:sp>
+      <p:pic>
+        <p:nvPicPr>
+          <p:cNvPr id="5" name="Content Placeholder 4">
+            <a:extLst>
+              <a:ext uri="{FF2B5EF4-FFF2-40B4-BE49-F238E27FC236}">
+                <a16:creationId xmlns:a16="http://schemas.microsoft.com/office/drawing/2014/main" id="{AD5CB1DB-43DC-007D-0D83-3BFBC5B29A86}"/>
+              </a:ext>
+            </a:extLst>
+          </p:cNvPr>
+          <p:cNvPicPr>
+            <a:picLocks noGrp="1" noChangeAspect="1"/>
+          </p:cNvPicPr>
+          <p:nvPr>
+            <p:ph sz="quarter" idx="10"/>
+          </p:nvPr>
+        </p:nvPicPr>
+        <p:blipFill>
+          <a:blip r:embed="rId2"/>
+          <a:stretch>
+            <a:fillRect/>
+          </a:stretch>
+        </p:blipFill>
+        <p:spPr>
+          <a:xfrm>
+            <a:off x="736455" y="1268413"/>
+            <a:ext cx="4711055" cy="4131610"/>
+          </a:xfrm>
+          <a:prstGeom prst="rect">
+            <a:avLst/>
+          </a:prstGeom>
+        </p:spPr>
+      </p:pic>
+      <p:pic>
+        <p:nvPicPr>
+          <p:cNvPr id="8" name="Content Placeholder 7" descr="A graph showing a number of sales&#10;&#10;AI-generated content may be incorrect.">
+            <a:extLst>
+              <a:ext uri="{FF2B5EF4-FFF2-40B4-BE49-F238E27FC236}">
+                <a16:creationId xmlns:a16="http://schemas.microsoft.com/office/drawing/2014/main" id="{360B97AD-FC5D-BB0E-0676-B5A738A91A24}"/>
+              </a:ext>
+            </a:extLst>
+          </p:cNvPr>
+          <p:cNvPicPr>
+            <a:picLocks noGrp="1" noChangeAspect="1"/>
+          </p:cNvPicPr>
+          <p:nvPr>
+            <p:ph sz="quarter" idx="11"/>
+          </p:nvPr>
+        </p:nvPicPr>
+        <p:blipFill>
+          <a:blip r:embed="rId3"/>
+          <a:stretch>
+            <a:fillRect/>
+          </a:stretch>
+        </p:blipFill>
+        <p:spPr>
+          <a:xfrm>
+            <a:off x="6747007" y="1268412"/>
+            <a:ext cx="4685143" cy="4131610"/>
+          </a:xfrm>
+          <a:prstGeom prst="rect">
+            <a:avLst/>
+          </a:prstGeom>
+        </p:spPr>
+      </p:pic>
+      <p:sp>
+        <p:nvSpPr>
+          <p:cNvPr id="10" name="TextBox 9">
+            <a:extLst>
+              <a:ext uri="{FF2B5EF4-FFF2-40B4-BE49-F238E27FC236}">
+                <a16:creationId xmlns:a16="http://schemas.microsoft.com/office/drawing/2014/main" id="{30D38AA4-127B-D0C2-EC2D-3D9FC005B9BF}"/>
+              </a:ext>
+            </a:extLst>
+          </p:cNvPr>
+          <p:cNvSpPr txBox="1"/>
+          <p:nvPr/>
+        </p:nvSpPr>
+        <p:spPr>
+          <a:xfrm>
+            <a:off x="631795" y="6124716"/>
+            <a:ext cx="8577018" cy="276999"/>
+          </a:xfrm>
+          <a:prstGeom prst="rect">
+            <a:avLst/>
+          </a:prstGeom>
+          <a:noFill/>
+        </p:spPr>
+        <p:txBody>
+          <a:bodyPr rot="0" spcFirstLastPara="0" vertOverflow="overflow" horzOverflow="overflow" vert="horz" wrap="square" lIns="91440" tIns="45720" rIns="91440" bIns="45720" numCol="1" spcCol="0" rtlCol="0" fromWordArt="0" anchor="t" anchorCtr="0" forceAA="0" compatLnSpc="1">
+            <a:prstTxWarp prst="textNoShape">
+              <a:avLst/>
+            </a:prstTxWarp>
+            <a:spAutoFit/>
+          </a:bodyPr>
+          <a:lstStyle/>
+          <a:p>
+            <a:r>
+              <a:rPr lang="en-US" sz="1200">
+                <a:ea typeface="Inter"/>
+              </a:rPr>
+              <a:t>Allikas: </a:t>
+            </a:r>
+            <a:r>
+              <a:rPr lang="en-US" sz="1200">
+                <a:ea typeface="Inter"/>
+                <a:hlinkClick r:id="rId4"/>
+              </a:rPr>
+              <a:t>Rand Owens. </a:t>
+            </a:r>
+            <a:r>
+              <a:rPr lang="en-US" sz="1200">
+                <a:solidFill>
+                  <a:srgbClr val="000000"/>
+                </a:solidFill>
+                <a:hlinkClick r:id="rId4"/>
+              </a:rPr>
+              <a:t>10 Good and Bad Examples of Data Visualization in 2024.</a:t>
+            </a:r>
+            <a:endParaRPr lang="en-US" sz="1200">
+              <a:ea typeface="Inter"/>
+            </a:endParaRPr>
+          </a:p>
+        </p:txBody>
+      </p:sp>
+    </p:spTree>
+    <p:extLst>
+      <p:ext uri="{BB962C8B-B14F-4D97-AF65-F5344CB8AC3E}">
+        <p14:creationId xmlns:p14="http://schemas.microsoft.com/office/powerpoint/2010/main" val="797544648"/>
+      </p:ext>
+    </p:extLst>
+  </p:cSld>
+  <p:clrMapOvr>
+    <a:masterClrMapping/>
+  </p:clrMapOvr>
+</p:sld>
+</file>
+
+<file path=ppt/slides/slide12.xml><?xml version="1.0" encoding="utf-8"?>
+<p:sld xmlns:a="http://schemas.openxmlformats.org/drawingml/2006/main" xmlns:r="http://schemas.openxmlformats.org/officeDocument/2006/relationships" xmlns:p="http://schemas.openxmlformats.org/presentationml/2006/main">
+  <p:cSld>
+    <p:spTree>
+      <p:nvGrpSpPr>
+        <p:cNvPr id="1" name="">
+          <a:extLst>
+            <a:ext uri="{FF2B5EF4-FFF2-40B4-BE49-F238E27FC236}">
+              <a16:creationId xmlns:a16="http://schemas.microsoft.com/office/drawing/2014/main" id="{33C95D20-17C4-BC51-A46D-45786216C4E7}"/>
+            </a:ext>
+          </a:extLst>
+        </p:cNvPr>
+        <p:cNvGrpSpPr/>
+        <p:nvPr/>
+      </p:nvGrpSpPr>
+      <p:grpSpPr>
+        <a:xfrm>
+          <a:off x="0" y="0"/>
+          <a:ext cx="0" cy="0"/>
+          <a:chOff x="0" y="0"/>
+          <a:chExt cx="0" cy="0"/>
+        </a:xfrm>
+      </p:grpSpPr>
+      <p:sp>
+        <p:nvSpPr>
+          <p:cNvPr id="2" name="Title 1">
+            <a:extLst>
+              <a:ext uri="{FF2B5EF4-FFF2-40B4-BE49-F238E27FC236}">
+                <a16:creationId xmlns:a16="http://schemas.microsoft.com/office/drawing/2014/main" id="{C81CAE3B-A6BD-571A-882F-3266F13CE77B}"/>
+              </a:ext>
+            </a:extLst>
+          </p:cNvPr>
+          <p:cNvSpPr>
+            <a:spLocks noGrp="1"/>
+          </p:cNvSpPr>
+          <p:nvPr>
+            <p:ph type="ctrTitle"/>
+          </p:nvPr>
+        </p:nvSpPr>
+        <p:spPr/>
+        <p:txBody>
+          <a:bodyPr/>
+          <a:lstStyle/>
+          <a:p>
+            <a:r>
+              <a:rPr lang="en-US"/>
+              <a:t>Õige </a:t>
+            </a:r>
+            <a:r>
+              <a:rPr lang="en-US" err="1"/>
+              <a:t>visuaali</a:t>
+            </a:r>
+            <a:r>
+              <a:rPr lang="en-US"/>
+              <a:t> </a:t>
+            </a:r>
+            <a:r>
+              <a:rPr lang="en-US" err="1"/>
+              <a:t>valimine</a:t>
+            </a:r>
+          </a:p>
+        </p:txBody>
+      </p:sp>
+      <p:sp>
+        <p:nvSpPr>
+          <p:cNvPr id="3" name="Content Placeholder 2">
+            <a:extLst>
+              <a:ext uri="{FF2B5EF4-FFF2-40B4-BE49-F238E27FC236}">
+                <a16:creationId xmlns:a16="http://schemas.microsoft.com/office/drawing/2014/main" id="{467B89B8-B808-32D1-3C5F-AF4D5CF10E55}"/>
+              </a:ext>
+            </a:extLst>
+          </p:cNvPr>
+          <p:cNvSpPr>
+            <a:spLocks noGrp="1"/>
+          </p:cNvSpPr>
+          <p:nvPr>
+            <p:ph sz="quarter" idx="10"/>
+          </p:nvPr>
+        </p:nvSpPr>
+        <p:spPr/>
+        <p:txBody>
+          <a:bodyPr/>
+          <a:lstStyle/>
+          <a:p>
+            <a:pPr>
+              <a:lnSpc>
+                <a:spcPct val="150000"/>
+              </a:lnSpc>
+            </a:pPr>
+            <a:endParaRPr lang="en-US" sz="2400">
+              <a:solidFill>
+                <a:srgbClr val="000000"/>
+              </a:solidFill>
+              <a:ea typeface="Inter"/>
+            </a:endParaRPr>
+          </a:p>
+          <a:p>
+            <a:pPr>
+              <a:lnSpc>
+                <a:spcPct val="150000"/>
+              </a:lnSpc>
+            </a:pPr>
+            <a:endParaRPr lang="en-US" sz="2400">
+              <a:solidFill>
+                <a:srgbClr val="000000"/>
+              </a:solidFill>
+              <a:ea typeface="Inter"/>
+            </a:endParaRPr>
+          </a:p>
+        </p:txBody>
+      </p:sp>
+      <p:pic>
+        <p:nvPicPr>
+          <p:cNvPr id="4" name="Picture 3" descr="A diagram of a diagram&#10;&#10;AI-generated content may be incorrect.">
+            <a:extLst>
+              <a:ext uri="{FF2B5EF4-FFF2-40B4-BE49-F238E27FC236}">
+                <a16:creationId xmlns:a16="http://schemas.microsoft.com/office/drawing/2014/main" id="{80FF65D0-1C51-2845-87B7-E7BF5BF171AF}"/>
+              </a:ext>
+            </a:extLst>
+          </p:cNvPr>
+          <p:cNvPicPr>
+            <a:picLocks noChangeAspect="1"/>
+          </p:cNvPicPr>
+          <p:nvPr/>
+        </p:nvPicPr>
+        <p:blipFill>
+          <a:blip r:embed="rId2"/>
+          <a:stretch>
+            <a:fillRect/>
+          </a:stretch>
+        </p:blipFill>
+        <p:spPr>
+          <a:xfrm>
+            <a:off x="3155486" y="974912"/>
+            <a:ext cx="7360206" cy="5401236"/>
+          </a:xfrm>
+          <a:prstGeom prst="rect">
+            <a:avLst/>
+          </a:prstGeom>
+        </p:spPr>
+      </p:pic>
+    </p:spTree>
+    <p:extLst>
+      <p:ext uri="{BB962C8B-B14F-4D97-AF65-F5344CB8AC3E}">
+        <p14:creationId xmlns:p14="http://schemas.microsoft.com/office/powerpoint/2010/main" val="3042153973"/>
+      </p:ext>
+    </p:extLst>
+  </p:cSld>
+  <p:clrMapOvr>
+    <a:masterClrMapping/>
+  </p:clrMapOvr>
+</p:sld>
+</file>
+
+<file path=ppt/slides/slide13.xml><?xml version="1.0" encoding="utf-8"?>
+<p:sld xmlns:a="http://schemas.openxmlformats.org/drawingml/2006/main" xmlns:r="http://schemas.openxmlformats.org/officeDocument/2006/relationships" xmlns:p="http://schemas.openxmlformats.org/presentationml/2006/main">
+  <p:cSld>
+    <p:spTree>
+      <p:nvGrpSpPr>
+        <p:cNvPr id="1" name=""/>
+        <p:cNvGrpSpPr/>
+        <p:nvPr/>
+      </p:nvGrpSpPr>
+      <p:grpSpPr>
+        <a:xfrm>
+          <a:off x="0" y="0"/>
+          <a:ext cx="0" cy="0"/>
+          <a:chOff x="0" y="0"/>
+          <a:chExt cx="0" cy="0"/>
+        </a:xfrm>
+      </p:grpSpPr>
+      <p:sp>
+        <p:nvSpPr>
+          <p:cNvPr id="2" name="Title 1">
+            <a:extLst>
+              <a:ext uri="{FF2B5EF4-FFF2-40B4-BE49-F238E27FC236}">
+                <a16:creationId xmlns:a16="http://schemas.microsoft.com/office/drawing/2014/main" id="{98E5880A-65B9-EF2C-26CD-F373C75060DD}"/>
+              </a:ext>
+            </a:extLst>
+          </p:cNvPr>
+          <p:cNvSpPr>
+            <a:spLocks noGrp="1"/>
+          </p:cNvSpPr>
+          <p:nvPr>
+            <p:ph type="ctrTitle"/>
+          </p:nvPr>
+        </p:nvSpPr>
+        <p:spPr/>
+        <p:txBody>
+          <a:bodyPr/>
+          <a:lstStyle/>
+          <a:p>
+            <a:r>
+              <a:rPr lang="en-US" err="1"/>
+              <a:t>Lugemist</a:t>
+            </a:r>
+            <a:r>
+              <a:rPr lang="en-US"/>
+              <a:t> </a:t>
+            </a:r>
+            <a:r>
+              <a:rPr lang="en-US" err="1"/>
+              <a:t>visualiseerimise</a:t>
+            </a:r>
+            <a:r>
+              <a:rPr lang="en-US"/>
+              <a:t> </a:t>
+            </a:r>
+            <a:r>
+              <a:rPr lang="en-US" err="1"/>
+              <a:t>teemal</a:t>
+            </a:r>
+          </a:p>
+        </p:txBody>
+      </p:sp>
+      <p:sp>
+        <p:nvSpPr>
+          <p:cNvPr id="3" name="Content Placeholder 2">
+            <a:extLst>
+              <a:ext uri="{FF2B5EF4-FFF2-40B4-BE49-F238E27FC236}">
+                <a16:creationId xmlns:a16="http://schemas.microsoft.com/office/drawing/2014/main" id="{5A26FC58-3D89-09B2-8E5F-8B998115BB7F}"/>
+              </a:ext>
+            </a:extLst>
+          </p:cNvPr>
+          <p:cNvSpPr>
+            <a:spLocks noGrp="1"/>
+          </p:cNvSpPr>
+          <p:nvPr>
+            <p:ph sz="quarter" idx="10"/>
+          </p:nvPr>
+        </p:nvSpPr>
+        <p:spPr/>
+        <p:txBody>
+          <a:bodyPr/>
+          <a:lstStyle/>
+          <a:p>
+            <a:pPr>
+              <a:lnSpc>
+                <a:spcPct val="150000"/>
+              </a:lnSpc>
+            </a:pPr>
+            <a:r>
+              <a:rPr lang="en-US" sz="2400">
+                <a:ea typeface="Inter"/>
+                <a:hlinkClick r:id="rId2"/>
+              </a:rPr>
+              <a:t>Rand Owens. 10 Good and Bad Examples of Data Visualization in 2024.</a:t>
+            </a:r>
+            <a:endParaRPr lang="en-US"/>
+          </a:p>
+          <a:p>
+            <a:pPr>
+              <a:lnSpc>
+                <a:spcPct val="150000"/>
+              </a:lnSpc>
+            </a:pPr>
+            <a:r>
+              <a:rPr lang="en-US" sz="2400">
+                <a:ea typeface="Inter"/>
+                <a:hlinkClick r:id="rId3"/>
+              </a:rPr>
+              <a:t>Ivan Kilin. 80 types of charts &amp; graphs for data visualization</a:t>
+            </a:r>
+            <a:r>
+              <a:rPr lang="en-US" sz="2400">
+                <a:ea typeface="Inter"/>
+              </a:rPr>
+              <a:t>.</a:t>
+            </a:r>
+          </a:p>
+        </p:txBody>
+      </p:sp>
+    </p:spTree>
+    <p:extLst>
+      <p:ext uri="{BB962C8B-B14F-4D97-AF65-F5344CB8AC3E}">
+        <p14:creationId xmlns:p14="http://schemas.microsoft.com/office/powerpoint/2010/main" val="2519496009"/>
+      </p:ext>
+    </p:extLst>
+  </p:cSld>
+  <p:clrMapOvr>
+    <a:masterClrMapping/>
+  </p:clrMapOvr>
+</p:sld>
+</file>
+
+<file path=ppt/slides/slide14.xml><?xml version="1.0" encoding="utf-8"?>
+<p:sld xmlns:a="http://schemas.openxmlformats.org/drawingml/2006/main" xmlns:r="http://schemas.openxmlformats.org/officeDocument/2006/relationships" xmlns:p="http://schemas.openxmlformats.org/presentationml/2006/main">
+  <p:cSld>
+    <p:spTree>
+      <p:nvGrpSpPr>
+        <p:cNvPr id="1" name="">
+          <a:extLst>
+            <a:ext uri="{FF2B5EF4-FFF2-40B4-BE49-F238E27FC236}">
               <a16:creationId xmlns:a16="http://schemas.microsoft.com/office/drawing/2014/main" id="{B9E73FD9-D77E-162D-7041-13E961378FC5}"/>
             </a:ext>
           </a:extLst>
@@ -25337,7 +25529,7 @@
 </p:sld>
 </file>
 
-<file path=ppt/slides/slide11.xml><?xml version="1.0" encoding="utf-8"?>
+<file path=ppt/slides/slide15.xml><?xml version="1.0" encoding="utf-8"?>
 <p:sld xmlns:a="http://schemas.openxmlformats.org/drawingml/2006/main" xmlns:r="http://schemas.openxmlformats.org/officeDocument/2006/relationships" xmlns:p="http://schemas.openxmlformats.org/presentationml/2006/main">
   <p:cSld>
     <p:spTree>
@@ -25742,7 +25934,7 @@
 </p:sld>
 </file>
 
-<file path=ppt/slides/slide12.xml><?xml version="1.0" encoding="utf-8"?>
+<file path=ppt/slides/slide16.xml><?xml version="1.0" encoding="utf-8"?>
 <p:sld xmlns:a="http://schemas.openxmlformats.org/drawingml/2006/main" xmlns:r="http://schemas.openxmlformats.org/officeDocument/2006/relationships" xmlns:p="http://schemas.openxmlformats.org/presentationml/2006/main">
   <p:cSld>
     <p:spTree>
@@ -25859,7 +26051,7 @@
 </p:sld>
 </file>
 
-<file path=ppt/slides/slide13.xml><?xml version="1.0" encoding="utf-8"?>
+<file path=ppt/slides/slide17.xml><?xml version="1.0" encoding="utf-8"?>
 <p:sld xmlns:a="http://schemas.openxmlformats.org/drawingml/2006/main" xmlns:r="http://schemas.openxmlformats.org/officeDocument/2006/relationships" xmlns:p="http://schemas.openxmlformats.org/presentationml/2006/main">
   <p:cSld>
     <p:spTree>
@@ -26424,7 +26616,7 @@
 </p:sld>
 </file>
 
-<file path=ppt/slides/slide14.xml><?xml version="1.0" encoding="utf-8"?>
+<file path=ppt/slides/slide18.xml><?xml version="1.0" encoding="utf-8"?>
 <p:sld xmlns:a="http://schemas.openxmlformats.org/drawingml/2006/main" xmlns:r="http://schemas.openxmlformats.org/officeDocument/2006/relationships" xmlns:p="http://schemas.openxmlformats.org/presentationml/2006/main">
   <p:cSld>
     <p:spTree>
@@ -26740,7 +26932,7 @@
 </p:sld>
 </file>
 
-<file path=ppt/slides/slide15.xml><?xml version="1.0" encoding="utf-8"?>
+<file path=ppt/slides/slide19.xml><?xml version="1.0" encoding="utf-8"?>
 <p:sld xmlns:a="http://schemas.openxmlformats.org/drawingml/2006/main" xmlns:r="http://schemas.openxmlformats.org/officeDocument/2006/relationships" xmlns:p="http://schemas.openxmlformats.org/presentationml/2006/main">
   <p:cSld>
     <p:spTree>
@@ -27094,429 +27286,6 @@
     <p:extLst>
       <p:ext uri="{BB962C8B-B14F-4D97-AF65-F5344CB8AC3E}">
         <p14:creationId xmlns:p14="http://schemas.microsoft.com/office/powerpoint/2010/main" val="3309601003"/>
-      </p:ext>
-    </p:extLst>
-  </p:cSld>
-  <p:clrMapOvr>
-    <a:masterClrMapping/>
-  </p:clrMapOvr>
-</p:sld>
-</file>
-
-<file path=ppt/slides/slide16.xml><?xml version="1.0" encoding="utf-8"?>
-<p:sld xmlns:a="http://schemas.openxmlformats.org/drawingml/2006/main" xmlns:r="http://schemas.openxmlformats.org/officeDocument/2006/relationships" xmlns:p="http://schemas.openxmlformats.org/presentationml/2006/main">
-  <p:cSld>
-    <p:spTree>
-      <p:nvGrpSpPr>
-        <p:cNvPr id="1" name="">
-          <a:extLst>
-            <a:ext uri="{FF2B5EF4-FFF2-40B4-BE49-F238E27FC236}">
-              <a16:creationId xmlns:a16="http://schemas.microsoft.com/office/drawing/2014/main" id="{18915F75-FC9C-EF8C-50B5-8243CA945212}"/>
-            </a:ext>
-          </a:extLst>
-        </p:cNvPr>
-        <p:cNvGrpSpPr/>
-        <p:nvPr/>
-      </p:nvGrpSpPr>
-      <p:grpSpPr>
-        <a:xfrm>
-          <a:off x="0" y="0"/>
-          <a:ext cx="0" cy="0"/>
-          <a:chOff x="0" y="0"/>
-          <a:chExt cx="0" cy="0"/>
-        </a:xfrm>
-      </p:grpSpPr>
-      <p:sp>
-        <p:nvSpPr>
-          <p:cNvPr id="3" name="Content Placeholder 2">
-            <a:extLst>
-              <a:ext uri="{FF2B5EF4-FFF2-40B4-BE49-F238E27FC236}">
-                <a16:creationId xmlns:a16="http://schemas.microsoft.com/office/drawing/2014/main" id="{5D2DA6FB-6CD2-65BA-09C4-FCC6EF0AF84E}"/>
-              </a:ext>
-            </a:extLst>
-          </p:cNvPr>
-          <p:cNvSpPr>
-            <a:spLocks noGrp="1"/>
-          </p:cNvSpPr>
-          <p:nvPr>
-            <p:ph sz="quarter" idx="10"/>
-          </p:nvPr>
-        </p:nvSpPr>
-        <p:spPr/>
-        <p:txBody>
-          <a:bodyPr/>
-          <a:lstStyle/>
-          <a:p>
-            <a:pPr marL="0" indent="0">
-              <a:lnSpc>
-                <a:spcPct val="150000"/>
-              </a:lnSpc>
-              <a:buNone/>
-            </a:pPr>
-            <a:endParaRPr lang="en-US" sz="2800">
-              <a:ea typeface="Inter"/>
-            </a:endParaRPr>
-          </a:p>
-          <a:p>
-            <a:pPr marL="457200" lvl="1" indent="0">
-              <a:lnSpc>
-                <a:spcPct val="150000"/>
-              </a:lnSpc>
-              <a:buNone/>
-            </a:pPr>
-            <a:endParaRPr lang="en-US" sz="2000">
-              <a:ea typeface="Inter"/>
-            </a:endParaRPr>
-          </a:p>
-        </p:txBody>
-      </p:sp>
-      <p:sp>
-        <p:nvSpPr>
-          <p:cNvPr id="5" name="Title 4">
-            <a:extLst>
-              <a:ext uri="{FF2B5EF4-FFF2-40B4-BE49-F238E27FC236}">
-                <a16:creationId xmlns:a16="http://schemas.microsoft.com/office/drawing/2014/main" id="{F5E4C20F-523D-8335-2938-F35D9E570F9C}"/>
-              </a:ext>
-            </a:extLst>
-          </p:cNvPr>
-          <p:cNvSpPr>
-            <a:spLocks noGrp="1"/>
-          </p:cNvSpPr>
-          <p:nvPr>
-            <p:ph type="ctrTitle"/>
-          </p:nvPr>
-        </p:nvSpPr>
-        <p:spPr>
-          <a:xfrm>
-            <a:off x="4283493" y="2675333"/>
-            <a:ext cx="3777666" cy="357043"/>
-          </a:xfrm>
-        </p:spPr>
-        <p:txBody>
-          <a:bodyPr/>
-          <a:lstStyle/>
-          <a:p>
-            <a:r>
-              <a:rPr lang="en-US"/>
-              <a:t>Paus 14:45-15:00</a:t>
-            </a:r>
-          </a:p>
-        </p:txBody>
-      </p:sp>
-    </p:spTree>
-    <p:extLst>
-      <p:ext uri="{BB962C8B-B14F-4D97-AF65-F5344CB8AC3E}">
-        <p14:creationId xmlns:p14="http://schemas.microsoft.com/office/powerpoint/2010/main" val="3731588115"/>
-      </p:ext>
-    </p:extLst>
-  </p:cSld>
-  <p:clrMapOvr>
-    <a:masterClrMapping/>
-  </p:clrMapOvr>
-</p:sld>
-</file>
-
-<file path=ppt/slides/slide17.xml><?xml version="1.0" encoding="utf-8"?>
-<p:sld xmlns:a="http://schemas.openxmlformats.org/drawingml/2006/main" xmlns:r="http://schemas.openxmlformats.org/officeDocument/2006/relationships" xmlns:p="http://schemas.openxmlformats.org/presentationml/2006/main">
-  <p:cSld>
-    <p:spTree>
-      <p:nvGrpSpPr>
-        <p:cNvPr id="1" name="">
-          <a:extLst>
-            <a:ext uri="{FF2B5EF4-FFF2-40B4-BE49-F238E27FC236}">
-              <a16:creationId xmlns:a16="http://schemas.microsoft.com/office/drawing/2014/main" id="{6BCD841B-1620-7F64-AABF-17AC8BEADE23}"/>
-            </a:ext>
-          </a:extLst>
-        </p:cNvPr>
-        <p:cNvGrpSpPr/>
-        <p:nvPr/>
-      </p:nvGrpSpPr>
-      <p:grpSpPr>
-        <a:xfrm>
-          <a:off x="0" y="0"/>
-          <a:ext cx="0" cy="0"/>
-          <a:chOff x="0" y="0"/>
-          <a:chExt cx="0" cy="0"/>
-        </a:xfrm>
-      </p:grpSpPr>
-      <p:sp>
-        <p:nvSpPr>
-          <p:cNvPr id="2" name="Title 1">
-            <a:extLst>
-              <a:ext uri="{FF2B5EF4-FFF2-40B4-BE49-F238E27FC236}">
-                <a16:creationId xmlns:a16="http://schemas.microsoft.com/office/drawing/2014/main" id="{4EBF5146-E745-CD30-E5D4-2398C96FDCFD}"/>
-              </a:ext>
-            </a:extLst>
-          </p:cNvPr>
-          <p:cNvSpPr>
-            <a:spLocks noGrp="1"/>
-          </p:cNvSpPr>
-          <p:nvPr>
-            <p:ph type="ctrTitle"/>
-          </p:nvPr>
-        </p:nvSpPr>
-        <p:spPr/>
-        <p:txBody>
-          <a:bodyPr/>
-          <a:lstStyle/>
-          <a:p>
-            <a:r>
-              <a:rPr lang="en-US" err="1"/>
-              <a:t>Müükide</a:t>
-            </a:r>
-            <a:r>
-              <a:rPr lang="en-US"/>
-              <a:t> </a:t>
-            </a:r>
-            <a:r>
-              <a:rPr lang="en-US" err="1"/>
-              <a:t>ülevaade</a:t>
-            </a:r>
-            <a:r>
-              <a:rPr lang="en-US"/>
-              <a:t> </a:t>
-            </a:r>
-            <a:r>
-              <a:rPr lang="en-US" err="1"/>
-              <a:t>müügitiimile</a:t>
-            </a:r>
-            <a:endParaRPr lang="en-US"/>
-          </a:p>
-        </p:txBody>
-      </p:sp>
-      <p:sp>
-        <p:nvSpPr>
-          <p:cNvPr id="3" name="Content Placeholder 2">
-            <a:extLst>
-              <a:ext uri="{FF2B5EF4-FFF2-40B4-BE49-F238E27FC236}">
-                <a16:creationId xmlns:a16="http://schemas.microsoft.com/office/drawing/2014/main" id="{21904B09-5239-995B-53EC-8B8446BCCFC9}"/>
-              </a:ext>
-            </a:extLst>
-          </p:cNvPr>
-          <p:cNvSpPr>
-            <a:spLocks noGrp="1"/>
-          </p:cNvSpPr>
-          <p:nvPr>
-            <p:ph sz="quarter" idx="10"/>
-          </p:nvPr>
-        </p:nvSpPr>
-        <p:spPr/>
-        <p:txBody>
-          <a:bodyPr/>
-          <a:lstStyle/>
-          <a:p>
-            <a:pPr>
-              <a:lnSpc>
-                <a:spcPct val="150000"/>
-              </a:lnSpc>
-            </a:pPr>
-            <a:r>
-              <a:rPr lang="en-US" sz="2400" err="1">
-                <a:solidFill>
-                  <a:srgbClr val="000000"/>
-                </a:solidFill>
-                <a:ea typeface="+mn-lt"/>
-                <a:cs typeface="+mn-lt"/>
-              </a:rPr>
-              <a:t>Kuidas</a:t>
-            </a:r>
-            <a:r>
-              <a:rPr lang="en-US" sz="2400">
-                <a:solidFill>
-                  <a:srgbClr val="000000"/>
-                </a:solidFill>
-                <a:ea typeface="+mn-lt"/>
-                <a:cs typeface="+mn-lt"/>
-              </a:rPr>
-              <a:t> </a:t>
-            </a:r>
-            <a:r>
-              <a:rPr lang="en-US" sz="2400" err="1">
-                <a:solidFill>
-                  <a:srgbClr val="000000"/>
-                </a:solidFill>
-                <a:ea typeface="+mn-lt"/>
-                <a:cs typeface="+mn-lt"/>
-              </a:rPr>
-              <a:t>edeneb</a:t>
-            </a:r>
-            <a:r>
-              <a:rPr lang="en-US" sz="2400">
-                <a:solidFill>
-                  <a:srgbClr val="000000"/>
-                </a:solidFill>
-                <a:ea typeface="+mn-lt"/>
-                <a:cs typeface="+mn-lt"/>
-              </a:rPr>
-              <a:t> </a:t>
-            </a:r>
-            <a:r>
-              <a:rPr lang="en-US" sz="2400" err="1">
-                <a:solidFill>
-                  <a:srgbClr val="000000"/>
-                </a:solidFill>
-                <a:ea typeface="+mn-lt"/>
-                <a:cs typeface="+mn-lt"/>
-              </a:rPr>
-              <a:t>käesoleval</a:t>
-            </a:r>
-            <a:r>
-              <a:rPr lang="en-US" sz="2400">
-                <a:solidFill>
-                  <a:srgbClr val="000000"/>
-                </a:solidFill>
-                <a:ea typeface="+mn-lt"/>
-                <a:cs typeface="+mn-lt"/>
-              </a:rPr>
-              <a:t> </a:t>
-            </a:r>
-            <a:r>
-              <a:rPr lang="en-US" sz="2400" err="1">
-                <a:solidFill>
-                  <a:srgbClr val="000000"/>
-                </a:solidFill>
-                <a:ea typeface="+mn-lt"/>
-                <a:cs typeface="+mn-lt"/>
-              </a:rPr>
-              <a:t>kuul</a:t>
-            </a:r>
-            <a:r>
-              <a:rPr lang="en-US" sz="2400">
-                <a:solidFill>
-                  <a:srgbClr val="000000"/>
-                </a:solidFill>
-                <a:ea typeface="+mn-lt"/>
-                <a:cs typeface="+mn-lt"/>
-              </a:rPr>
-              <a:t> </a:t>
-            </a:r>
-            <a:r>
-              <a:rPr lang="en-US" sz="2400" err="1">
-                <a:solidFill>
-                  <a:srgbClr val="000000"/>
-                </a:solidFill>
-                <a:ea typeface="+mn-lt"/>
-                <a:cs typeface="+mn-lt"/>
-              </a:rPr>
-              <a:t>eelarve</a:t>
-            </a:r>
-            <a:r>
-              <a:rPr lang="en-US" sz="2400">
-                <a:solidFill>
-                  <a:srgbClr val="000000"/>
-                </a:solidFill>
-                <a:ea typeface="+mn-lt"/>
-                <a:cs typeface="+mn-lt"/>
-              </a:rPr>
-              <a:t> </a:t>
-            </a:r>
-            <a:r>
-              <a:rPr lang="en-US" sz="2400" err="1">
-                <a:solidFill>
-                  <a:srgbClr val="000000"/>
-                </a:solidFill>
-                <a:ea typeface="+mn-lt"/>
-                <a:cs typeface="+mn-lt"/>
-              </a:rPr>
-              <a:t>täitmine</a:t>
-            </a:r>
-            <a:r>
-              <a:rPr lang="en-US" sz="2400">
-                <a:solidFill>
-                  <a:srgbClr val="000000"/>
-                </a:solidFill>
-                <a:ea typeface="+mn-lt"/>
-                <a:cs typeface="+mn-lt"/>
-              </a:rPr>
-              <a:t> </a:t>
-            </a:r>
-            <a:r>
-              <a:rPr lang="en-US" sz="2400" err="1">
-                <a:solidFill>
-                  <a:srgbClr val="000000"/>
-                </a:solidFill>
-                <a:ea typeface="+mn-lt"/>
-                <a:cs typeface="+mn-lt"/>
-              </a:rPr>
-              <a:t>müügiesindajate</a:t>
-            </a:r>
-            <a:r>
-              <a:rPr lang="en-US" sz="2400">
-                <a:solidFill>
-                  <a:srgbClr val="000000"/>
-                </a:solidFill>
-                <a:ea typeface="+mn-lt"/>
-                <a:cs typeface="+mn-lt"/>
-              </a:rPr>
-              <a:t> </a:t>
-            </a:r>
-            <a:r>
-              <a:rPr lang="en-US" sz="2400" err="1">
-                <a:solidFill>
-                  <a:srgbClr val="000000"/>
-                </a:solidFill>
-                <a:ea typeface="+mn-lt"/>
-                <a:cs typeface="+mn-lt"/>
-              </a:rPr>
-              <a:t>kaupa</a:t>
-            </a:r>
-            <a:r>
-              <a:rPr lang="en-US" sz="2400">
-                <a:solidFill>
-                  <a:srgbClr val="000000"/>
-                </a:solidFill>
-                <a:ea typeface="+mn-lt"/>
-                <a:cs typeface="+mn-lt"/>
-              </a:rPr>
-              <a:t>?</a:t>
-            </a:r>
-          </a:p>
-          <a:p>
-            <a:pPr>
-              <a:lnSpc>
-                <a:spcPct val="150000"/>
-              </a:lnSpc>
-            </a:pPr>
-            <a:endParaRPr lang="en-US" sz="2400">
-              <a:solidFill>
-                <a:srgbClr val="000000"/>
-              </a:solidFill>
-              <a:ea typeface="Inter"/>
-            </a:endParaRPr>
-          </a:p>
-          <a:p>
-            <a:pPr marL="0" indent="0">
-              <a:lnSpc>
-                <a:spcPct val="150000"/>
-              </a:lnSpc>
-              <a:buNone/>
-            </a:pPr>
-            <a:endParaRPr lang="en-US" sz="2400">
-              <a:solidFill>
-                <a:srgbClr val="000000"/>
-              </a:solidFill>
-              <a:ea typeface="Inter"/>
-            </a:endParaRPr>
-          </a:p>
-          <a:p>
-            <a:pPr>
-              <a:lnSpc>
-                <a:spcPct val="150000"/>
-              </a:lnSpc>
-            </a:pPr>
-            <a:endParaRPr lang="en-US" sz="2400">
-              <a:solidFill>
-                <a:srgbClr val="000000"/>
-              </a:solidFill>
-              <a:ea typeface="Inter"/>
-            </a:endParaRPr>
-          </a:p>
-        </p:txBody>
-      </p:sp>
-    </p:spTree>
-    <p:extLst>
-      <p:ext uri="{BB962C8B-B14F-4D97-AF65-F5344CB8AC3E}">
-        <p14:creationId xmlns:p14="http://schemas.microsoft.com/office/powerpoint/2010/main" val="2130150789"/>
       </p:ext>
     </p:extLst>
   </p:cSld>
@@ -28484,6 +28253,429 @@
 </p:sld>
 </file>
 
+<file path=ppt/slides/slide20.xml><?xml version="1.0" encoding="utf-8"?>
+<p:sld xmlns:a="http://schemas.openxmlformats.org/drawingml/2006/main" xmlns:r="http://schemas.openxmlformats.org/officeDocument/2006/relationships" xmlns:p="http://schemas.openxmlformats.org/presentationml/2006/main">
+  <p:cSld>
+    <p:spTree>
+      <p:nvGrpSpPr>
+        <p:cNvPr id="1" name="">
+          <a:extLst>
+            <a:ext uri="{FF2B5EF4-FFF2-40B4-BE49-F238E27FC236}">
+              <a16:creationId xmlns:a16="http://schemas.microsoft.com/office/drawing/2014/main" id="{18915F75-FC9C-EF8C-50B5-8243CA945212}"/>
+            </a:ext>
+          </a:extLst>
+        </p:cNvPr>
+        <p:cNvGrpSpPr/>
+        <p:nvPr/>
+      </p:nvGrpSpPr>
+      <p:grpSpPr>
+        <a:xfrm>
+          <a:off x="0" y="0"/>
+          <a:ext cx="0" cy="0"/>
+          <a:chOff x="0" y="0"/>
+          <a:chExt cx="0" cy="0"/>
+        </a:xfrm>
+      </p:grpSpPr>
+      <p:sp>
+        <p:nvSpPr>
+          <p:cNvPr id="3" name="Content Placeholder 2">
+            <a:extLst>
+              <a:ext uri="{FF2B5EF4-FFF2-40B4-BE49-F238E27FC236}">
+                <a16:creationId xmlns:a16="http://schemas.microsoft.com/office/drawing/2014/main" id="{5D2DA6FB-6CD2-65BA-09C4-FCC6EF0AF84E}"/>
+              </a:ext>
+            </a:extLst>
+          </p:cNvPr>
+          <p:cNvSpPr>
+            <a:spLocks noGrp="1"/>
+          </p:cNvSpPr>
+          <p:nvPr>
+            <p:ph sz="quarter" idx="10"/>
+          </p:nvPr>
+        </p:nvSpPr>
+        <p:spPr/>
+        <p:txBody>
+          <a:bodyPr/>
+          <a:lstStyle/>
+          <a:p>
+            <a:pPr marL="0" indent="0">
+              <a:lnSpc>
+                <a:spcPct val="150000"/>
+              </a:lnSpc>
+              <a:buNone/>
+            </a:pPr>
+            <a:endParaRPr lang="en-US" sz="2800">
+              <a:ea typeface="Inter"/>
+            </a:endParaRPr>
+          </a:p>
+          <a:p>
+            <a:pPr marL="457200" lvl="1" indent="0">
+              <a:lnSpc>
+                <a:spcPct val="150000"/>
+              </a:lnSpc>
+              <a:buNone/>
+            </a:pPr>
+            <a:endParaRPr lang="en-US" sz="2000">
+              <a:ea typeface="Inter"/>
+            </a:endParaRPr>
+          </a:p>
+        </p:txBody>
+      </p:sp>
+      <p:sp>
+        <p:nvSpPr>
+          <p:cNvPr id="5" name="Title 4">
+            <a:extLst>
+              <a:ext uri="{FF2B5EF4-FFF2-40B4-BE49-F238E27FC236}">
+                <a16:creationId xmlns:a16="http://schemas.microsoft.com/office/drawing/2014/main" id="{F5E4C20F-523D-8335-2938-F35D9E570F9C}"/>
+              </a:ext>
+            </a:extLst>
+          </p:cNvPr>
+          <p:cNvSpPr>
+            <a:spLocks noGrp="1"/>
+          </p:cNvSpPr>
+          <p:nvPr>
+            <p:ph type="ctrTitle"/>
+          </p:nvPr>
+        </p:nvSpPr>
+        <p:spPr>
+          <a:xfrm>
+            <a:off x="4283493" y="2675333"/>
+            <a:ext cx="3777666" cy="357043"/>
+          </a:xfrm>
+        </p:spPr>
+        <p:txBody>
+          <a:bodyPr/>
+          <a:lstStyle/>
+          <a:p>
+            <a:r>
+              <a:rPr lang="en-US"/>
+              <a:t>Paus 14:45-15:00</a:t>
+            </a:r>
+          </a:p>
+        </p:txBody>
+      </p:sp>
+    </p:spTree>
+    <p:extLst>
+      <p:ext uri="{BB962C8B-B14F-4D97-AF65-F5344CB8AC3E}">
+        <p14:creationId xmlns:p14="http://schemas.microsoft.com/office/powerpoint/2010/main" val="3731588115"/>
+      </p:ext>
+    </p:extLst>
+  </p:cSld>
+  <p:clrMapOvr>
+    <a:masterClrMapping/>
+  </p:clrMapOvr>
+</p:sld>
+</file>
+
+<file path=ppt/slides/slide21.xml><?xml version="1.0" encoding="utf-8"?>
+<p:sld xmlns:a="http://schemas.openxmlformats.org/drawingml/2006/main" xmlns:r="http://schemas.openxmlformats.org/officeDocument/2006/relationships" xmlns:p="http://schemas.openxmlformats.org/presentationml/2006/main">
+  <p:cSld>
+    <p:spTree>
+      <p:nvGrpSpPr>
+        <p:cNvPr id="1" name="">
+          <a:extLst>
+            <a:ext uri="{FF2B5EF4-FFF2-40B4-BE49-F238E27FC236}">
+              <a16:creationId xmlns:a16="http://schemas.microsoft.com/office/drawing/2014/main" id="{6BCD841B-1620-7F64-AABF-17AC8BEADE23}"/>
+            </a:ext>
+          </a:extLst>
+        </p:cNvPr>
+        <p:cNvGrpSpPr/>
+        <p:nvPr/>
+      </p:nvGrpSpPr>
+      <p:grpSpPr>
+        <a:xfrm>
+          <a:off x="0" y="0"/>
+          <a:ext cx="0" cy="0"/>
+          <a:chOff x="0" y="0"/>
+          <a:chExt cx="0" cy="0"/>
+        </a:xfrm>
+      </p:grpSpPr>
+      <p:sp>
+        <p:nvSpPr>
+          <p:cNvPr id="2" name="Title 1">
+            <a:extLst>
+              <a:ext uri="{FF2B5EF4-FFF2-40B4-BE49-F238E27FC236}">
+                <a16:creationId xmlns:a16="http://schemas.microsoft.com/office/drawing/2014/main" id="{4EBF5146-E745-CD30-E5D4-2398C96FDCFD}"/>
+              </a:ext>
+            </a:extLst>
+          </p:cNvPr>
+          <p:cNvSpPr>
+            <a:spLocks noGrp="1"/>
+          </p:cNvSpPr>
+          <p:nvPr>
+            <p:ph type="ctrTitle"/>
+          </p:nvPr>
+        </p:nvSpPr>
+        <p:spPr/>
+        <p:txBody>
+          <a:bodyPr/>
+          <a:lstStyle/>
+          <a:p>
+            <a:r>
+              <a:rPr lang="en-US" err="1"/>
+              <a:t>Müükide</a:t>
+            </a:r>
+            <a:r>
+              <a:rPr lang="en-US"/>
+              <a:t> </a:t>
+            </a:r>
+            <a:r>
+              <a:rPr lang="en-US" err="1"/>
+              <a:t>ülevaade</a:t>
+            </a:r>
+            <a:r>
+              <a:rPr lang="en-US"/>
+              <a:t> </a:t>
+            </a:r>
+            <a:r>
+              <a:rPr lang="en-US" err="1"/>
+              <a:t>müügitiimile</a:t>
+            </a:r>
+            <a:endParaRPr lang="en-US"/>
+          </a:p>
+        </p:txBody>
+      </p:sp>
+      <p:sp>
+        <p:nvSpPr>
+          <p:cNvPr id="3" name="Content Placeholder 2">
+            <a:extLst>
+              <a:ext uri="{FF2B5EF4-FFF2-40B4-BE49-F238E27FC236}">
+                <a16:creationId xmlns:a16="http://schemas.microsoft.com/office/drawing/2014/main" id="{21904B09-5239-995B-53EC-8B8446BCCFC9}"/>
+              </a:ext>
+            </a:extLst>
+          </p:cNvPr>
+          <p:cNvSpPr>
+            <a:spLocks noGrp="1"/>
+          </p:cNvSpPr>
+          <p:nvPr>
+            <p:ph sz="quarter" idx="10"/>
+          </p:nvPr>
+        </p:nvSpPr>
+        <p:spPr/>
+        <p:txBody>
+          <a:bodyPr/>
+          <a:lstStyle/>
+          <a:p>
+            <a:pPr>
+              <a:lnSpc>
+                <a:spcPct val="150000"/>
+              </a:lnSpc>
+            </a:pPr>
+            <a:r>
+              <a:rPr lang="en-US" sz="2400" err="1">
+                <a:solidFill>
+                  <a:srgbClr val="000000"/>
+                </a:solidFill>
+                <a:ea typeface="+mn-lt"/>
+                <a:cs typeface="+mn-lt"/>
+              </a:rPr>
+              <a:t>Kuidas</a:t>
+            </a:r>
+            <a:r>
+              <a:rPr lang="en-US" sz="2400">
+                <a:solidFill>
+                  <a:srgbClr val="000000"/>
+                </a:solidFill>
+                <a:ea typeface="+mn-lt"/>
+                <a:cs typeface="+mn-lt"/>
+              </a:rPr>
+              <a:t> </a:t>
+            </a:r>
+            <a:r>
+              <a:rPr lang="en-US" sz="2400" err="1">
+                <a:solidFill>
+                  <a:srgbClr val="000000"/>
+                </a:solidFill>
+                <a:ea typeface="+mn-lt"/>
+                <a:cs typeface="+mn-lt"/>
+              </a:rPr>
+              <a:t>edeneb</a:t>
+            </a:r>
+            <a:r>
+              <a:rPr lang="en-US" sz="2400">
+                <a:solidFill>
+                  <a:srgbClr val="000000"/>
+                </a:solidFill>
+                <a:ea typeface="+mn-lt"/>
+                <a:cs typeface="+mn-lt"/>
+              </a:rPr>
+              <a:t> </a:t>
+            </a:r>
+            <a:r>
+              <a:rPr lang="en-US" sz="2400" err="1">
+                <a:solidFill>
+                  <a:srgbClr val="000000"/>
+                </a:solidFill>
+                <a:ea typeface="+mn-lt"/>
+                <a:cs typeface="+mn-lt"/>
+              </a:rPr>
+              <a:t>käesoleval</a:t>
+            </a:r>
+            <a:r>
+              <a:rPr lang="en-US" sz="2400">
+                <a:solidFill>
+                  <a:srgbClr val="000000"/>
+                </a:solidFill>
+                <a:ea typeface="+mn-lt"/>
+                <a:cs typeface="+mn-lt"/>
+              </a:rPr>
+              <a:t> </a:t>
+            </a:r>
+            <a:r>
+              <a:rPr lang="en-US" sz="2400" err="1">
+                <a:solidFill>
+                  <a:srgbClr val="000000"/>
+                </a:solidFill>
+                <a:ea typeface="+mn-lt"/>
+                <a:cs typeface="+mn-lt"/>
+              </a:rPr>
+              <a:t>kuul</a:t>
+            </a:r>
+            <a:r>
+              <a:rPr lang="en-US" sz="2400">
+                <a:solidFill>
+                  <a:srgbClr val="000000"/>
+                </a:solidFill>
+                <a:ea typeface="+mn-lt"/>
+                <a:cs typeface="+mn-lt"/>
+              </a:rPr>
+              <a:t> </a:t>
+            </a:r>
+            <a:r>
+              <a:rPr lang="en-US" sz="2400" err="1">
+                <a:solidFill>
+                  <a:srgbClr val="000000"/>
+                </a:solidFill>
+                <a:ea typeface="+mn-lt"/>
+                <a:cs typeface="+mn-lt"/>
+              </a:rPr>
+              <a:t>eelarve</a:t>
+            </a:r>
+            <a:r>
+              <a:rPr lang="en-US" sz="2400">
+                <a:solidFill>
+                  <a:srgbClr val="000000"/>
+                </a:solidFill>
+                <a:ea typeface="+mn-lt"/>
+                <a:cs typeface="+mn-lt"/>
+              </a:rPr>
+              <a:t> </a:t>
+            </a:r>
+            <a:r>
+              <a:rPr lang="en-US" sz="2400" err="1">
+                <a:solidFill>
+                  <a:srgbClr val="000000"/>
+                </a:solidFill>
+                <a:ea typeface="+mn-lt"/>
+                <a:cs typeface="+mn-lt"/>
+              </a:rPr>
+              <a:t>täitmine</a:t>
+            </a:r>
+            <a:r>
+              <a:rPr lang="en-US" sz="2400">
+                <a:solidFill>
+                  <a:srgbClr val="000000"/>
+                </a:solidFill>
+                <a:ea typeface="+mn-lt"/>
+                <a:cs typeface="+mn-lt"/>
+              </a:rPr>
+              <a:t> </a:t>
+            </a:r>
+            <a:r>
+              <a:rPr lang="en-US" sz="2400" err="1">
+                <a:solidFill>
+                  <a:srgbClr val="000000"/>
+                </a:solidFill>
+                <a:ea typeface="+mn-lt"/>
+                <a:cs typeface="+mn-lt"/>
+              </a:rPr>
+              <a:t>müügiesindajate</a:t>
+            </a:r>
+            <a:r>
+              <a:rPr lang="en-US" sz="2400">
+                <a:solidFill>
+                  <a:srgbClr val="000000"/>
+                </a:solidFill>
+                <a:ea typeface="+mn-lt"/>
+                <a:cs typeface="+mn-lt"/>
+              </a:rPr>
+              <a:t> </a:t>
+            </a:r>
+            <a:r>
+              <a:rPr lang="en-US" sz="2400" err="1">
+                <a:solidFill>
+                  <a:srgbClr val="000000"/>
+                </a:solidFill>
+                <a:ea typeface="+mn-lt"/>
+                <a:cs typeface="+mn-lt"/>
+              </a:rPr>
+              <a:t>kaupa</a:t>
+            </a:r>
+            <a:r>
+              <a:rPr lang="en-US" sz="2400">
+                <a:solidFill>
+                  <a:srgbClr val="000000"/>
+                </a:solidFill>
+                <a:ea typeface="+mn-lt"/>
+                <a:cs typeface="+mn-lt"/>
+              </a:rPr>
+              <a:t>?</a:t>
+            </a:r>
+          </a:p>
+          <a:p>
+            <a:pPr>
+              <a:lnSpc>
+                <a:spcPct val="150000"/>
+              </a:lnSpc>
+            </a:pPr>
+            <a:endParaRPr lang="en-US" sz="2400">
+              <a:solidFill>
+                <a:srgbClr val="000000"/>
+              </a:solidFill>
+              <a:ea typeface="Inter"/>
+            </a:endParaRPr>
+          </a:p>
+          <a:p>
+            <a:pPr marL="0" indent="0">
+              <a:lnSpc>
+                <a:spcPct val="150000"/>
+              </a:lnSpc>
+              <a:buNone/>
+            </a:pPr>
+            <a:endParaRPr lang="en-US" sz="2400">
+              <a:solidFill>
+                <a:srgbClr val="000000"/>
+              </a:solidFill>
+              <a:ea typeface="Inter"/>
+            </a:endParaRPr>
+          </a:p>
+          <a:p>
+            <a:pPr>
+              <a:lnSpc>
+                <a:spcPct val="150000"/>
+              </a:lnSpc>
+            </a:pPr>
+            <a:endParaRPr lang="en-US" sz="2400">
+              <a:solidFill>
+                <a:srgbClr val="000000"/>
+              </a:solidFill>
+              <a:ea typeface="Inter"/>
+            </a:endParaRPr>
+          </a:p>
+        </p:txBody>
+      </p:sp>
+    </p:spTree>
+    <p:extLst>
+      <p:ext uri="{BB962C8B-B14F-4D97-AF65-F5344CB8AC3E}">
+        <p14:creationId xmlns:p14="http://schemas.microsoft.com/office/powerpoint/2010/main" val="2130150789"/>
+      </p:ext>
+    </p:extLst>
+  </p:cSld>
+  <p:clrMapOvr>
+    <a:masterClrMapping/>
+  </p:clrMapOvr>
+</p:sld>
+</file>
+
 <file path=ppt/slides/slide3.xml><?xml version="1.0" encoding="utf-8"?>
 <p:sld xmlns:a="http://schemas.openxmlformats.org/drawingml/2006/main" xmlns:r="http://schemas.openxmlformats.org/officeDocument/2006/relationships" xmlns:p="http://schemas.openxmlformats.org/presentationml/2006/main">
   <p:cSld>
@@ -31529,57 +31721,106 @@
           <a:lstStyle/>
           <a:p>
             <a:r>
-              <a:rPr lang="en-US"/>
+              <a:rPr lang="en-US">
+                <a:ea typeface="+mj-lt"/>
+                <a:cs typeface="+mj-lt"/>
+              </a:rPr>
               <a:t>Kas see on </a:t>
             </a:r>
             <a:r>
-              <a:rPr lang="en-US" err="1"/>
+              <a:rPr lang="en-US" err="1">
+                <a:ea typeface="+mj-lt"/>
+                <a:cs typeface="+mj-lt"/>
+              </a:rPr>
               <a:t>hea</a:t>
             </a:r>
             <a:r>
-              <a:rPr lang="en-US"/>
+              <a:rPr lang="en-US">
+                <a:ea typeface="+mj-lt"/>
+                <a:cs typeface="+mj-lt"/>
+              </a:rPr>
               <a:t> </a:t>
             </a:r>
             <a:r>
-              <a:rPr lang="en-US" err="1"/>
+              <a:rPr lang="en-US" err="1">
+                <a:ea typeface="+mj-lt"/>
+                <a:cs typeface="+mj-lt"/>
+              </a:rPr>
               <a:t>visuaal</a:t>
             </a:r>
             <a:r>
-              <a:rPr lang="en-US"/>
+              <a:rPr lang="en-US">
+                <a:ea typeface="+mj-lt"/>
+                <a:cs typeface="+mj-lt"/>
+              </a:rPr>
               <a:t> – </a:t>
             </a:r>
             <a:r>
-              <a:rPr lang="en-US" err="1"/>
+              <a:rPr lang="en-US" err="1">
+                <a:ea typeface="+mj-lt"/>
+                <a:cs typeface="+mj-lt"/>
+              </a:rPr>
               <a:t>miks</a:t>
             </a:r>
             <a:r>
-              <a:rPr lang="en-US"/>
+              <a:rPr lang="en-US">
+                <a:ea typeface="+mj-lt"/>
+                <a:cs typeface="+mj-lt"/>
+              </a:rPr>
               <a:t> </a:t>
             </a:r>
             <a:r>
-              <a:rPr lang="en-US" err="1"/>
+              <a:rPr lang="en-US" err="1">
+                <a:ea typeface="+mj-lt"/>
+                <a:cs typeface="+mj-lt"/>
+              </a:rPr>
               <a:t>või</a:t>
             </a:r>
             <a:r>
-              <a:rPr lang="en-US"/>
+              <a:rPr lang="en-US">
+                <a:ea typeface="+mj-lt"/>
+                <a:cs typeface="+mj-lt"/>
+              </a:rPr>
               <a:t> </a:t>
             </a:r>
             <a:r>
-              <a:rPr lang="en-US" err="1"/>
+              <a:rPr lang="en-US" err="1">
+                <a:ea typeface="+mj-lt"/>
+                <a:cs typeface="+mj-lt"/>
+              </a:rPr>
               <a:t>miks</a:t>
             </a:r>
             <a:r>
-              <a:rPr lang="en-US"/>
+              <a:rPr lang="en-US">
+                <a:ea typeface="+mj-lt"/>
+                <a:cs typeface="+mj-lt"/>
+              </a:rPr>
               <a:t> </a:t>
             </a:r>
             <a:r>
-              <a:rPr lang="en-US" err="1"/>
+              <a:rPr lang="en-US" err="1">
+                <a:ea typeface="+mj-lt"/>
+                <a:cs typeface="+mj-lt"/>
+              </a:rPr>
               <a:t>mitte</a:t>
             </a:r>
             <a:r>
-              <a:rPr lang="en-US"/>
+              <a:rPr lang="en-US">
+                <a:ea typeface="+mj-lt"/>
+                <a:cs typeface="+mj-lt"/>
+              </a:rPr>
               <a:t>?</a:t>
             </a:r>
+            <a:endParaRPr lang="en-US">
+              <a:solidFill>
+                <a:srgbClr val="000000"/>
+              </a:solidFill>
+              <a:ea typeface="+mj-lt"/>
+              <a:cs typeface="+mj-lt"/>
+            </a:endParaRPr>
+          </a:p>
+          <a:p>
+            <a:endParaRPr lang="en-US"/>
           </a:p>
         </p:txBody>
       </p:sp>
@@ -31633,13 +31874,7 @@
   <p:cSld>
     <p:spTree>
       <p:nvGrpSpPr>
-        <p:cNvPr id="1" name="">
-          <a:extLst>
-            <a:ext uri="{FF2B5EF4-FFF2-40B4-BE49-F238E27FC236}">
-              <a16:creationId xmlns:a16="http://schemas.microsoft.com/office/drawing/2014/main" id="{33C95D20-17C4-BC51-A46D-45786216C4E7}"/>
-            </a:ext>
-          </a:extLst>
-        </p:cNvPr>
+        <p:cNvPr id="1" name=""/>
         <p:cNvGrpSpPr/>
         <p:nvPr/>
       </p:nvGrpSpPr>
@@ -31656,7 +31891,7 @@
           <p:cNvPr id="2" name="Title 1">
             <a:extLst>
               <a:ext uri="{FF2B5EF4-FFF2-40B4-BE49-F238E27FC236}">
-                <a16:creationId xmlns:a16="http://schemas.microsoft.com/office/drawing/2014/main" id="{C81CAE3B-A6BD-571A-882F-3266F13CE77B}"/>
+                <a16:creationId xmlns:a16="http://schemas.microsoft.com/office/drawing/2014/main" id="{6CC70693-807C-0582-E2F8-D70C2E33A16B}"/>
               </a:ext>
             </a:extLst>
           </p:cNvPr>
@@ -31674,19 +31909,31 @@
           <a:p>
             <a:r>
               <a:rPr lang="en-US"/>
-              <a:t>Õige </a:t>
+              <a:t>Kumb </a:t>
             </a:r>
             <a:r>
               <a:rPr lang="en-US" err="1"/>
-              <a:t>visuaali</a:t>
+              <a:t>visuaal</a:t>
             </a:r>
             <a:r>
               <a:rPr lang="en-US"/>
-              <a:t> </a:t>
+              <a:t> on  </a:t>
             </a:r>
             <a:r>
               <a:rPr lang="en-US" err="1"/>
-              <a:t>valimine</a:t>
+              <a:t>parem</a:t>
+            </a:r>
+            <a:r>
+              <a:rPr lang="en-US"/>
+              <a:t> – </a:t>
+            </a:r>
+            <a:r>
+              <a:rPr lang="en-US" err="1"/>
+              <a:t>miks</a:t>
+            </a:r>
+            <a:r>
+              <a:rPr lang="en-US"/>
+              <a:t>?</a:t>
             </a:r>
           </a:p>
         </p:txBody>
@@ -31696,7 +31943,7 @@
           <p:cNvPr id="3" name="Content Placeholder 2">
             <a:extLst>
               <a:ext uri="{FF2B5EF4-FFF2-40B4-BE49-F238E27FC236}">
-                <a16:creationId xmlns:a16="http://schemas.microsoft.com/office/drawing/2014/main" id="{467B89B8-B808-32D1-3C5F-AF4D5CF10E55}"/>
+                <a16:creationId xmlns:a16="http://schemas.microsoft.com/office/drawing/2014/main" id="{628CD13E-E6C1-F13D-85FB-D41B6EB0BA6C}"/>
               </a:ext>
             </a:extLst>
           </p:cNvPr>
@@ -31712,39 +31959,41 @@
           <a:bodyPr/>
           <a:lstStyle/>
           <a:p>
-            <a:pPr>
-              <a:lnSpc>
-                <a:spcPct val="150000"/>
-              </a:lnSpc>
-            </a:pPr>
-            <a:endParaRPr lang="en-US" sz="2400">
-              <a:solidFill>
-                <a:srgbClr val="000000"/>
-              </a:solidFill>
-              <a:ea typeface="Inter"/>
-            </a:endParaRPr>
+            <a:endParaRPr lang="en-US"/>
           </a:p>
+        </p:txBody>
+      </p:sp>
+      <p:sp>
+        <p:nvSpPr>
+          <p:cNvPr id="4" name="Content Placeholder 3">
+            <a:extLst>
+              <a:ext uri="{FF2B5EF4-FFF2-40B4-BE49-F238E27FC236}">
+                <a16:creationId xmlns:a16="http://schemas.microsoft.com/office/drawing/2014/main" id="{DF34A489-80BB-9D68-E783-307EEB75483F}"/>
+              </a:ext>
+            </a:extLst>
+          </p:cNvPr>
+          <p:cNvSpPr>
+            <a:spLocks noGrp="1"/>
+          </p:cNvSpPr>
+          <p:nvPr>
+            <p:ph sz="quarter" idx="11"/>
+          </p:nvPr>
+        </p:nvSpPr>
+        <p:spPr/>
+        <p:txBody>
+          <a:bodyPr/>
+          <a:lstStyle/>
           <a:p>
-            <a:pPr>
-              <a:lnSpc>
-                <a:spcPct val="150000"/>
-              </a:lnSpc>
-            </a:pPr>
-            <a:endParaRPr lang="en-US" sz="2400">
-              <a:solidFill>
-                <a:srgbClr val="000000"/>
-              </a:solidFill>
-              <a:ea typeface="Inter"/>
-            </a:endParaRPr>
+            <a:endParaRPr lang="en-US"/>
           </a:p>
         </p:txBody>
       </p:sp>
       <p:pic>
         <p:nvPicPr>
-          <p:cNvPr id="4" name="Picture 3" descr="A diagram of a diagram&#10;&#10;AI-generated content may be incorrect.">
+          <p:cNvPr id="6" name="Content Placeholder 4" descr="A graph of co2 emissions&#10;&#10;AI-generated content may be incorrect.">
             <a:extLst>
               <a:ext uri="{FF2B5EF4-FFF2-40B4-BE49-F238E27FC236}">
-                <a16:creationId xmlns:a16="http://schemas.microsoft.com/office/drawing/2014/main" id="{80FF65D0-1C51-2845-87B7-E7BF5BF171AF}"/>
+                <a16:creationId xmlns:a16="http://schemas.microsoft.com/office/drawing/2014/main" id="{42F28992-9372-2820-2AA9-A223EC4F3979}"/>
               </a:ext>
             </a:extLst>
           </p:cNvPr>
@@ -31761,18 +32010,107 @@
         </p:blipFill>
         <p:spPr>
           <a:xfrm>
-            <a:off x="3155486" y="974912"/>
-            <a:ext cx="7360206" cy="5401236"/>
+            <a:off x="792279" y="1266546"/>
+            <a:ext cx="5181752" cy="4159478"/>
           </a:xfrm>
           <a:prstGeom prst="rect">
             <a:avLst/>
           </a:prstGeom>
         </p:spPr>
       </p:pic>
+      <p:pic>
+        <p:nvPicPr>
+          <p:cNvPr id="8" name="Content Placeholder 5" descr="A graph with a red bar and gray bars&#10;&#10;AI-generated content may be incorrect.">
+            <a:extLst>
+              <a:ext uri="{FF2B5EF4-FFF2-40B4-BE49-F238E27FC236}">
+                <a16:creationId xmlns:a16="http://schemas.microsoft.com/office/drawing/2014/main" id="{FDC5B212-1535-8D2B-FD2B-6429917814AB}"/>
+              </a:ext>
+            </a:extLst>
+          </p:cNvPr>
+          <p:cNvPicPr>
+            <a:picLocks noChangeAspect="1"/>
+          </p:cNvPicPr>
+          <p:nvPr/>
+        </p:nvPicPr>
+        <p:blipFill>
+          <a:blip r:embed="rId3"/>
+          <a:stretch>
+            <a:fillRect/>
+          </a:stretch>
+        </p:blipFill>
+        <p:spPr>
+          <a:xfrm>
+            <a:off x="6205849" y="1268413"/>
+            <a:ext cx="5371682" cy="4143787"/>
+          </a:xfrm>
+          <a:prstGeom prst="rect">
+            <a:avLst/>
+          </a:prstGeom>
+        </p:spPr>
+      </p:pic>
+      <p:sp>
+        <p:nvSpPr>
+          <p:cNvPr id="5" name="TextBox 4">
+            <a:extLst>
+              <a:ext uri="{FF2B5EF4-FFF2-40B4-BE49-F238E27FC236}">
+                <a16:creationId xmlns:a16="http://schemas.microsoft.com/office/drawing/2014/main" id="{5A9BEFD3-193A-7B44-10AC-572FE16CDF23}"/>
+              </a:ext>
+            </a:extLst>
+          </p:cNvPr>
+          <p:cNvSpPr txBox="1"/>
+          <p:nvPr/>
+        </p:nvSpPr>
+        <p:spPr>
+          <a:xfrm>
+            <a:off x="631795" y="6124716"/>
+            <a:ext cx="8577018" cy="276999"/>
+          </a:xfrm>
+          <a:prstGeom prst="rect">
+            <a:avLst/>
+          </a:prstGeom>
+          <a:noFill/>
+        </p:spPr>
+        <p:txBody>
+          <a:bodyPr rot="0" spcFirstLastPara="0" vertOverflow="overflow" horzOverflow="overflow" vert="horz" wrap="square" lIns="91440" tIns="45720" rIns="91440" bIns="45720" numCol="1" spcCol="0" rtlCol="0" fromWordArt="0" anchor="t" anchorCtr="0" forceAA="0" compatLnSpc="1">
+            <a:prstTxWarp prst="textNoShape">
+              <a:avLst/>
+            </a:prstTxWarp>
+            <a:spAutoFit/>
+          </a:bodyPr>
+          <a:lstStyle/>
+          <a:p>
+            <a:r>
+              <a:rPr lang="en-US" sz="1200">
+                <a:ea typeface="Inter"/>
+              </a:rPr>
+              <a:t>Allikas: </a:t>
+            </a:r>
+            <a:r>
+              <a:rPr lang="en-US" sz="1200">
+                <a:ea typeface="Inter"/>
+                <a:hlinkClick r:id="rId4"/>
+              </a:rPr>
+              <a:t>Rand Owens. </a:t>
+            </a:r>
+            <a:r>
+              <a:rPr lang="en-US" sz="1200">
+                <a:solidFill>
+                  <a:srgbClr val="000000"/>
+                </a:solidFill>
+                <a:hlinkClick r:id="rId4"/>
+              </a:rPr>
+              <a:t>10 Good and Bad Examples of Data Visualization in 2024.</a:t>
+            </a:r>
+            <a:endParaRPr lang="en-US" sz="1200">
+              <a:ea typeface="Inter"/>
+            </a:endParaRPr>
+          </a:p>
+        </p:txBody>
+      </p:sp>
     </p:spTree>
     <p:extLst>
       <p:ext uri="{BB962C8B-B14F-4D97-AF65-F5344CB8AC3E}">
-        <p14:creationId xmlns:p14="http://schemas.microsoft.com/office/powerpoint/2010/main" val="3042153973"/>
+        <p14:creationId xmlns:p14="http://schemas.microsoft.com/office/powerpoint/2010/main" val="473110062"/>
       </p:ext>
     </p:extLst>
   </p:cSld>

--- a/Day3/3-paev-andmetarkus-esitlus.pptx
+++ b/Day3/3-paev-andmetarkus-esitlus.pptx
@@ -24,14 +24,14 @@
     <p:sldId id="640" r:id="rId15"/>
     <p:sldId id="484" r:id="rId16"/>
     <p:sldId id="635" r:id="rId17"/>
-    <p:sldId id="460" r:id="rId18"/>
-    <p:sldId id="461" r:id="rId19"/>
-    <p:sldId id="580" r:id="rId20"/>
-    <p:sldId id="503" r:id="rId21"/>
-    <p:sldId id="480" r:id="rId22"/>
-    <p:sldId id="604" r:id="rId23"/>
-    <p:sldId id="581" r:id="rId24"/>
-    <p:sldId id="588" r:id="rId25"/>
+    <p:sldId id="580" r:id="rId18"/>
+    <p:sldId id="588" r:id="rId19"/>
+    <p:sldId id="460" r:id="rId20"/>
+    <p:sldId id="461" r:id="rId21"/>
+    <p:sldId id="581" r:id="rId22"/>
+    <p:sldId id="503" r:id="rId23"/>
+    <p:sldId id="480" r:id="rId24"/>
+    <p:sldId id="604" r:id="rId25"/>
   </p:sldIdLst>
   <p:sldSz cx="12192000" cy="6858000"/>
   <p:notesSz cx="6858000" cy="9144000"/>
@@ -163,11 +163,65 @@
     <p1510:client id="{0072FE40-6ED8-484D-B3BF-2DC3C51420EA}" v="23" dt="2025-08-26T16:15:46.370"/>
     <p1510:client id="{19C7C3EA-198D-3679-5220-7E0DE865FF5E}" v="111" dt="2025-08-26T15:56:24.840"/>
     <p1510:client id="{3FDD2B3C-B068-2607-9D73-F6620F82C026}" v="156" dt="2025-08-26T16:07:37.221"/>
-    <p1510:client id="{A8601F25-6AF6-9169-3466-87404BF55397}" v="262" dt="2025-08-25T15:32:10.434"/>
-    <p1510:client id="{B8491133-D6B9-C97F-FC73-8668DC74C4BC}" v="617" dt="2025-08-25T15:10:28.446"/>
     <p1510:client id="{C65C1195-2E73-5E4C-4A7C-AFB4C4A5B5A9}" v="79" dt="2025-08-26T15:37:30.809"/>
   </p1510:revLst>
 </p1510:revInfo>
+</file>
+
+<file path=ppt/changesInfos/changesInfo1.xml><?xml version="1.0" encoding="utf-8"?>
+<pc:chgInfo xmlns:a="http://schemas.openxmlformats.org/drawingml/2006/main" xmlns:r="http://schemas.openxmlformats.org/officeDocument/2006/relationships" xmlns:ac="http://schemas.microsoft.com/office/drawing/2013/main/command" xmlns:pc="http://schemas.microsoft.com/office/powerpoint/2013/main/command">
+  <pc:docChgLst>
+    <pc:chgData name="Virve Räni" userId="161a7437-7ef4-49ec-91bf-54882f313dfe" providerId="ADAL" clId="{387E47BA-0044-4059-87A0-7CB7C94BEF70}"/>
+    <pc:docChg chg="modSld sldOrd">
+      <pc:chgData name="Virve Räni" userId="161a7437-7ef4-49ec-91bf-54882f313dfe" providerId="ADAL" clId="{387E47BA-0044-4059-87A0-7CB7C94BEF70}" dt="2025-08-27T08:37:24.143" v="5"/>
+      <pc:docMkLst>
+        <pc:docMk/>
+      </pc:docMkLst>
+      <pc:sldChg chg="ord">
+        <pc:chgData name="Virve Räni" userId="161a7437-7ef4-49ec-91bf-54882f313dfe" providerId="ADAL" clId="{387E47BA-0044-4059-87A0-7CB7C94BEF70}" dt="2025-08-27T08:37:24.143" v="5"/>
+        <pc:sldMkLst>
+          <pc:docMk/>
+          <pc:sldMk cId="128759722" sldId="460"/>
+        </pc:sldMkLst>
+      </pc:sldChg>
+      <pc:sldChg chg="ord">
+        <pc:chgData name="Virve Räni" userId="161a7437-7ef4-49ec-91bf-54882f313dfe" providerId="ADAL" clId="{387E47BA-0044-4059-87A0-7CB7C94BEF70}" dt="2025-08-27T08:37:24.143" v="5"/>
+        <pc:sldMkLst>
+          <pc:docMk/>
+          <pc:sldMk cId="3558728410" sldId="461"/>
+        </pc:sldMkLst>
+      </pc:sldChg>
+      <pc:sldChg chg="ord">
+        <pc:chgData name="Virve Räni" userId="161a7437-7ef4-49ec-91bf-54882f313dfe" providerId="ADAL" clId="{387E47BA-0044-4059-87A0-7CB7C94BEF70}" dt="2025-08-27T07:42:18.893" v="3"/>
+        <pc:sldMkLst>
+          <pc:docMk/>
+          <pc:sldMk cId="1426166856" sldId="480"/>
+        </pc:sldMkLst>
+      </pc:sldChg>
+      <pc:sldChg chg="ord">
+        <pc:chgData name="Virve Räni" userId="161a7437-7ef4-49ec-91bf-54882f313dfe" providerId="ADAL" clId="{387E47BA-0044-4059-87A0-7CB7C94BEF70}" dt="2025-08-27T07:42:18.893" v="3"/>
+        <pc:sldMkLst>
+          <pc:docMk/>
+          <pc:sldMk cId="1920893319" sldId="503"/>
+        </pc:sldMkLst>
+      </pc:sldChg>
+      <pc:sldChg chg="ord">
+        <pc:chgData name="Virve Räni" userId="161a7437-7ef4-49ec-91bf-54882f313dfe" providerId="ADAL" clId="{387E47BA-0044-4059-87A0-7CB7C94BEF70}" dt="2025-08-27T07:42:14.424" v="1"/>
+        <pc:sldMkLst>
+          <pc:docMk/>
+          <pc:sldMk cId="2130150789" sldId="588"/>
+        </pc:sldMkLst>
+      </pc:sldChg>
+      <pc:sldChg chg="ord">
+        <pc:chgData name="Virve Räni" userId="161a7437-7ef4-49ec-91bf-54882f313dfe" providerId="ADAL" clId="{387E47BA-0044-4059-87A0-7CB7C94BEF70}" dt="2025-08-27T07:42:18.893" v="3"/>
+        <pc:sldMkLst>
+          <pc:docMk/>
+          <pc:sldMk cId="3309601003" sldId="604"/>
+        </pc:sldMkLst>
+      </pc:sldChg>
+    </pc:docChg>
+  </pc:docChgLst>
+</pc:chgInfo>
 </file>
 
 <file path=ppt/handoutMasters/handoutMaster1.xml><?xml version="1.0" encoding="utf-8"?>
@@ -264,7 +318,7 @@
           <a:p>
             <a:fld id="{F9D2AD6E-DEDD-49A0-A4BE-7A081A9112DA}" type="datetimeFigureOut">
               <a:rPr lang="en-US" smtClean="0"/>
-              <a:t>8/26/2025</a:t>
+              <a:t>8/27/2025</a:t>
             </a:fld>
             <a:endParaRPr lang="en-US"/>
           </a:p>
@@ -440,7 +494,7 @@
           </a:lstStyle>
           <a:p>
             <a:fld id="{2AF9C1A6-4321-41FA-B001-4140F0E2457F}" type="datetimeFigureOut">
-              <a:t>26.08.2025</a:t>
+              <a:t>27.08.2025</a:t>
             </a:fld>
             <a:endParaRPr lang="en-US"/>
           </a:p>
@@ -884,93 +938,6 @@
   <p:cSld>
     <p:spTree>
       <p:nvGrpSpPr>
-        <p:cNvPr id="1" name=""/>
-        <p:cNvGrpSpPr/>
-        <p:nvPr/>
-      </p:nvGrpSpPr>
-      <p:grpSpPr>
-        <a:xfrm>
-          <a:off x="0" y="0"/>
-          <a:ext cx="0" cy="0"/>
-          <a:chOff x="0" y="0"/>
-          <a:chExt cx="0" cy="0"/>
-        </a:xfrm>
-      </p:grpSpPr>
-      <p:sp>
-        <p:nvSpPr>
-          <p:cNvPr id="2" name="Slide Image Placeholder 1"/>
-          <p:cNvSpPr>
-            <a:spLocks noGrp="1" noRot="1" noChangeAspect="1"/>
-          </p:cNvSpPr>
-          <p:nvPr>
-            <p:ph type="sldImg"/>
-          </p:nvPr>
-        </p:nvSpPr>
-        <p:spPr/>
-      </p:sp>
-      <p:sp>
-        <p:nvSpPr>
-          <p:cNvPr id="3" name="Notes Placeholder 2"/>
-          <p:cNvSpPr>
-            <a:spLocks noGrp="1"/>
-          </p:cNvSpPr>
-          <p:nvPr>
-            <p:ph type="body" idx="1"/>
-          </p:nvPr>
-        </p:nvSpPr>
-        <p:spPr/>
-        <p:txBody>
-          <a:bodyPr/>
-          <a:lstStyle/>
-          <a:p>
-            <a:endParaRPr lang="en-US" dirty="0">
-              <a:ea typeface="Calibri"/>
-              <a:cs typeface="Calibri"/>
-            </a:endParaRPr>
-          </a:p>
-        </p:txBody>
-      </p:sp>
-      <p:sp>
-        <p:nvSpPr>
-          <p:cNvPr id="4" name="Slide Number Placeholder 3"/>
-          <p:cNvSpPr>
-            <a:spLocks noGrp="1"/>
-          </p:cNvSpPr>
-          <p:nvPr>
-            <p:ph type="sldNum" sz="quarter" idx="5"/>
-          </p:nvPr>
-        </p:nvSpPr>
-        <p:spPr/>
-        <p:txBody>
-          <a:bodyPr/>
-          <a:lstStyle/>
-          <a:p>
-            <a:fld id="{46699514-027B-49BD-8B49-5054CA40ECF4}" type="slidenum">
-              <a:rPr lang="en-US"/>
-              <a:t>17</a:t>
-            </a:fld>
-            <a:endParaRPr lang="en-US"/>
-          </a:p>
-        </p:txBody>
-      </p:sp>
-    </p:spTree>
-    <p:extLst>
-      <p:ext uri="{BB962C8B-B14F-4D97-AF65-F5344CB8AC3E}">
-        <p14:creationId xmlns:p14="http://schemas.microsoft.com/office/powerpoint/2010/main" val="3398415350"/>
-      </p:ext>
-    </p:extLst>
-  </p:cSld>
-  <p:clrMapOvr>
-    <a:masterClrMapping/>
-  </p:clrMapOvr>
-</p:notes>
-</file>
-
-<file path=ppt/notesSlides/notesSlide4.xml><?xml version="1.0" encoding="utf-8"?>
-<p:notes xmlns:a="http://schemas.openxmlformats.org/drawingml/2006/main" xmlns:r="http://schemas.openxmlformats.org/officeDocument/2006/relationships" xmlns:p="http://schemas.openxmlformats.org/presentationml/2006/main">
-  <p:cSld>
-    <p:spTree>
-      <p:nvGrpSpPr>
         <p:cNvPr id="1" name="">
           <a:extLst>
             <a:ext uri="{FF2B5EF4-FFF2-40B4-BE49-F238E27FC236}">
@@ -1058,7 +1025,7 @@
           <a:p>
             <a:fld id="{46699514-027B-49BD-8B49-5054CA40ECF4}" type="slidenum">
               <a:rPr lang="en-US"/>
-              <a:t>21</a:t>
+              <a:t>15</a:t>
             </a:fld>
             <a:endParaRPr lang="en-US"/>
           </a:p>
@@ -1068,6 +1035,93 @@
     <p:extLst>
       <p:ext uri="{BB962C8B-B14F-4D97-AF65-F5344CB8AC3E}">
         <p14:creationId xmlns:p14="http://schemas.microsoft.com/office/powerpoint/2010/main" val="3891212567"/>
+      </p:ext>
+    </p:extLst>
+  </p:cSld>
+  <p:clrMapOvr>
+    <a:masterClrMapping/>
+  </p:clrMapOvr>
+</p:notes>
+</file>
+
+<file path=ppt/notesSlides/notesSlide4.xml><?xml version="1.0" encoding="utf-8"?>
+<p:notes xmlns:a="http://schemas.openxmlformats.org/drawingml/2006/main" xmlns:r="http://schemas.openxmlformats.org/officeDocument/2006/relationships" xmlns:p="http://schemas.openxmlformats.org/presentationml/2006/main">
+  <p:cSld>
+    <p:spTree>
+      <p:nvGrpSpPr>
+        <p:cNvPr id="1" name=""/>
+        <p:cNvGrpSpPr/>
+        <p:nvPr/>
+      </p:nvGrpSpPr>
+      <p:grpSpPr>
+        <a:xfrm>
+          <a:off x="0" y="0"/>
+          <a:ext cx="0" cy="0"/>
+          <a:chOff x="0" y="0"/>
+          <a:chExt cx="0" cy="0"/>
+        </a:xfrm>
+      </p:grpSpPr>
+      <p:sp>
+        <p:nvSpPr>
+          <p:cNvPr id="2" name="Slide Image Placeholder 1"/>
+          <p:cNvSpPr>
+            <a:spLocks noGrp="1" noRot="1" noChangeAspect="1"/>
+          </p:cNvSpPr>
+          <p:nvPr>
+            <p:ph type="sldImg"/>
+          </p:nvPr>
+        </p:nvSpPr>
+        <p:spPr/>
+      </p:sp>
+      <p:sp>
+        <p:nvSpPr>
+          <p:cNvPr id="3" name="Notes Placeholder 2"/>
+          <p:cNvSpPr>
+            <a:spLocks noGrp="1"/>
+          </p:cNvSpPr>
+          <p:nvPr>
+            <p:ph type="body" idx="1"/>
+          </p:nvPr>
+        </p:nvSpPr>
+        <p:spPr/>
+        <p:txBody>
+          <a:bodyPr/>
+          <a:lstStyle/>
+          <a:p>
+            <a:endParaRPr lang="en-US" dirty="0">
+              <a:ea typeface="Calibri"/>
+              <a:cs typeface="Calibri"/>
+            </a:endParaRPr>
+          </a:p>
+        </p:txBody>
+      </p:sp>
+      <p:sp>
+        <p:nvSpPr>
+          <p:cNvPr id="4" name="Slide Number Placeholder 3"/>
+          <p:cNvSpPr>
+            <a:spLocks noGrp="1"/>
+          </p:cNvSpPr>
+          <p:nvPr>
+            <p:ph type="sldNum" sz="quarter" idx="5"/>
+          </p:nvPr>
+        </p:nvSpPr>
+        <p:spPr/>
+        <p:txBody>
+          <a:bodyPr/>
+          <a:lstStyle/>
+          <a:p>
+            <a:fld id="{46699514-027B-49BD-8B49-5054CA40ECF4}" type="slidenum">
+              <a:rPr lang="en-US"/>
+              <a:t>19</a:t>
+            </a:fld>
+            <a:endParaRPr lang="en-US"/>
+          </a:p>
+        </p:txBody>
+      </p:sp>
+    </p:spTree>
+    <p:extLst>
+      <p:ext uri="{BB962C8B-B14F-4D97-AF65-F5344CB8AC3E}">
+        <p14:creationId xmlns:p14="http://schemas.microsoft.com/office/powerpoint/2010/main" val="3398415350"/>
       </p:ext>
     </p:extLst>
   </p:cSld>
@@ -12204,7 +12258,7 @@
           <a:p>
             <a:fld id="{DE840A40-73C8-4048-8140-49F5D65BB431}" type="datetimeFigureOut">
               <a:rPr lang="et-EE" smtClean="0"/>
-              <a:t>26.08.2025</a:t>
+              <a:t>27.08.2025</a:t>
             </a:fld>
             <a:endParaRPr lang="et-EE"/>
           </a:p>
@@ -24975,973 +25029,6 @@
         <p:cNvPr id="1" name="">
           <a:extLst>
             <a:ext uri="{FF2B5EF4-FFF2-40B4-BE49-F238E27FC236}">
-              <a16:creationId xmlns:a16="http://schemas.microsoft.com/office/drawing/2014/main" id="{B9E73FD9-D77E-162D-7041-13E961378FC5}"/>
-            </a:ext>
-          </a:extLst>
-        </p:cNvPr>
-        <p:cNvGrpSpPr/>
-        <p:nvPr/>
-      </p:nvGrpSpPr>
-      <p:grpSpPr>
-        <a:xfrm>
-          <a:off x="0" y="0"/>
-          <a:ext cx="0" cy="0"/>
-          <a:chOff x="0" y="0"/>
-          <a:chExt cx="0" cy="0"/>
-        </a:xfrm>
-      </p:grpSpPr>
-      <p:sp>
-        <p:nvSpPr>
-          <p:cNvPr id="2" name="Title 1">
-            <a:extLst>
-              <a:ext uri="{FF2B5EF4-FFF2-40B4-BE49-F238E27FC236}">
-                <a16:creationId xmlns:a16="http://schemas.microsoft.com/office/drawing/2014/main" id="{EB05699D-1274-F976-3263-C742CC93904D}"/>
-              </a:ext>
-            </a:extLst>
-          </p:cNvPr>
-          <p:cNvSpPr>
-            <a:spLocks noGrp="1"/>
-          </p:cNvSpPr>
-          <p:nvPr>
-            <p:ph type="ctrTitle"/>
-          </p:nvPr>
-        </p:nvSpPr>
-        <p:spPr/>
-        <p:txBody>
-          <a:bodyPr/>
-          <a:lstStyle/>
-          <a:p>
-            <a:r>
-              <a:rPr lang="en-US"/>
-              <a:t>Power BI Desktop – </a:t>
-            </a:r>
-            <a:r>
-              <a:rPr lang="en-US" err="1"/>
-              <a:t>vormistame</a:t>
-            </a:r>
-            <a:r>
-              <a:rPr lang="en-US"/>
-              <a:t> </a:t>
-            </a:r>
-            <a:r>
-              <a:rPr lang="en-US" err="1"/>
-              <a:t>raporti</a:t>
-            </a:r>
-            <a:endParaRPr lang="en-US"/>
-          </a:p>
-        </p:txBody>
-      </p:sp>
-      <p:sp>
-        <p:nvSpPr>
-          <p:cNvPr id="3" name="Content Placeholder 2">
-            <a:extLst>
-              <a:ext uri="{FF2B5EF4-FFF2-40B4-BE49-F238E27FC236}">
-                <a16:creationId xmlns:a16="http://schemas.microsoft.com/office/drawing/2014/main" id="{E00E1846-2AEC-E6FD-1A12-9E9DD48102E2}"/>
-              </a:ext>
-            </a:extLst>
-          </p:cNvPr>
-          <p:cNvSpPr>
-            <a:spLocks noGrp="1"/>
-          </p:cNvSpPr>
-          <p:nvPr>
-            <p:ph sz="quarter" idx="10"/>
-          </p:nvPr>
-        </p:nvSpPr>
-        <p:spPr/>
-        <p:txBody>
-          <a:bodyPr/>
-          <a:lstStyle/>
-          <a:p>
-            <a:pPr>
-              <a:lnSpc>
-                <a:spcPct val="150000"/>
-              </a:lnSpc>
-            </a:pPr>
-            <a:r>
-              <a:rPr lang="en-US" sz="2400" err="1">
-                <a:solidFill>
-                  <a:srgbClr val="000000"/>
-                </a:solidFill>
-                <a:ea typeface="Inter"/>
-              </a:rPr>
-              <a:t>Värvid</a:t>
-            </a:r>
-            <a:r>
-              <a:rPr lang="en-US" sz="2400">
-                <a:solidFill>
-                  <a:srgbClr val="000000"/>
-                </a:solidFill>
-                <a:ea typeface="Inter"/>
-              </a:rPr>
-              <a:t> - </a:t>
-            </a:r>
-            <a:r>
-              <a:rPr lang="en-US" sz="2400" err="1">
-                <a:solidFill>
-                  <a:srgbClr val="000000"/>
-                </a:solidFill>
-                <a:ea typeface="Inter"/>
-              </a:rPr>
-              <a:t>võimalik</a:t>
-            </a:r>
-            <a:r>
-              <a:rPr lang="en-US" sz="2400">
-                <a:solidFill>
-                  <a:srgbClr val="000000"/>
-                </a:solidFill>
-                <a:ea typeface="Inter"/>
-              </a:rPr>
-              <a:t> </a:t>
-            </a:r>
-            <a:r>
-              <a:rPr lang="en-US" sz="2400" err="1">
-                <a:solidFill>
-                  <a:srgbClr val="000000"/>
-                </a:solidFill>
-                <a:ea typeface="Inter"/>
-              </a:rPr>
-              <a:t>valida</a:t>
-            </a:r>
-            <a:r>
-              <a:rPr lang="en-US" sz="2400">
-                <a:solidFill>
-                  <a:srgbClr val="000000"/>
-                </a:solidFill>
-                <a:ea typeface="Inter"/>
-              </a:rPr>
-              <a:t> View --&gt; Themes</a:t>
-            </a:r>
-          </a:p>
-          <a:p>
-            <a:pPr lvl="1">
-              <a:lnSpc>
-                <a:spcPct val="150000"/>
-              </a:lnSpc>
-              <a:buFont typeface="Courier New" panose="020B0502030000000004" pitchFamily="34" charset="0"/>
-              <a:buChar char="o"/>
-            </a:pPr>
-            <a:r>
-              <a:rPr lang="en-US" sz="2000" err="1">
-                <a:solidFill>
-                  <a:srgbClr val="000000"/>
-                </a:solidFill>
-                <a:ea typeface="Inter"/>
-              </a:rPr>
-              <a:t>Tihti</a:t>
-            </a:r>
-            <a:r>
-              <a:rPr lang="en-US" sz="2000">
-                <a:solidFill>
-                  <a:srgbClr val="000000"/>
-                </a:solidFill>
-                <a:ea typeface="Inter"/>
-              </a:rPr>
-              <a:t> </a:t>
-            </a:r>
-            <a:r>
-              <a:rPr lang="en-US" sz="2000" err="1">
-                <a:solidFill>
-                  <a:srgbClr val="000000"/>
-                </a:solidFill>
-                <a:ea typeface="Inter"/>
-              </a:rPr>
-              <a:t>firmadel</a:t>
-            </a:r>
-            <a:r>
-              <a:rPr lang="en-US" sz="2000">
-                <a:solidFill>
-                  <a:srgbClr val="000000"/>
-                </a:solidFill>
-                <a:ea typeface="Inter"/>
-              </a:rPr>
-              <a:t> </a:t>
-            </a:r>
-            <a:r>
-              <a:rPr lang="en-US" sz="2000" err="1">
-                <a:solidFill>
-                  <a:srgbClr val="000000"/>
-                </a:solidFill>
-                <a:ea typeface="Inter"/>
-              </a:rPr>
-              <a:t>enda</a:t>
-            </a:r>
-            <a:r>
-              <a:rPr lang="en-US" sz="2000">
-                <a:solidFill>
-                  <a:srgbClr val="000000"/>
-                </a:solidFill>
-                <a:ea typeface="Inter"/>
-              </a:rPr>
-              <a:t> </a:t>
-            </a:r>
-            <a:r>
-              <a:rPr lang="en-US" sz="2000" err="1">
-                <a:solidFill>
-                  <a:srgbClr val="000000"/>
-                </a:solidFill>
-                <a:ea typeface="Inter"/>
-              </a:rPr>
-              <a:t>fondid</a:t>
-            </a:r>
-            <a:r>
-              <a:rPr lang="en-US" sz="2000">
-                <a:solidFill>
-                  <a:srgbClr val="000000"/>
-                </a:solidFill>
-                <a:ea typeface="Inter"/>
-              </a:rPr>
-              <a:t> ja </a:t>
-            </a:r>
-            <a:r>
-              <a:rPr lang="en-US" sz="2000" err="1">
-                <a:solidFill>
-                  <a:srgbClr val="000000"/>
-                </a:solidFill>
-                <a:ea typeface="Inter"/>
-              </a:rPr>
-              <a:t>värvid</a:t>
-            </a:r>
-            <a:r>
-              <a:rPr lang="en-US" sz="2000">
-                <a:solidFill>
-                  <a:srgbClr val="000000"/>
-                </a:solidFill>
-                <a:ea typeface="Inter"/>
-              </a:rPr>
-              <a:t>, </a:t>
-            </a:r>
-            <a:r>
-              <a:rPr lang="en-US" sz="2000" err="1">
-                <a:solidFill>
-                  <a:srgbClr val="000000"/>
-                </a:solidFill>
-                <a:ea typeface="Inter"/>
-              </a:rPr>
-              <a:t>siis</a:t>
-            </a:r>
-            <a:r>
-              <a:rPr lang="en-US" sz="2000">
-                <a:solidFill>
-                  <a:srgbClr val="000000"/>
-                </a:solidFill>
-                <a:ea typeface="Inter"/>
-              </a:rPr>
-              <a:t> </a:t>
-            </a:r>
-            <a:r>
-              <a:rPr lang="en-US" sz="2000" err="1">
-                <a:solidFill>
-                  <a:srgbClr val="000000"/>
-                </a:solidFill>
-                <a:ea typeface="Inter"/>
-              </a:rPr>
-              <a:t>saab</a:t>
-            </a:r>
-            <a:r>
-              <a:rPr lang="en-US" sz="2000">
-                <a:solidFill>
-                  <a:srgbClr val="000000"/>
-                </a:solidFill>
-                <a:ea typeface="Inter"/>
-              </a:rPr>
-              <a:t> </a:t>
-            </a:r>
-            <a:r>
-              <a:rPr lang="en-US" sz="2000" err="1">
-                <a:solidFill>
-                  <a:srgbClr val="000000"/>
-                </a:solidFill>
-                <a:ea typeface="Inter"/>
-              </a:rPr>
-              <a:t>seadistada</a:t>
-            </a:r>
-            <a:r>
-              <a:rPr lang="en-US" sz="2000">
-                <a:solidFill>
-                  <a:srgbClr val="000000"/>
-                </a:solidFill>
-                <a:ea typeface="Inter"/>
-              </a:rPr>
-              <a:t> Custom Theme</a:t>
-            </a:r>
-          </a:p>
-          <a:p>
-            <a:pPr>
-              <a:lnSpc>
-                <a:spcPct val="150000"/>
-              </a:lnSpc>
-              <a:buClr>
-                <a:srgbClr val="121212"/>
-              </a:buClr>
-            </a:pPr>
-            <a:r>
-              <a:rPr lang="en-US" sz="2400" err="1">
-                <a:solidFill>
-                  <a:srgbClr val="000000"/>
-                </a:solidFill>
-                <a:ea typeface="Inter"/>
-              </a:rPr>
-              <a:t>Visuaalid</a:t>
-            </a:r>
-            <a:r>
-              <a:rPr lang="en-US" sz="2400">
-                <a:solidFill>
-                  <a:srgbClr val="000000"/>
-                </a:solidFill>
-                <a:ea typeface="Inter"/>
-              </a:rPr>
-              <a:t> </a:t>
-            </a:r>
-            <a:r>
-              <a:rPr lang="en-US" sz="2400" err="1">
-                <a:solidFill>
-                  <a:srgbClr val="000000"/>
-                </a:solidFill>
-                <a:ea typeface="Inter"/>
-              </a:rPr>
-              <a:t>joondada</a:t>
-            </a:r>
-            <a:endParaRPr lang="en-US" sz="2400">
-              <a:solidFill>
-                <a:srgbClr val="000000"/>
-              </a:solidFill>
-              <a:ea typeface="Inter"/>
-            </a:endParaRPr>
-          </a:p>
-          <a:p>
-            <a:pPr>
-              <a:lnSpc>
-                <a:spcPct val="150000"/>
-              </a:lnSpc>
-              <a:buClr>
-                <a:srgbClr val="121212"/>
-              </a:buClr>
-            </a:pPr>
-            <a:r>
-              <a:rPr lang="en-US" sz="2400" err="1">
-                <a:solidFill>
-                  <a:srgbClr val="000000"/>
-                </a:solidFill>
-                <a:ea typeface="Inter"/>
-              </a:rPr>
-              <a:t>Visuaalid</a:t>
-            </a:r>
-            <a:r>
-              <a:rPr lang="en-US" sz="2400">
-                <a:solidFill>
-                  <a:srgbClr val="000000"/>
-                </a:solidFill>
-                <a:ea typeface="Inter"/>
-              </a:rPr>
-              <a:t> </a:t>
-            </a:r>
-            <a:r>
-              <a:rPr lang="en-US" sz="2400" err="1">
-                <a:solidFill>
-                  <a:srgbClr val="000000"/>
-                </a:solidFill>
-                <a:ea typeface="Inter"/>
-              </a:rPr>
-              <a:t>üle</a:t>
-            </a:r>
-            <a:r>
-              <a:rPr lang="en-US" sz="2400">
-                <a:solidFill>
-                  <a:srgbClr val="000000"/>
-                </a:solidFill>
-                <a:ea typeface="Inter"/>
-              </a:rPr>
-              <a:t> </a:t>
-            </a:r>
-            <a:r>
-              <a:rPr lang="en-US" sz="2400" err="1">
-                <a:solidFill>
-                  <a:srgbClr val="000000"/>
-                </a:solidFill>
-                <a:ea typeface="Inter"/>
-              </a:rPr>
-              <a:t>vaadata</a:t>
-            </a:r>
-            <a:r>
-              <a:rPr lang="en-US" sz="2400">
-                <a:solidFill>
-                  <a:srgbClr val="000000"/>
-                </a:solidFill>
-                <a:ea typeface="Inter"/>
-              </a:rPr>
-              <a:t> – kas on </a:t>
-            </a:r>
-            <a:r>
-              <a:rPr lang="en-US" sz="2400" err="1">
-                <a:solidFill>
-                  <a:srgbClr val="000000"/>
-                </a:solidFill>
-                <a:ea typeface="Inter"/>
-              </a:rPr>
-              <a:t>ainult</a:t>
-            </a:r>
-            <a:r>
-              <a:rPr lang="en-US" sz="2400">
-                <a:solidFill>
-                  <a:srgbClr val="000000"/>
-                </a:solidFill>
-                <a:ea typeface="Inter"/>
-              </a:rPr>
-              <a:t> </a:t>
-            </a:r>
-            <a:r>
-              <a:rPr lang="en-US" sz="2400" err="1">
-                <a:solidFill>
-                  <a:srgbClr val="000000"/>
-                </a:solidFill>
-                <a:ea typeface="Inter"/>
-              </a:rPr>
-              <a:t>vajalikud</a:t>
-            </a:r>
-            <a:r>
-              <a:rPr lang="en-US" sz="2400">
-                <a:solidFill>
-                  <a:srgbClr val="000000"/>
-                </a:solidFill>
-                <a:ea typeface="Inter"/>
-              </a:rPr>
-              <a:t> </a:t>
-            </a:r>
-            <a:r>
-              <a:rPr lang="en-US" sz="2400" err="1">
-                <a:solidFill>
-                  <a:srgbClr val="000000"/>
-                </a:solidFill>
-                <a:ea typeface="Inter"/>
-              </a:rPr>
-              <a:t>elemendid</a:t>
-            </a:r>
-            <a:r>
-              <a:rPr lang="en-US" sz="2400">
-                <a:solidFill>
-                  <a:srgbClr val="000000"/>
-                </a:solidFill>
-                <a:ea typeface="Inter"/>
-              </a:rPr>
-              <a:t>?</a:t>
-            </a:r>
-          </a:p>
-          <a:p>
-            <a:pPr>
-              <a:lnSpc>
-                <a:spcPct val="150000"/>
-              </a:lnSpc>
-              <a:buClr>
-                <a:srgbClr val="121212"/>
-              </a:buClr>
-            </a:pPr>
-            <a:r>
-              <a:rPr lang="en-US" sz="2400" err="1">
-                <a:solidFill>
-                  <a:srgbClr val="000000"/>
-                </a:solidFill>
-                <a:ea typeface="Inter"/>
-              </a:rPr>
-              <a:t>Pealkirjad</a:t>
-            </a:r>
-            <a:r>
-              <a:rPr lang="en-US" sz="2400">
-                <a:solidFill>
-                  <a:srgbClr val="000000"/>
-                </a:solidFill>
-                <a:ea typeface="Inter"/>
-              </a:rPr>
-              <a:t> </a:t>
-            </a:r>
-            <a:r>
-              <a:rPr lang="en-US" sz="2400" err="1">
-                <a:solidFill>
-                  <a:srgbClr val="000000"/>
-                </a:solidFill>
-                <a:ea typeface="Inter"/>
-              </a:rPr>
-              <a:t>üle</a:t>
-            </a:r>
-            <a:r>
-              <a:rPr lang="en-US" sz="2400">
-                <a:solidFill>
-                  <a:srgbClr val="000000"/>
-                </a:solidFill>
-                <a:ea typeface="Inter"/>
-              </a:rPr>
-              <a:t> </a:t>
-            </a:r>
-            <a:r>
-              <a:rPr lang="en-US" sz="2400" err="1">
-                <a:solidFill>
-                  <a:srgbClr val="000000"/>
-                </a:solidFill>
-                <a:ea typeface="Inter"/>
-              </a:rPr>
-              <a:t>vaadata</a:t>
-            </a:r>
-            <a:endParaRPr lang="en-US" sz="2400">
-              <a:solidFill>
-                <a:srgbClr val="000000"/>
-              </a:solidFill>
-              <a:ea typeface="Inter"/>
-            </a:endParaRPr>
-          </a:p>
-          <a:p>
-            <a:pPr marL="0" indent="0">
-              <a:lnSpc>
-                <a:spcPct val="150000"/>
-              </a:lnSpc>
-              <a:buNone/>
-            </a:pPr>
-            <a:endParaRPr lang="en-US" sz="2400">
-              <a:solidFill>
-                <a:srgbClr val="000000"/>
-              </a:solidFill>
-              <a:ea typeface="Inter"/>
-            </a:endParaRPr>
-          </a:p>
-          <a:p>
-            <a:pPr>
-              <a:lnSpc>
-                <a:spcPct val="150000"/>
-              </a:lnSpc>
-            </a:pPr>
-            <a:endParaRPr lang="en-US" sz="2400">
-              <a:solidFill>
-                <a:srgbClr val="000000"/>
-              </a:solidFill>
-              <a:ea typeface="Inter"/>
-            </a:endParaRPr>
-          </a:p>
-        </p:txBody>
-      </p:sp>
-    </p:spTree>
-    <p:extLst>
-      <p:ext uri="{BB962C8B-B14F-4D97-AF65-F5344CB8AC3E}">
-        <p14:creationId xmlns:p14="http://schemas.microsoft.com/office/powerpoint/2010/main" val="128759722"/>
-      </p:ext>
-    </p:extLst>
-  </p:cSld>
-  <p:clrMapOvr>
-    <a:masterClrMapping/>
-  </p:clrMapOvr>
-</p:sld>
-</file>
-
-<file path=ppt/slides/slide15.xml><?xml version="1.0" encoding="utf-8"?>
-<p:sld xmlns:a="http://schemas.openxmlformats.org/drawingml/2006/main" xmlns:r="http://schemas.openxmlformats.org/officeDocument/2006/relationships" xmlns:p="http://schemas.openxmlformats.org/presentationml/2006/main">
-  <p:cSld>
-    <p:spTree>
-      <p:nvGrpSpPr>
-        <p:cNvPr id="1" name="">
-          <a:extLst>
-            <a:ext uri="{FF2B5EF4-FFF2-40B4-BE49-F238E27FC236}">
-              <a16:creationId xmlns:a16="http://schemas.microsoft.com/office/drawing/2014/main" id="{E2F74585-D2DF-8BBA-F76F-A1F663592812}"/>
-            </a:ext>
-          </a:extLst>
-        </p:cNvPr>
-        <p:cNvGrpSpPr/>
-        <p:nvPr/>
-      </p:nvGrpSpPr>
-      <p:grpSpPr>
-        <a:xfrm>
-          <a:off x="0" y="0"/>
-          <a:ext cx="0" cy="0"/>
-          <a:chOff x="0" y="0"/>
-          <a:chExt cx="0" cy="0"/>
-        </a:xfrm>
-      </p:grpSpPr>
-      <p:sp>
-        <p:nvSpPr>
-          <p:cNvPr id="2" name="Title 1">
-            <a:extLst>
-              <a:ext uri="{FF2B5EF4-FFF2-40B4-BE49-F238E27FC236}">
-                <a16:creationId xmlns:a16="http://schemas.microsoft.com/office/drawing/2014/main" id="{25892E5D-075E-DD90-191E-85206ABC8056}"/>
-              </a:ext>
-            </a:extLst>
-          </p:cNvPr>
-          <p:cNvSpPr>
-            <a:spLocks noGrp="1"/>
-          </p:cNvSpPr>
-          <p:nvPr>
-            <p:ph type="ctrTitle"/>
-          </p:nvPr>
-        </p:nvSpPr>
-        <p:spPr/>
-        <p:txBody>
-          <a:bodyPr/>
-          <a:lstStyle/>
-          <a:p>
-            <a:r>
-              <a:rPr lang="en-US"/>
-              <a:t>Power BI Service</a:t>
-            </a:r>
-          </a:p>
-        </p:txBody>
-      </p:sp>
-      <p:sp>
-        <p:nvSpPr>
-          <p:cNvPr id="3" name="Content Placeholder 2">
-            <a:extLst>
-              <a:ext uri="{FF2B5EF4-FFF2-40B4-BE49-F238E27FC236}">
-                <a16:creationId xmlns:a16="http://schemas.microsoft.com/office/drawing/2014/main" id="{5B57BEB0-F68E-0C93-C7A0-ABBBB8146951}"/>
-              </a:ext>
-            </a:extLst>
-          </p:cNvPr>
-          <p:cNvSpPr>
-            <a:spLocks noGrp="1"/>
-          </p:cNvSpPr>
-          <p:nvPr>
-            <p:ph sz="quarter" idx="10"/>
-          </p:nvPr>
-        </p:nvSpPr>
-        <p:spPr/>
-        <p:txBody>
-          <a:bodyPr/>
-          <a:lstStyle/>
-          <a:p>
-            <a:pPr>
-              <a:lnSpc>
-                <a:spcPct val="150000"/>
-              </a:lnSpc>
-            </a:pPr>
-            <a:r>
-              <a:rPr lang="en-US" sz="2400" err="1">
-                <a:solidFill>
-                  <a:srgbClr val="000000"/>
-                </a:solidFill>
-                <a:ea typeface="Inter"/>
-              </a:rPr>
-              <a:t>Veebikeskkond</a:t>
-            </a:r>
-            <a:r>
-              <a:rPr lang="en-US" sz="2400">
-                <a:solidFill>
-                  <a:srgbClr val="000000"/>
-                </a:solidFill>
-                <a:ea typeface="Inter"/>
-              </a:rPr>
-              <a:t> PBI </a:t>
-            </a:r>
-            <a:r>
-              <a:rPr lang="en-US" sz="2400" err="1">
-                <a:solidFill>
-                  <a:srgbClr val="000000"/>
-                </a:solidFill>
-                <a:ea typeface="Inter"/>
-              </a:rPr>
-              <a:t>raportite</a:t>
-            </a:r>
-            <a:r>
-              <a:rPr lang="en-US" sz="2400">
-                <a:solidFill>
-                  <a:srgbClr val="000000"/>
-                </a:solidFill>
-                <a:ea typeface="Inter"/>
-              </a:rPr>
-              <a:t> </a:t>
-            </a:r>
-            <a:r>
-              <a:rPr lang="en-US" sz="2400" err="1">
-                <a:solidFill>
-                  <a:srgbClr val="000000"/>
-                </a:solidFill>
-                <a:ea typeface="Inter"/>
-              </a:rPr>
-              <a:t>jagamiseks</a:t>
-            </a:r>
-            <a:endParaRPr lang="en-US" err="1"/>
-          </a:p>
-          <a:p>
-            <a:pPr>
-              <a:lnSpc>
-                <a:spcPct val="150000"/>
-              </a:lnSpc>
-            </a:pPr>
-            <a:r>
-              <a:rPr lang="en-US" sz="2400" err="1">
-                <a:solidFill>
-                  <a:srgbClr val="000000"/>
-                </a:solidFill>
-                <a:ea typeface="Inter"/>
-              </a:rPr>
-              <a:t>Tasuta</a:t>
-            </a:r>
-            <a:r>
-              <a:rPr lang="en-US" sz="2400">
-                <a:solidFill>
-                  <a:srgbClr val="000000"/>
-                </a:solidFill>
-                <a:ea typeface="Inter"/>
-              </a:rPr>
-              <a:t> </a:t>
-            </a:r>
-            <a:r>
-              <a:rPr lang="en-US" sz="2400" err="1">
-                <a:solidFill>
-                  <a:srgbClr val="000000"/>
-                </a:solidFill>
-                <a:ea typeface="Inter"/>
-              </a:rPr>
-              <a:t>versioonis</a:t>
-            </a:r>
-            <a:r>
-              <a:rPr lang="en-US" sz="2400">
-                <a:solidFill>
-                  <a:srgbClr val="000000"/>
-                </a:solidFill>
-                <a:ea typeface="Inter"/>
-              </a:rPr>
-              <a:t> </a:t>
-            </a:r>
-            <a:r>
-              <a:rPr lang="en-US" sz="2400" err="1">
-                <a:solidFill>
-                  <a:srgbClr val="000000"/>
-                </a:solidFill>
-                <a:ea typeface="Inter"/>
-              </a:rPr>
-              <a:t>ainult</a:t>
-            </a:r>
-            <a:r>
-              <a:rPr lang="en-US" sz="2400">
-                <a:solidFill>
-                  <a:srgbClr val="000000"/>
-                </a:solidFill>
-                <a:ea typeface="Inter"/>
-              </a:rPr>
-              <a:t> My Workspace ja </a:t>
-            </a:r>
-            <a:r>
-              <a:rPr lang="en-US" sz="2400" err="1">
-                <a:solidFill>
-                  <a:srgbClr val="000000"/>
-                </a:solidFill>
-                <a:ea typeface="Inter"/>
-              </a:rPr>
-              <a:t>ei</a:t>
-            </a:r>
-            <a:r>
-              <a:rPr lang="en-US" sz="2400">
-                <a:solidFill>
-                  <a:srgbClr val="000000"/>
-                </a:solidFill>
-                <a:ea typeface="Inter"/>
-              </a:rPr>
-              <a:t> </a:t>
-            </a:r>
-            <a:r>
-              <a:rPr lang="en-US" sz="2400" err="1">
-                <a:solidFill>
-                  <a:srgbClr val="000000"/>
-                </a:solidFill>
-                <a:ea typeface="Inter"/>
-              </a:rPr>
-              <a:t>saa</a:t>
-            </a:r>
-            <a:r>
-              <a:rPr lang="en-US" sz="2400">
-                <a:solidFill>
-                  <a:srgbClr val="000000"/>
-                </a:solidFill>
-                <a:ea typeface="Inter"/>
-              </a:rPr>
-              <a:t> </a:t>
-            </a:r>
-            <a:r>
-              <a:rPr lang="en-US" sz="2400" err="1">
-                <a:solidFill>
-                  <a:srgbClr val="000000"/>
-                </a:solidFill>
-                <a:ea typeface="Inter"/>
-              </a:rPr>
-              <a:t>jagada</a:t>
-            </a:r>
-            <a:r>
-              <a:rPr lang="en-US" sz="2400">
-                <a:solidFill>
-                  <a:srgbClr val="000000"/>
-                </a:solidFill>
-                <a:ea typeface="Inter"/>
-              </a:rPr>
-              <a:t> </a:t>
-            </a:r>
-            <a:r>
-              <a:rPr lang="en-US" sz="2400" err="1">
-                <a:solidFill>
-                  <a:srgbClr val="000000"/>
-                </a:solidFill>
-                <a:ea typeface="Inter"/>
-              </a:rPr>
-              <a:t>teistega</a:t>
-            </a:r>
-          </a:p>
-          <a:p>
-            <a:pPr>
-              <a:lnSpc>
-                <a:spcPct val="150000"/>
-              </a:lnSpc>
-            </a:pPr>
-            <a:r>
-              <a:rPr lang="en-US" sz="2400" err="1">
-                <a:solidFill>
-                  <a:srgbClr val="000000"/>
-                </a:solidFill>
-                <a:ea typeface="Inter"/>
-              </a:rPr>
-              <a:t>Üleslaadimisel</a:t>
-            </a:r>
-            <a:r>
-              <a:rPr lang="en-US" sz="2400">
-                <a:solidFill>
-                  <a:srgbClr val="000000"/>
-                </a:solidFill>
-                <a:ea typeface="Inter"/>
-              </a:rPr>
-              <a:t> </a:t>
-            </a:r>
-            <a:r>
-              <a:rPr lang="en-US" sz="2400" err="1">
-                <a:solidFill>
-                  <a:srgbClr val="000000"/>
-                </a:solidFill>
-                <a:ea typeface="Inter"/>
-              </a:rPr>
-              <a:t>tekib</a:t>
-            </a:r>
-            <a:r>
-              <a:rPr lang="en-US" sz="2400">
-                <a:solidFill>
-                  <a:srgbClr val="000000"/>
-                </a:solidFill>
-                <a:ea typeface="Inter"/>
-              </a:rPr>
-              <a:t> </a:t>
-            </a:r>
-            <a:r>
-              <a:rPr lang="en-US" sz="2400" err="1">
-                <a:solidFill>
-                  <a:srgbClr val="000000"/>
-                </a:solidFill>
-                <a:ea typeface="Inter"/>
-              </a:rPr>
-              <a:t>kaks</a:t>
-            </a:r>
-            <a:r>
-              <a:rPr lang="en-US" sz="2400">
-                <a:solidFill>
-                  <a:srgbClr val="000000"/>
-                </a:solidFill>
-                <a:ea typeface="Inter"/>
-              </a:rPr>
-              <a:t> </a:t>
-            </a:r>
-            <a:r>
-              <a:rPr lang="en-US" sz="2400" err="1">
-                <a:solidFill>
-                  <a:srgbClr val="000000"/>
-                </a:solidFill>
-                <a:ea typeface="Inter"/>
-              </a:rPr>
-              <a:t>faili</a:t>
-            </a:r>
-            <a:r>
-              <a:rPr lang="en-US" sz="2400">
-                <a:solidFill>
-                  <a:srgbClr val="000000"/>
-                </a:solidFill>
-                <a:ea typeface="Inter"/>
-              </a:rPr>
-              <a:t>: </a:t>
-            </a:r>
-          </a:p>
-          <a:p>
-            <a:pPr lvl="1">
-              <a:lnSpc>
-                <a:spcPct val="150000"/>
-              </a:lnSpc>
-              <a:buFont typeface="Courier New" panose="020B0502030000000004" pitchFamily="34" charset="0"/>
-              <a:buChar char="o"/>
-            </a:pPr>
-            <a:r>
-              <a:rPr lang="en-US" sz="2400" err="1">
-                <a:solidFill>
-                  <a:srgbClr val="000000"/>
-                </a:solidFill>
-                <a:ea typeface="Inter"/>
-              </a:rPr>
-              <a:t>Andmestik</a:t>
-            </a:r>
-          </a:p>
-          <a:p>
-            <a:pPr lvl="1">
-              <a:lnSpc>
-                <a:spcPct val="150000"/>
-              </a:lnSpc>
-              <a:buFont typeface="Courier New" panose="020B0502030000000004" pitchFamily="34" charset="0"/>
-              <a:buChar char="o"/>
-            </a:pPr>
-            <a:r>
-              <a:rPr lang="en-US" sz="2400" err="1">
-                <a:solidFill>
-                  <a:srgbClr val="000000"/>
-                </a:solidFill>
-                <a:ea typeface="Inter"/>
-              </a:rPr>
-              <a:t>Raport</a:t>
-            </a:r>
-          </a:p>
-          <a:p>
-            <a:pPr marL="0" indent="0">
-              <a:lnSpc>
-                <a:spcPct val="150000"/>
-              </a:lnSpc>
-              <a:buNone/>
-            </a:pPr>
-            <a:endParaRPr lang="en-US" sz="2400">
-              <a:solidFill>
-                <a:srgbClr val="000000"/>
-              </a:solidFill>
-              <a:ea typeface="Inter"/>
-            </a:endParaRPr>
-          </a:p>
-          <a:p>
-            <a:pPr>
-              <a:lnSpc>
-                <a:spcPct val="150000"/>
-              </a:lnSpc>
-            </a:pPr>
-            <a:endParaRPr lang="en-US" sz="2400">
-              <a:solidFill>
-                <a:srgbClr val="000000"/>
-              </a:solidFill>
-              <a:ea typeface="Inter"/>
-            </a:endParaRPr>
-          </a:p>
-        </p:txBody>
-      </p:sp>
-    </p:spTree>
-    <p:extLst>
-      <p:ext uri="{BB962C8B-B14F-4D97-AF65-F5344CB8AC3E}">
-        <p14:creationId xmlns:p14="http://schemas.microsoft.com/office/powerpoint/2010/main" val="3558728410"/>
-      </p:ext>
-    </p:extLst>
-  </p:cSld>
-  <p:clrMapOvr>
-    <a:masterClrMapping/>
-  </p:clrMapOvr>
-</p:sld>
-</file>
-
-<file path=ppt/slides/slide16.xml><?xml version="1.0" encoding="utf-8"?>
-<p:sld xmlns:a="http://schemas.openxmlformats.org/drawingml/2006/main" xmlns:r="http://schemas.openxmlformats.org/officeDocument/2006/relationships" xmlns:p="http://schemas.openxmlformats.org/presentationml/2006/main">
-  <p:cSld>
-    <p:spTree>
-      <p:nvGrpSpPr>
-        <p:cNvPr id="1" name="">
-          <a:extLst>
-            <a:ext uri="{FF2B5EF4-FFF2-40B4-BE49-F238E27FC236}">
               <a16:creationId xmlns:a16="http://schemas.microsoft.com/office/drawing/2014/main" id="{6A8C2242-2C8B-7D72-D812-D7A90CB189F4}"/>
             </a:ext>
           </a:extLst>
@@ -26051,7 +25138,1397 @@
 </p:sld>
 </file>
 
+<file path=ppt/slides/slide15.xml><?xml version="1.0" encoding="utf-8"?>
+<p:sld xmlns:a="http://schemas.openxmlformats.org/drawingml/2006/main" xmlns:r="http://schemas.openxmlformats.org/officeDocument/2006/relationships" xmlns:p="http://schemas.openxmlformats.org/presentationml/2006/main">
+  <p:cSld>
+    <p:spTree>
+      <p:nvGrpSpPr>
+        <p:cNvPr id="1" name="">
+          <a:extLst>
+            <a:ext uri="{FF2B5EF4-FFF2-40B4-BE49-F238E27FC236}">
+              <a16:creationId xmlns:a16="http://schemas.microsoft.com/office/drawing/2014/main" id="{6BCD841B-1620-7F64-AABF-17AC8BEADE23}"/>
+            </a:ext>
+          </a:extLst>
+        </p:cNvPr>
+        <p:cNvGrpSpPr/>
+        <p:nvPr/>
+      </p:nvGrpSpPr>
+      <p:grpSpPr>
+        <a:xfrm>
+          <a:off x="0" y="0"/>
+          <a:ext cx="0" cy="0"/>
+          <a:chOff x="0" y="0"/>
+          <a:chExt cx="0" cy="0"/>
+        </a:xfrm>
+      </p:grpSpPr>
+      <p:sp>
+        <p:nvSpPr>
+          <p:cNvPr id="2" name="Title 1">
+            <a:extLst>
+              <a:ext uri="{FF2B5EF4-FFF2-40B4-BE49-F238E27FC236}">
+                <a16:creationId xmlns:a16="http://schemas.microsoft.com/office/drawing/2014/main" id="{4EBF5146-E745-CD30-E5D4-2398C96FDCFD}"/>
+              </a:ext>
+            </a:extLst>
+          </p:cNvPr>
+          <p:cNvSpPr>
+            <a:spLocks noGrp="1"/>
+          </p:cNvSpPr>
+          <p:nvPr>
+            <p:ph type="ctrTitle"/>
+          </p:nvPr>
+        </p:nvSpPr>
+        <p:spPr/>
+        <p:txBody>
+          <a:bodyPr/>
+          <a:lstStyle/>
+          <a:p>
+            <a:r>
+              <a:rPr lang="en-US" err="1"/>
+              <a:t>Müükide</a:t>
+            </a:r>
+            <a:r>
+              <a:rPr lang="en-US"/>
+              <a:t> </a:t>
+            </a:r>
+            <a:r>
+              <a:rPr lang="en-US" err="1"/>
+              <a:t>ülevaade</a:t>
+            </a:r>
+            <a:r>
+              <a:rPr lang="en-US"/>
+              <a:t> </a:t>
+            </a:r>
+            <a:r>
+              <a:rPr lang="en-US" err="1"/>
+              <a:t>müügitiimile</a:t>
+            </a:r>
+            <a:endParaRPr lang="en-US"/>
+          </a:p>
+        </p:txBody>
+      </p:sp>
+      <p:sp>
+        <p:nvSpPr>
+          <p:cNvPr id="3" name="Content Placeholder 2">
+            <a:extLst>
+              <a:ext uri="{FF2B5EF4-FFF2-40B4-BE49-F238E27FC236}">
+                <a16:creationId xmlns:a16="http://schemas.microsoft.com/office/drawing/2014/main" id="{21904B09-5239-995B-53EC-8B8446BCCFC9}"/>
+              </a:ext>
+            </a:extLst>
+          </p:cNvPr>
+          <p:cNvSpPr>
+            <a:spLocks noGrp="1"/>
+          </p:cNvSpPr>
+          <p:nvPr>
+            <p:ph sz="quarter" idx="10"/>
+          </p:nvPr>
+        </p:nvSpPr>
+        <p:spPr/>
+        <p:txBody>
+          <a:bodyPr/>
+          <a:lstStyle/>
+          <a:p>
+            <a:pPr>
+              <a:lnSpc>
+                <a:spcPct val="150000"/>
+              </a:lnSpc>
+            </a:pPr>
+            <a:r>
+              <a:rPr lang="en-US" sz="2400" err="1">
+                <a:solidFill>
+                  <a:srgbClr val="000000"/>
+                </a:solidFill>
+                <a:ea typeface="+mn-lt"/>
+                <a:cs typeface="+mn-lt"/>
+              </a:rPr>
+              <a:t>Kuidas</a:t>
+            </a:r>
+            <a:r>
+              <a:rPr lang="en-US" sz="2400">
+                <a:solidFill>
+                  <a:srgbClr val="000000"/>
+                </a:solidFill>
+                <a:ea typeface="+mn-lt"/>
+                <a:cs typeface="+mn-lt"/>
+              </a:rPr>
+              <a:t> </a:t>
+            </a:r>
+            <a:r>
+              <a:rPr lang="en-US" sz="2400" err="1">
+                <a:solidFill>
+                  <a:srgbClr val="000000"/>
+                </a:solidFill>
+                <a:ea typeface="+mn-lt"/>
+                <a:cs typeface="+mn-lt"/>
+              </a:rPr>
+              <a:t>edeneb</a:t>
+            </a:r>
+            <a:r>
+              <a:rPr lang="en-US" sz="2400">
+                <a:solidFill>
+                  <a:srgbClr val="000000"/>
+                </a:solidFill>
+                <a:ea typeface="+mn-lt"/>
+                <a:cs typeface="+mn-lt"/>
+              </a:rPr>
+              <a:t> </a:t>
+            </a:r>
+            <a:r>
+              <a:rPr lang="en-US" sz="2400" err="1">
+                <a:solidFill>
+                  <a:srgbClr val="000000"/>
+                </a:solidFill>
+                <a:ea typeface="+mn-lt"/>
+                <a:cs typeface="+mn-lt"/>
+              </a:rPr>
+              <a:t>käesoleval</a:t>
+            </a:r>
+            <a:r>
+              <a:rPr lang="en-US" sz="2400">
+                <a:solidFill>
+                  <a:srgbClr val="000000"/>
+                </a:solidFill>
+                <a:ea typeface="+mn-lt"/>
+                <a:cs typeface="+mn-lt"/>
+              </a:rPr>
+              <a:t> </a:t>
+            </a:r>
+            <a:r>
+              <a:rPr lang="en-US" sz="2400" err="1">
+                <a:solidFill>
+                  <a:srgbClr val="000000"/>
+                </a:solidFill>
+                <a:ea typeface="+mn-lt"/>
+                <a:cs typeface="+mn-lt"/>
+              </a:rPr>
+              <a:t>kuul</a:t>
+            </a:r>
+            <a:r>
+              <a:rPr lang="en-US" sz="2400">
+                <a:solidFill>
+                  <a:srgbClr val="000000"/>
+                </a:solidFill>
+                <a:ea typeface="+mn-lt"/>
+                <a:cs typeface="+mn-lt"/>
+              </a:rPr>
+              <a:t> </a:t>
+            </a:r>
+            <a:r>
+              <a:rPr lang="en-US" sz="2400" err="1">
+                <a:solidFill>
+                  <a:srgbClr val="000000"/>
+                </a:solidFill>
+                <a:ea typeface="+mn-lt"/>
+                <a:cs typeface="+mn-lt"/>
+              </a:rPr>
+              <a:t>eelarve</a:t>
+            </a:r>
+            <a:r>
+              <a:rPr lang="en-US" sz="2400">
+                <a:solidFill>
+                  <a:srgbClr val="000000"/>
+                </a:solidFill>
+                <a:ea typeface="+mn-lt"/>
+                <a:cs typeface="+mn-lt"/>
+              </a:rPr>
+              <a:t> </a:t>
+            </a:r>
+            <a:r>
+              <a:rPr lang="en-US" sz="2400" err="1">
+                <a:solidFill>
+                  <a:srgbClr val="000000"/>
+                </a:solidFill>
+                <a:ea typeface="+mn-lt"/>
+                <a:cs typeface="+mn-lt"/>
+              </a:rPr>
+              <a:t>täitmine</a:t>
+            </a:r>
+            <a:r>
+              <a:rPr lang="en-US" sz="2400">
+                <a:solidFill>
+                  <a:srgbClr val="000000"/>
+                </a:solidFill>
+                <a:ea typeface="+mn-lt"/>
+                <a:cs typeface="+mn-lt"/>
+              </a:rPr>
+              <a:t> </a:t>
+            </a:r>
+            <a:r>
+              <a:rPr lang="en-US" sz="2400" err="1">
+                <a:solidFill>
+                  <a:srgbClr val="000000"/>
+                </a:solidFill>
+                <a:ea typeface="+mn-lt"/>
+                <a:cs typeface="+mn-lt"/>
+              </a:rPr>
+              <a:t>müügiesindajate</a:t>
+            </a:r>
+            <a:r>
+              <a:rPr lang="en-US" sz="2400">
+                <a:solidFill>
+                  <a:srgbClr val="000000"/>
+                </a:solidFill>
+                <a:ea typeface="+mn-lt"/>
+                <a:cs typeface="+mn-lt"/>
+              </a:rPr>
+              <a:t> </a:t>
+            </a:r>
+            <a:r>
+              <a:rPr lang="en-US" sz="2400" err="1">
+                <a:solidFill>
+                  <a:srgbClr val="000000"/>
+                </a:solidFill>
+                <a:ea typeface="+mn-lt"/>
+                <a:cs typeface="+mn-lt"/>
+              </a:rPr>
+              <a:t>kaupa</a:t>
+            </a:r>
+            <a:r>
+              <a:rPr lang="en-US" sz="2400">
+                <a:solidFill>
+                  <a:srgbClr val="000000"/>
+                </a:solidFill>
+                <a:ea typeface="+mn-lt"/>
+                <a:cs typeface="+mn-lt"/>
+              </a:rPr>
+              <a:t>?</a:t>
+            </a:r>
+          </a:p>
+          <a:p>
+            <a:pPr>
+              <a:lnSpc>
+                <a:spcPct val="150000"/>
+              </a:lnSpc>
+            </a:pPr>
+            <a:endParaRPr lang="en-US" sz="2400">
+              <a:solidFill>
+                <a:srgbClr val="000000"/>
+              </a:solidFill>
+              <a:ea typeface="Inter"/>
+            </a:endParaRPr>
+          </a:p>
+          <a:p>
+            <a:pPr marL="0" indent="0">
+              <a:lnSpc>
+                <a:spcPct val="150000"/>
+              </a:lnSpc>
+              <a:buNone/>
+            </a:pPr>
+            <a:endParaRPr lang="en-US" sz="2400">
+              <a:solidFill>
+                <a:srgbClr val="000000"/>
+              </a:solidFill>
+              <a:ea typeface="Inter"/>
+            </a:endParaRPr>
+          </a:p>
+          <a:p>
+            <a:pPr>
+              <a:lnSpc>
+                <a:spcPct val="150000"/>
+              </a:lnSpc>
+            </a:pPr>
+            <a:endParaRPr lang="en-US" sz="2400">
+              <a:solidFill>
+                <a:srgbClr val="000000"/>
+              </a:solidFill>
+              <a:ea typeface="Inter"/>
+            </a:endParaRPr>
+          </a:p>
+        </p:txBody>
+      </p:sp>
+    </p:spTree>
+    <p:extLst>
+      <p:ext uri="{BB962C8B-B14F-4D97-AF65-F5344CB8AC3E}">
+        <p14:creationId xmlns:p14="http://schemas.microsoft.com/office/powerpoint/2010/main" val="2130150789"/>
+      </p:ext>
+    </p:extLst>
+  </p:cSld>
+  <p:clrMapOvr>
+    <a:masterClrMapping/>
+  </p:clrMapOvr>
+</p:sld>
+</file>
+
+<file path=ppt/slides/slide16.xml><?xml version="1.0" encoding="utf-8"?>
+<p:sld xmlns:a="http://schemas.openxmlformats.org/drawingml/2006/main" xmlns:r="http://schemas.openxmlformats.org/officeDocument/2006/relationships" xmlns:p="http://schemas.openxmlformats.org/presentationml/2006/main">
+  <p:cSld>
+    <p:spTree>
+      <p:nvGrpSpPr>
+        <p:cNvPr id="1" name="">
+          <a:extLst>
+            <a:ext uri="{FF2B5EF4-FFF2-40B4-BE49-F238E27FC236}">
+              <a16:creationId xmlns:a16="http://schemas.microsoft.com/office/drawing/2014/main" id="{B9E73FD9-D77E-162D-7041-13E961378FC5}"/>
+            </a:ext>
+          </a:extLst>
+        </p:cNvPr>
+        <p:cNvGrpSpPr/>
+        <p:nvPr/>
+      </p:nvGrpSpPr>
+      <p:grpSpPr>
+        <a:xfrm>
+          <a:off x="0" y="0"/>
+          <a:ext cx="0" cy="0"/>
+          <a:chOff x="0" y="0"/>
+          <a:chExt cx="0" cy="0"/>
+        </a:xfrm>
+      </p:grpSpPr>
+      <p:sp>
+        <p:nvSpPr>
+          <p:cNvPr id="2" name="Title 1">
+            <a:extLst>
+              <a:ext uri="{FF2B5EF4-FFF2-40B4-BE49-F238E27FC236}">
+                <a16:creationId xmlns:a16="http://schemas.microsoft.com/office/drawing/2014/main" id="{EB05699D-1274-F976-3263-C742CC93904D}"/>
+              </a:ext>
+            </a:extLst>
+          </p:cNvPr>
+          <p:cNvSpPr>
+            <a:spLocks noGrp="1"/>
+          </p:cNvSpPr>
+          <p:nvPr>
+            <p:ph type="ctrTitle"/>
+          </p:nvPr>
+        </p:nvSpPr>
+        <p:spPr/>
+        <p:txBody>
+          <a:bodyPr/>
+          <a:lstStyle/>
+          <a:p>
+            <a:r>
+              <a:rPr lang="en-US"/>
+              <a:t>Power BI Desktop – </a:t>
+            </a:r>
+            <a:r>
+              <a:rPr lang="en-US" err="1"/>
+              <a:t>vormistame</a:t>
+            </a:r>
+            <a:r>
+              <a:rPr lang="en-US"/>
+              <a:t> </a:t>
+            </a:r>
+            <a:r>
+              <a:rPr lang="en-US" err="1"/>
+              <a:t>raporti</a:t>
+            </a:r>
+            <a:endParaRPr lang="en-US"/>
+          </a:p>
+        </p:txBody>
+      </p:sp>
+      <p:sp>
+        <p:nvSpPr>
+          <p:cNvPr id="3" name="Content Placeholder 2">
+            <a:extLst>
+              <a:ext uri="{FF2B5EF4-FFF2-40B4-BE49-F238E27FC236}">
+                <a16:creationId xmlns:a16="http://schemas.microsoft.com/office/drawing/2014/main" id="{E00E1846-2AEC-E6FD-1A12-9E9DD48102E2}"/>
+              </a:ext>
+            </a:extLst>
+          </p:cNvPr>
+          <p:cNvSpPr>
+            <a:spLocks noGrp="1"/>
+          </p:cNvSpPr>
+          <p:nvPr>
+            <p:ph sz="quarter" idx="10"/>
+          </p:nvPr>
+        </p:nvSpPr>
+        <p:spPr/>
+        <p:txBody>
+          <a:bodyPr/>
+          <a:lstStyle/>
+          <a:p>
+            <a:pPr>
+              <a:lnSpc>
+                <a:spcPct val="150000"/>
+              </a:lnSpc>
+            </a:pPr>
+            <a:r>
+              <a:rPr lang="en-US" sz="2400" err="1">
+                <a:solidFill>
+                  <a:srgbClr val="000000"/>
+                </a:solidFill>
+                <a:ea typeface="Inter"/>
+              </a:rPr>
+              <a:t>Värvid</a:t>
+            </a:r>
+            <a:r>
+              <a:rPr lang="en-US" sz="2400">
+                <a:solidFill>
+                  <a:srgbClr val="000000"/>
+                </a:solidFill>
+                <a:ea typeface="Inter"/>
+              </a:rPr>
+              <a:t> - </a:t>
+            </a:r>
+            <a:r>
+              <a:rPr lang="en-US" sz="2400" err="1">
+                <a:solidFill>
+                  <a:srgbClr val="000000"/>
+                </a:solidFill>
+                <a:ea typeface="Inter"/>
+              </a:rPr>
+              <a:t>võimalik</a:t>
+            </a:r>
+            <a:r>
+              <a:rPr lang="en-US" sz="2400">
+                <a:solidFill>
+                  <a:srgbClr val="000000"/>
+                </a:solidFill>
+                <a:ea typeface="Inter"/>
+              </a:rPr>
+              <a:t> </a:t>
+            </a:r>
+            <a:r>
+              <a:rPr lang="en-US" sz="2400" err="1">
+                <a:solidFill>
+                  <a:srgbClr val="000000"/>
+                </a:solidFill>
+                <a:ea typeface="Inter"/>
+              </a:rPr>
+              <a:t>valida</a:t>
+            </a:r>
+            <a:r>
+              <a:rPr lang="en-US" sz="2400">
+                <a:solidFill>
+                  <a:srgbClr val="000000"/>
+                </a:solidFill>
+                <a:ea typeface="Inter"/>
+              </a:rPr>
+              <a:t> View --&gt; Themes</a:t>
+            </a:r>
+          </a:p>
+          <a:p>
+            <a:pPr lvl="1">
+              <a:lnSpc>
+                <a:spcPct val="150000"/>
+              </a:lnSpc>
+              <a:buFont typeface="Courier New" panose="020B0502030000000004" pitchFamily="34" charset="0"/>
+              <a:buChar char="o"/>
+            </a:pPr>
+            <a:r>
+              <a:rPr lang="en-US" sz="2000" err="1">
+                <a:solidFill>
+                  <a:srgbClr val="000000"/>
+                </a:solidFill>
+                <a:ea typeface="Inter"/>
+              </a:rPr>
+              <a:t>Tihti</a:t>
+            </a:r>
+            <a:r>
+              <a:rPr lang="en-US" sz="2000">
+                <a:solidFill>
+                  <a:srgbClr val="000000"/>
+                </a:solidFill>
+                <a:ea typeface="Inter"/>
+              </a:rPr>
+              <a:t> </a:t>
+            </a:r>
+            <a:r>
+              <a:rPr lang="en-US" sz="2000" err="1">
+                <a:solidFill>
+                  <a:srgbClr val="000000"/>
+                </a:solidFill>
+                <a:ea typeface="Inter"/>
+              </a:rPr>
+              <a:t>firmadel</a:t>
+            </a:r>
+            <a:r>
+              <a:rPr lang="en-US" sz="2000">
+                <a:solidFill>
+                  <a:srgbClr val="000000"/>
+                </a:solidFill>
+                <a:ea typeface="Inter"/>
+              </a:rPr>
+              <a:t> </a:t>
+            </a:r>
+            <a:r>
+              <a:rPr lang="en-US" sz="2000" err="1">
+                <a:solidFill>
+                  <a:srgbClr val="000000"/>
+                </a:solidFill>
+                <a:ea typeface="Inter"/>
+              </a:rPr>
+              <a:t>enda</a:t>
+            </a:r>
+            <a:r>
+              <a:rPr lang="en-US" sz="2000">
+                <a:solidFill>
+                  <a:srgbClr val="000000"/>
+                </a:solidFill>
+                <a:ea typeface="Inter"/>
+              </a:rPr>
+              <a:t> </a:t>
+            </a:r>
+            <a:r>
+              <a:rPr lang="en-US" sz="2000" err="1">
+                <a:solidFill>
+                  <a:srgbClr val="000000"/>
+                </a:solidFill>
+                <a:ea typeface="Inter"/>
+              </a:rPr>
+              <a:t>fondid</a:t>
+            </a:r>
+            <a:r>
+              <a:rPr lang="en-US" sz="2000">
+                <a:solidFill>
+                  <a:srgbClr val="000000"/>
+                </a:solidFill>
+                <a:ea typeface="Inter"/>
+              </a:rPr>
+              <a:t> ja </a:t>
+            </a:r>
+            <a:r>
+              <a:rPr lang="en-US" sz="2000" err="1">
+                <a:solidFill>
+                  <a:srgbClr val="000000"/>
+                </a:solidFill>
+                <a:ea typeface="Inter"/>
+              </a:rPr>
+              <a:t>värvid</a:t>
+            </a:r>
+            <a:r>
+              <a:rPr lang="en-US" sz="2000">
+                <a:solidFill>
+                  <a:srgbClr val="000000"/>
+                </a:solidFill>
+                <a:ea typeface="Inter"/>
+              </a:rPr>
+              <a:t>, </a:t>
+            </a:r>
+            <a:r>
+              <a:rPr lang="en-US" sz="2000" err="1">
+                <a:solidFill>
+                  <a:srgbClr val="000000"/>
+                </a:solidFill>
+                <a:ea typeface="Inter"/>
+              </a:rPr>
+              <a:t>siis</a:t>
+            </a:r>
+            <a:r>
+              <a:rPr lang="en-US" sz="2000">
+                <a:solidFill>
+                  <a:srgbClr val="000000"/>
+                </a:solidFill>
+                <a:ea typeface="Inter"/>
+              </a:rPr>
+              <a:t> </a:t>
+            </a:r>
+            <a:r>
+              <a:rPr lang="en-US" sz="2000" err="1">
+                <a:solidFill>
+                  <a:srgbClr val="000000"/>
+                </a:solidFill>
+                <a:ea typeface="Inter"/>
+              </a:rPr>
+              <a:t>saab</a:t>
+            </a:r>
+            <a:r>
+              <a:rPr lang="en-US" sz="2000">
+                <a:solidFill>
+                  <a:srgbClr val="000000"/>
+                </a:solidFill>
+                <a:ea typeface="Inter"/>
+              </a:rPr>
+              <a:t> </a:t>
+            </a:r>
+            <a:r>
+              <a:rPr lang="en-US" sz="2000" err="1">
+                <a:solidFill>
+                  <a:srgbClr val="000000"/>
+                </a:solidFill>
+                <a:ea typeface="Inter"/>
+              </a:rPr>
+              <a:t>seadistada</a:t>
+            </a:r>
+            <a:r>
+              <a:rPr lang="en-US" sz="2000">
+                <a:solidFill>
+                  <a:srgbClr val="000000"/>
+                </a:solidFill>
+                <a:ea typeface="Inter"/>
+              </a:rPr>
+              <a:t> Custom Theme</a:t>
+            </a:r>
+          </a:p>
+          <a:p>
+            <a:pPr>
+              <a:lnSpc>
+                <a:spcPct val="150000"/>
+              </a:lnSpc>
+              <a:buClr>
+                <a:srgbClr val="121212"/>
+              </a:buClr>
+            </a:pPr>
+            <a:r>
+              <a:rPr lang="en-US" sz="2400" err="1">
+                <a:solidFill>
+                  <a:srgbClr val="000000"/>
+                </a:solidFill>
+                <a:ea typeface="Inter"/>
+              </a:rPr>
+              <a:t>Visuaalid</a:t>
+            </a:r>
+            <a:r>
+              <a:rPr lang="en-US" sz="2400">
+                <a:solidFill>
+                  <a:srgbClr val="000000"/>
+                </a:solidFill>
+                <a:ea typeface="Inter"/>
+              </a:rPr>
+              <a:t> </a:t>
+            </a:r>
+            <a:r>
+              <a:rPr lang="en-US" sz="2400" err="1">
+                <a:solidFill>
+                  <a:srgbClr val="000000"/>
+                </a:solidFill>
+                <a:ea typeface="Inter"/>
+              </a:rPr>
+              <a:t>joondada</a:t>
+            </a:r>
+            <a:endParaRPr lang="en-US" sz="2400">
+              <a:solidFill>
+                <a:srgbClr val="000000"/>
+              </a:solidFill>
+              <a:ea typeface="Inter"/>
+            </a:endParaRPr>
+          </a:p>
+          <a:p>
+            <a:pPr>
+              <a:lnSpc>
+                <a:spcPct val="150000"/>
+              </a:lnSpc>
+              <a:buClr>
+                <a:srgbClr val="121212"/>
+              </a:buClr>
+            </a:pPr>
+            <a:r>
+              <a:rPr lang="en-US" sz="2400" err="1">
+                <a:solidFill>
+                  <a:srgbClr val="000000"/>
+                </a:solidFill>
+                <a:ea typeface="Inter"/>
+              </a:rPr>
+              <a:t>Visuaalid</a:t>
+            </a:r>
+            <a:r>
+              <a:rPr lang="en-US" sz="2400">
+                <a:solidFill>
+                  <a:srgbClr val="000000"/>
+                </a:solidFill>
+                <a:ea typeface="Inter"/>
+              </a:rPr>
+              <a:t> </a:t>
+            </a:r>
+            <a:r>
+              <a:rPr lang="en-US" sz="2400" err="1">
+                <a:solidFill>
+                  <a:srgbClr val="000000"/>
+                </a:solidFill>
+                <a:ea typeface="Inter"/>
+              </a:rPr>
+              <a:t>üle</a:t>
+            </a:r>
+            <a:r>
+              <a:rPr lang="en-US" sz="2400">
+                <a:solidFill>
+                  <a:srgbClr val="000000"/>
+                </a:solidFill>
+                <a:ea typeface="Inter"/>
+              </a:rPr>
+              <a:t> </a:t>
+            </a:r>
+            <a:r>
+              <a:rPr lang="en-US" sz="2400" err="1">
+                <a:solidFill>
+                  <a:srgbClr val="000000"/>
+                </a:solidFill>
+                <a:ea typeface="Inter"/>
+              </a:rPr>
+              <a:t>vaadata</a:t>
+            </a:r>
+            <a:r>
+              <a:rPr lang="en-US" sz="2400">
+                <a:solidFill>
+                  <a:srgbClr val="000000"/>
+                </a:solidFill>
+                <a:ea typeface="Inter"/>
+              </a:rPr>
+              <a:t> – kas on </a:t>
+            </a:r>
+            <a:r>
+              <a:rPr lang="en-US" sz="2400" err="1">
+                <a:solidFill>
+                  <a:srgbClr val="000000"/>
+                </a:solidFill>
+                <a:ea typeface="Inter"/>
+              </a:rPr>
+              <a:t>ainult</a:t>
+            </a:r>
+            <a:r>
+              <a:rPr lang="en-US" sz="2400">
+                <a:solidFill>
+                  <a:srgbClr val="000000"/>
+                </a:solidFill>
+                <a:ea typeface="Inter"/>
+              </a:rPr>
+              <a:t> </a:t>
+            </a:r>
+            <a:r>
+              <a:rPr lang="en-US" sz="2400" err="1">
+                <a:solidFill>
+                  <a:srgbClr val="000000"/>
+                </a:solidFill>
+                <a:ea typeface="Inter"/>
+              </a:rPr>
+              <a:t>vajalikud</a:t>
+            </a:r>
+            <a:r>
+              <a:rPr lang="en-US" sz="2400">
+                <a:solidFill>
+                  <a:srgbClr val="000000"/>
+                </a:solidFill>
+                <a:ea typeface="Inter"/>
+              </a:rPr>
+              <a:t> </a:t>
+            </a:r>
+            <a:r>
+              <a:rPr lang="en-US" sz="2400" err="1">
+                <a:solidFill>
+                  <a:srgbClr val="000000"/>
+                </a:solidFill>
+                <a:ea typeface="Inter"/>
+              </a:rPr>
+              <a:t>elemendid</a:t>
+            </a:r>
+            <a:r>
+              <a:rPr lang="en-US" sz="2400">
+                <a:solidFill>
+                  <a:srgbClr val="000000"/>
+                </a:solidFill>
+                <a:ea typeface="Inter"/>
+              </a:rPr>
+              <a:t>?</a:t>
+            </a:r>
+          </a:p>
+          <a:p>
+            <a:pPr>
+              <a:lnSpc>
+                <a:spcPct val="150000"/>
+              </a:lnSpc>
+              <a:buClr>
+                <a:srgbClr val="121212"/>
+              </a:buClr>
+            </a:pPr>
+            <a:r>
+              <a:rPr lang="en-US" sz="2400" err="1">
+                <a:solidFill>
+                  <a:srgbClr val="000000"/>
+                </a:solidFill>
+                <a:ea typeface="Inter"/>
+              </a:rPr>
+              <a:t>Pealkirjad</a:t>
+            </a:r>
+            <a:r>
+              <a:rPr lang="en-US" sz="2400">
+                <a:solidFill>
+                  <a:srgbClr val="000000"/>
+                </a:solidFill>
+                <a:ea typeface="Inter"/>
+              </a:rPr>
+              <a:t> </a:t>
+            </a:r>
+            <a:r>
+              <a:rPr lang="en-US" sz="2400" err="1">
+                <a:solidFill>
+                  <a:srgbClr val="000000"/>
+                </a:solidFill>
+                <a:ea typeface="Inter"/>
+              </a:rPr>
+              <a:t>üle</a:t>
+            </a:r>
+            <a:r>
+              <a:rPr lang="en-US" sz="2400">
+                <a:solidFill>
+                  <a:srgbClr val="000000"/>
+                </a:solidFill>
+                <a:ea typeface="Inter"/>
+              </a:rPr>
+              <a:t> </a:t>
+            </a:r>
+            <a:r>
+              <a:rPr lang="en-US" sz="2400" err="1">
+                <a:solidFill>
+                  <a:srgbClr val="000000"/>
+                </a:solidFill>
+                <a:ea typeface="Inter"/>
+              </a:rPr>
+              <a:t>vaadata</a:t>
+            </a:r>
+            <a:endParaRPr lang="en-US" sz="2400">
+              <a:solidFill>
+                <a:srgbClr val="000000"/>
+              </a:solidFill>
+              <a:ea typeface="Inter"/>
+            </a:endParaRPr>
+          </a:p>
+          <a:p>
+            <a:pPr marL="0" indent="0">
+              <a:lnSpc>
+                <a:spcPct val="150000"/>
+              </a:lnSpc>
+              <a:buNone/>
+            </a:pPr>
+            <a:endParaRPr lang="en-US" sz="2400">
+              <a:solidFill>
+                <a:srgbClr val="000000"/>
+              </a:solidFill>
+              <a:ea typeface="Inter"/>
+            </a:endParaRPr>
+          </a:p>
+          <a:p>
+            <a:pPr>
+              <a:lnSpc>
+                <a:spcPct val="150000"/>
+              </a:lnSpc>
+            </a:pPr>
+            <a:endParaRPr lang="en-US" sz="2400">
+              <a:solidFill>
+                <a:srgbClr val="000000"/>
+              </a:solidFill>
+              <a:ea typeface="Inter"/>
+            </a:endParaRPr>
+          </a:p>
+        </p:txBody>
+      </p:sp>
+    </p:spTree>
+    <p:extLst>
+      <p:ext uri="{BB962C8B-B14F-4D97-AF65-F5344CB8AC3E}">
+        <p14:creationId xmlns:p14="http://schemas.microsoft.com/office/powerpoint/2010/main" val="128759722"/>
+      </p:ext>
+    </p:extLst>
+  </p:cSld>
+  <p:clrMapOvr>
+    <a:masterClrMapping/>
+  </p:clrMapOvr>
+</p:sld>
+</file>
+
 <file path=ppt/slides/slide17.xml><?xml version="1.0" encoding="utf-8"?>
+<p:sld xmlns:a="http://schemas.openxmlformats.org/drawingml/2006/main" xmlns:r="http://schemas.openxmlformats.org/officeDocument/2006/relationships" xmlns:p="http://schemas.openxmlformats.org/presentationml/2006/main">
+  <p:cSld>
+    <p:spTree>
+      <p:nvGrpSpPr>
+        <p:cNvPr id="1" name="">
+          <a:extLst>
+            <a:ext uri="{FF2B5EF4-FFF2-40B4-BE49-F238E27FC236}">
+              <a16:creationId xmlns:a16="http://schemas.microsoft.com/office/drawing/2014/main" id="{E2F74585-D2DF-8BBA-F76F-A1F663592812}"/>
+            </a:ext>
+          </a:extLst>
+        </p:cNvPr>
+        <p:cNvGrpSpPr/>
+        <p:nvPr/>
+      </p:nvGrpSpPr>
+      <p:grpSpPr>
+        <a:xfrm>
+          <a:off x="0" y="0"/>
+          <a:ext cx="0" cy="0"/>
+          <a:chOff x="0" y="0"/>
+          <a:chExt cx="0" cy="0"/>
+        </a:xfrm>
+      </p:grpSpPr>
+      <p:sp>
+        <p:nvSpPr>
+          <p:cNvPr id="2" name="Title 1">
+            <a:extLst>
+              <a:ext uri="{FF2B5EF4-FFF2-40B4-BE49-F238E27FC236}">
+                <a16:creationId xmlns:a16="http://schemas.microsoft.com/office/drawing/2014/main" id="{25892E5D-075E-DD90-191E-85206ABC8056}"/>
+              </a:ext>
+            </a:extLst>
+          </p:cNvPr>
+          <p:cNvSpPr>
+            <a:spLocks noGrp="1"/>
+          </p:cNvSpPr>
+          <p:nvPr>
+            <p:ph type="ctrTitle"/>
+          </p:nvPr>
+        </p:nvSpPr>
+        <p:spPr/>
+        <p:txBody>
+          <a:bodyPr/>
+          <a:lstStyle/>
+          <a:p>
+            <a:r>
+              <a:rPr lang="en-US"/>
+              <a:t>Power BI Service</a:t>
+            </a:r>
+          </a:p>
+        </p:txBody>
+      </p:sp>
+      <p:sp>
+        <p:nvSpPr>
+          <p:cNvPr id="3" name="Content Placeholder 2">
+            <a:extLst>
+              <a:ext uri="{FF2B5EF4-FFF2-40B4-BE49-F238E27FC236}">
+                <a16:creationId xmlns:a16="http://schemas.microsoft.com/office/drawing/2014/main" id="{5B57BEB0-F68E-0C93-C7A0-ABBBB8146951}"/>
+              </a:ext>
+            </a:extLst>
+          </p:cNvPr>
+          <p:cNvSpPr>
+            <a:spLocks noGrp="1"/>
+          </p:cNvSpPr>
+          <p:nvPr>
+            <p:ph sz="quarter" idx="10"/>
+          </p:nvPr>
+        </p:nvSpPr>
+        <p:spPr/>
+        <p:txBody>
+          <a:bodyPr/>
+          <a:lstStyle/>
+          <a:p>
+            <a:pPr>
+              <a:lnSpc>
+                <a:spcPct val="150000"/>
+              </a:lnSpc>
+            </a:pPr>
+            <a:r>
+              <a:rPr lang="en-US" sz="2400" err="1">
+                <a:solidFill>
+                  <a:srgbClr val="000000"/>
+                </a:solidFill>
+                <a:ea typeface="Inter"/>
+              </a:rPr>
+              <a:t>Veebikeskkond</a:t>
+            </a:r>
+            <a:r>
+              <a:rPr lang="en-US" sz="2400">
+                <a:solidFill>
+                  <a:srgbClr val="000000"/>
+                </a:solidFill>
+                <a:ea typeface="Inter"/>
+              </a:rPr>
+              <a:t> PBI </a:t>
+            </a:r>
+            <a:r>
+              <a:rPr lang="en-US" sz="2400" err="1">
+                <a:solidFill>
+                  <a:srgbClr val="000000"/>
+                </a:solidFill>
+                <a:ea typeface="Inter"/>
+              </a:rPr>
+              <a:t>raportite</a:t>
+            </a:r>
+            <a:r>
+              <a:rPr lang="en-US" sz="2400">
+                <a:solidFill>
+                  <a:srgbClr val="000000"/>
+                </a:solidFill>
+                <a:ea typeface="Inter"/>
+              </a:rPr>
+              <a:t> </a:t>
+            </a:r>
+            <a:r>
+              <a:rPr lang="en-US" sz="2400" err="1">
+                <a:solidFill>
+                  <a:srgbClr val="000000"/>
+                </a:solidFill>
+                <a:ea typeface="Inter"/>
+              </a:rPr>
+              <a:t>jagamiseks</a:t>
+            </a:r>
+            <a:endParaRPr lang="en-US" err="1"/>
+          </a:p>
+          <a:p>
+            <a:pPr>
+              <a:lnSpc>
+                <a:spcPct val="150000"/>
+              </a:lnSpc>
+            </a:pPr>
+            <a:r>
+              <a:rPr lang="en-US" sz="2400" err="1">
+                <a:solidFill>
+                  <a:srgbClr val="000000"/>
+                </a:solidFill>
+                <a:ea typeface="Inter"/>
+              </a:rPr>
+              <a:t>Tasuta</a:t>
+            </a:r>
+            <a:r>
+              <a:rPr lang="en-US" sz="2400">
+                <a:solidFill>
+                  <a:srgbClr val="000000"/>
+                </a:solidFill>
+                <a:ea typeface="Inter"/>
+              </a:rPr>
+              <a:t> </a:t>
+            </a:r>
+            <a:r>
+              <a:rPr lang="en-US" sz="2400" err="1">
+                <a:solidFill>
+                  <a:srgbClr val="000000"/>
+                </a:solidFill>
+                <a:ea typeface="Inter"/>
+              </a:rPr>
+              <a:t>versioonis</a:t>
+            </a:r>
+            <a:r>
+              <a:rPr lang="en-US" sz="2400">
+                <a:solidFill>
+                  <a:srgbClr val="000000"/>
+                </a:solidFill>
+                <a:ea typeface="Inter"/>
+              </a:rPr>
+              <a:t> </a:t>
+            </a:r>
+            <a:r>
+              <a:rPr lang="en-US" sz="2400" err="1">
+                <a:solidFill>
+                  <a:srgbClr val="000000"/>
+                </a:solidFill>
+                <a:ea typeface="Inter"/>
+              </a:rPr>
+              <a:t>ainult</a:t>
+            </a:r>
+            <a:r>
+              <a:rPr lang="en-US" sz="2400">
+                <a:solidFill>
+                  <a:srgbClr val="000000"/>
+                </a:solidFill>
+                <a:ea typeface="Inter"/>
+              </a:rPr>
+              <a:t> My Workspace ja </a:t>
+            </a:r>
+            <a:r>
+              <a:rPr lang="en-US" sz="2400" err="1">
+                <a:solidFill>
+                  <a:srgbClr val="000000"/>
+                </a:solidFill>
+                <a:ea typeface="Inter"/>
+              </a:rPr>
+              <a:t>ei</a:t>
+            </a:r>
+            <a:r>
+              <a:rPr lang="en-US" sz="2400">
+                <a:solidFill>
+                  <a:srgbClr val="000000"/>
+                </a:solidFill>
+                <a:ea typeface="Inter"/>
+              </a:rPr>
+              <a:t> </a:t>
+            </a:r>
+            <a:r>
+              <a:rPr lang="en-US" sz="2400" err="1">
+                <a:solidFill>
+                  <a:srgbClr val="000000"/>
+                </a:solidFill>
+                <a:ea typeface="Inter"/>
+              </a:rPr>
+              <a:t>saa</a:t>
+            </a:r>
+            <a:r>
+              <a:rPr lang="en-US" sz="2400">
+                <a:solidFill>
+                  <a:srgbClr val="000000"/>
+                </a:solidFill>
+                <a:ea typeface="Inter"/>
+              </a:rPr>
+              <a:t> </a:t>
+            </a:r>
+            <a:r>
+              <a:rPr lang="en-US" sz="2400" err="1">
+                <a:solidFill>
+                  <a:srgbClr val="000000"/>
+                </a:solidFill>
+                <a:ea typeface="Inter"/>
+              </a:rPr>
+              <a:t>jagada</a:t>
+            </a:r>
+            <a:r>
+              <a:rPr lang="en-US" sz="2400">
+                <a:solidFill>
+                  <a:srgbClr val="000000"/>
+                </a:solidFill>
+                <a:ea typeface="Inter"/>
+              </a:rPr>
+              <a:t> </a:t>
+            </a:r>
+            <a:r>
+              <a:rPr lang="en-US" sz="2400" err="1">
+                <a:solidFill>
+                  <a:srgbClr val="000000"/>
+                </a:solidFill>
+                <a:ea typeface="Inter"/>
+              </a:rPr>
+              <a:t>teistega</a:t>
+            </a:r>
+          </a:p>
+          <a:p>
+            <a:pPr>
+              <a:lnSpc>
+                <a:spcPct val="150000"/>
+              </a:lnSpc>
+            </a:pPr>
+            <a:r>
+              <a:rPr lang="en-US" sz="2400" err="1">
+                <a:solidFill>
+                  <a:srgbClr val="000000"/>
+                </a:solidFill>
+                <a:ea typeface="Inter"/>
+              </a:rPr>
+              <a:t>Üleslaadimisel</a:t>
+            </a:r>
+            <a:r>
+              <a:rPr lang="en-US" sz="2400">
+                <a:solidFill>
+                  <a:srgbClr val="000000"/>
+                </a:solidFill>
+                <a:ea typeface="Inter"/>
+              </a:rPr>
+              <a:t> </a:t>
+            </a:r>
+            <a:r>
+              <a:rPr lang="en-US" sz="2400" err="1">
+                <a:solidFill>
+                  <a:srgbClr val="000000"/>
+                </a:solidFill>
+                <a:ea typeface="Inter"/>
+              </a:rPr>
+              <a:t>tekib</a:t>
+            </a:r>
+            <a:r>
+              <a:rPr lang="en-US" sz="2400">
+                <a:solidFill>
+                  <a:srgbClr val="000000"/>
+                </a:solidFill>
+                <a:ea typeface="Inter"/>
+              </a:rPr>
+              <a:t> </a:t>
+            </a:r>
+            <a:r>
+              <a:rPr lang="en-US" sz="2400" err="1">
+                <a:solidFill>
+                  <a:srgbClr val="000000"/>
+                </a:solidFill>
+                <a:ea typeface="Inter"/>
+              </a:rPr>
+              <a:t>kaks</a:t>
+            </a:r>
+            <a:r>
+              <a:rPr lang="en-US" sz="2400">
+                <a:solidFill>
+                  <a:srgbClr val="000000"/>
+                </a:solidFill>
+                <a:ea typeface="Inter"/>
+              </a:rPr>
+              <a:t> </a:t>
+            </a:r>
+            <a:r>
+              <a:rPr lang="en-US" sz="2400" err="1">
+                <a:solidFill>
+                  <a:srgbClr val="000000"/>
+                </a:solidFill>
+                <a:ea typeface="Inter"/>
+              </a:rPr>
+              <a:t>faili</a:t>
+            </a:r>
+            <a:r>
+              <a:rPr lang="en-US" sz="2400">
+                <a:solidFill>
+                  <a:srgbClr val="000000"/>
+                </a:solidFill>
+                <a:ea typeface="Inter"/>
+              </a:rPr>
+              <a:t>: </a:t>
+            </a:r>
+          </a:p>
+          <a:p>
+            <a:pPr lvl="1">
+              <a:lnSpc>
+                <a:spcPct val="150000"/>
+              </a:lnSpc>
+              <a:buFont typeface="Courier New" panose="020B0502030000000004" pitchFamily="34" charset="0"/>
+              <a:buChar char="o"/>
+            </a:pPr>
+            <a:r>
+              <a:rPr lang="en-US" sz="2400" err="1">
+                <a:solidFill>
+                  <a:srgbClr val="000000"/>
+                </a:solidFill>
+                <a:ea typeface="Inter"/>
+              </a:rPr>
+              <a:t>Andmestik</a:t>
+            </a:r>
+          </a:p>
+          <a:p>
+            <a:pPr lvl="1">
+              <a:lnSpc>
+                <a:spcPct val="150000"/>
+              </a:lnSpc>
+              <a:buFont typeface="Courier New" panose="020B0502030000000004" pitchFamily="34" charset="0"/>
+              <a:buChar char="o"/>
+            </a:pPr>
+            <a:r>
+              <a:rPr lang="en-US" sz="2400" err="1">
+                <a:solidFill>
+                  <a:srgbClr val="000000"/>
+                </a:solidFill>
+                <a:ea typeface="Inter"/>
+              </a:rPr>
+              <a:t>Raport</a:t>
+            </a:r>
+          </a:p>
+          <a:p>
+            <a:pPr marL="0" indent="0">
+              <a:lnSpc>
+                <a:spcPct val="150000"/>
+              </a:lnSpc>
+              <a:buNone/>
+            </a:pPr>
+            <a:endParaRPr lang="en-US" sz="2400">
+              <a:solidFill>
+                <a:srgbClr val="000000"/>
+              </a:solidFill>
+              <a:ea typeface="Inter"/>
+            </a:endParaRPr>
+          </a:p>
+          <a:p>
+            <a:pPr>
+              <a:lnSpc>
+                <a:spcPct val="150000"/>
+              </a:lnSpc>
+            </a:pPr>
+            <a:endParaRPr lang="en-US" sz="2400">
+              <a:solidFill>
+                <a:srgbClr val="000000"/>
+              </a:solidFill>
+              <a:ea typeface="Inter"/>
+            </a:endParaRPr>
+          </a:p>
+        </p:txBody>
+      </p:sp>
+    </p:spTree>
+    <p:extLst>
+      <p:ext uri="{BB962C8B-B14F-4D97-AF65-F5344CB8AC3E}">
+        <p14:creationId xmlns:p14="http://schemas.microsoft.com/office/powerpoint/2010/main" val="3558728410"/>
+      </p:ext>
+    </p:extLst>
+  </p:cSld>
+  <p:clrMapOvr>
+    <a:masterClrMapping/>
+  </p:clrMapOvr>
+</p:sld>
+</file>
+
+<file path=ppt/slides/slide18.xml><?xml version="1.0" encoding="utf-8"?>
+<p:sld xmlns:a="http://schemas.openxmlformats.org/drawingml/2006/main" xmlns:r="http://schemas.openxmlformats.org/officeDocument/2006/relationships" xmlns:p="http://schemas.openxmlformats.org/presentationml/2006/main">
+  <p:cSld>
+    <p:spTree>
+      <p:nvGrpSpPr>
+        <p:cNvPr id="1" name="">
+          <a:extLst>
+            <a:ext uri="{FF2B5EF4-FFF2-40B4-BE49-F238E27FC236}">
+              <a16:creationId xmlns:a16="http://schemas.microsoft.com/office/drawing/2014/main" id="{18915F75-FC9C-EF8C-50B5-8243CA945212}"/>
+            </a:ext>
+          </a:extLst>
+        </p:cNvPr>
+        <p:cNvGrpSpPr/>
+        <p:nvPr/>
+      </p:nvGrpSpPr>
+      <p:grpSpPr>
+        <a:xfrm>
+          <a:off x="0" y="0"/>
+          <a:ext cx="0" cy="0"/>
+          <a:chOff x="0" y="0"/>
+          <a:chExt cx="0" cy="0"/>
+        </a:xfrm>
+      </p:grpSpPr>
+      <p:sp>
+        <p:nvSpPr>
+          <p:cNvPr id="3" name="Content Placeholder 2">
+            <a:extLst>
+              <a:ext uri="{FF2B5EF4-FFF2-40B4-BE49-F238E27FC236}">
+                <a16:creationId xmlns:a16="http://schemas.microsoft.com/office/drawing/2014/main" id="{5D2DA6FB-6CD2-65BA-09C4-FCC6EF0AF84E}"/>
+              </a:ext>
+            </a:extLst>
+          </p:cNvPr>
+          <p:cNvSpPr>
+            <a:spLocks noGrp="1"/>
+          </p:cNvSpPr>
+          <p:nvPr>
+            <p:ph sz="quarter" idx="10"/>
+          </p:nvPr>
+        </p:nvSpPr>
+        <p:spPr/>
+        <p:txBody>
+          <a:bodyPr/>
+          <a:lstStyle/>
+          <a:p>
+            <a:pPr marL="0" indent="0">
+              <a:lnSpc>
+                <a:spcPct val="150000"/>
+              </a:lnSpc>
+              <a:buNone/>
+            </a:pPr>
+            <a:endParaRPr lang="en-US" sz="2800">
+              <a:ea typeface="Inter"/>
+            </a:endParaRPr>
+          </a:p>
+          <a:p>
+            <a:pPr marL="457200" lvl="1" indent="0">
+              <a:lnSpc>
+                <a:spcPct val="150000"/>
+              </a:lnSpc>
+              <a:buNone/>
+            </a:pPr>
+            <a:endParaRPr lang="en-US" sz="2000">
+              <a:ea typeface="Inter"/>
+            </a:endParaRPr>
+          </a:p>
+        </p:txBody>
+      </p:sp>
+      <p:sp>
+        <p:nvSpPr>
+          <p:cNvPr id="5" name="Title 4">
+            <a:extLst>
+              <a:ext uri="{FF2B5EF4-FFF2-40B4-BE49-F238E27FC236}">
+                <a16:creationId xmlns:a16="http://schemas.microsoft.com/office/drawing/2014/main" id="{F5E4C20F-523D-8335-2938-F35D9E570F9C}"/>
+              </a:ext>
+            </a:extLst>
+          </p:cNvPr>
+          <p:cNvSpPr>
+            <a:spLocks noGrp="1"/>
+          </p:cNvSpPr>
+          <p:nvPr>
+            <p:ph type="ctrTitle"/>
+          </p:nvPr>
+        </p:nvSpPr>
+        <p:spPr>
+          <a:xfrm>
+            <a:off x="4283493" y="2675333"/>
+            <a:ext cx="3777666" cy="357043"/>
+          </a:xfrm>
+        </p:spPr>
+        <p:txBody>
+          <a:bodyPr/>
+          <a:lstStyle/>
+          <a:p>
+            <a:r>
+              <a:rPr lang="en-US"/>
+              <a:t>Paus 14:45-15:00</a:t>
+            </a:r>
+          </a:p>
+        </p:txBody>
+      </p:sp>
+    </p:spTree>
+    <p:extLst>
+      <p:ext uri="{BB962C8B-B14F-4D97-AF65-F5344CB8AC3E}">
+        <p14:creationId xmlns:p14="http://schemas.microsoft.com/office/powerpoint/2010/main" val="3731588115"/>
+      </p:ext>
+    </p:extLst>
+  </p:cSld>
+  <p:clrMapOvr>
+    <a:masterClrMapping/>
+  </p:clrMapOvr>
+</p:sld>
+</file>
+
+<file path=ppt/slides/slide19.xml><?xml version="1.0" encoding="utf-8"?>
 <p:sld xmlns:a="http://schemas.openxmlformats.org/drawingml/2006/main" xmlns:r="http://schemas.openxmlformats.org/officeDocument/2006/relationships" xmlns:p="http://schemas.openxmlformats.org/presentationml/2006/main">
   <p:cSld>
     <p:spTree>
@@ -26137,7 +26614,7 @@
               </a:lnSpc>
             </a:pPr>
             <a:r>
-              <a:rPr lang="en-US" sz="2400">
+              <a:rPr lang="en-US" sz="2400" dirty="0">
                 <a:solidFill>
                   <a:srgbClr val="000000"/>
                 </a:solidFill>
@@ -26146,7 +26623,7 @@
               <a:t>Kui </a:t>
             </a:r>
             <a:r>
-              <a:rPr lang="en-US" sz="2400" err="1">
+              <a:rPr lang="en-US" sz="2400" dirty="0" err="1">
                 <a:solidFill>
                   <a:srgbClr val="000000"/>
                 </a:solidFill>
@@ -26155,7 +26632,7 @@
               <a:t>tahad</a:t>
             </a:r>
             <a:r>
-              <a:rPr lang="en-US" sz="2400">
+              <a:rPr lang="en-US" sz="2400" dirty="0">
                 <a:solidFill>
                   <a:srgbClr val="000000"/>
                 </a:solidFill>
@@ -26164,7 +26641,7 @@
               <a:t> </a:t>
             </a:r>
             <a:r>
-              <a:rPr lang="en-US" sz="2400" err="1">
+              <a:rPr lang="en-US" sz="2400" dirty="0" err="1">
                 <a:solidFill>
                   <a:srgbClr val="000000"/>
                 </a:solidFill>
@@ -26173,7 +26650,7 @@
               <a:t>edasi</a:t>
             </a:r>
             <a:r>
-              <a:rPr lang="en-US" sz="2400">
+              <a:rPr lang="en-US" sz="2400" dirty="0">
                 <a:solidFill>
                   <a:srgbClr val="000000"/>
                 </a:solidFill>
@@ -26182,7 +26659,7 @@
               <a:t> </a:t>
             </a:r>
             <a:r>
-              <a:rPr lang="en-US" sz="2400" err="1">
+              <a:rPr lang="en-US" sz="2400" dirty="0" err="1">
                 <a:solidFill>
                   <a:srgbClr val="000000"/>
                 </a:solidFill>
@@ -26191,7 +26668,7 @@
               <a:t>anda</a:t>
             </a:r>
             <a:r>
-              <a:rPr lang="en-US" sz="2400">
+              <a:rPr lang="en-US" sz="2400" dirty="0">
                 <a:solidFill>
                   <a:srgbClr val="000000"/>
                 </a:solidFill>
@@ -26200,7 +26677,7 @@
               <a:t> </a:t>
             </a:r>
             <a:r>
-              <a:rPr lang="en-US" sz="2400" err="1">
+              <a:rPr lang="en-US" sz="2400" dirty="0" err="1">
                 <a:solidFill>
                   <a:srgbClr val="000000"/>
                 </a:solidFill>
@@ -26209,7 +26686,7 @@
               <a:t>kindla</a:t>
             </a:r>
             <a:r>
-              <a:rPr lang="en-US" sz="2400">
+              <a:rPr lang="en-US" sz="2400" dirty="0">
                 <a:solidFill>
                   <a:srgbClr val="000000"/>
                 </a:solidFill>
@@ -26218,7 +26695,7 @@
               <a:t> </a:t>
             </a:r>
             <a:r>
-              <a:rPr lang="en-US" sz="2400" err="1">
+              <a:rPr lang="en-US" sz="2400" dirty="0" err="1">
                 <a:solidFill>
                   <a:srgbClr val="000000"/>
                 </a:solidFill>
@@ -26226,188 +26703,7 @@
               </a:rPr>
               <a:t>sõnumi</a:t>
             </a:r>
-          </a:p>
-          <a:p>
-            <a:pPr>
-              <a:lnSpc>
-                <a:spcPct val="150000"/>
-              </a:lnSpc>
-            </a:pPr>
-            <a:r>
-              <a:rPr lang="en-US" sz="2400" err="1">
-                <a:solidFill>
-                  <a:srgbClr val="000000"/>
-                </a:solidFill>
-                <a:ea typeface="Inter"/>
-              </a:rPr>
-              <a:t>Üks</a:t>
-            </a:r>
-            <a:r>
-              <a:rPr lang="en-US" sz="2400">
-                <a:solidFill>
-                  <a:srgbClr val="000000"/>
-                </a:solidFill>
-                <a:ea typeface="Inter"/>
-              </a:rPr>
-              <a:t> </a:t>
-            </a:r>
-            <a:r>
-              <a:rPr lang="en-US" sz="2400" err="1">
-                <a:solidFill>
-                  <a:srgbClr val="000000"/>
-                </a:solidFill>
-                <a:ea typeface="Inter"/>
-              </a:rPr>
-              <a:t>põhiline</a:t>
-            </a:r>
-            <a:r>
-              <a:rPr lang="en-US" sz="2400">
-                <a:solidFill>
-                  <a:srgbClr val="000000"/>
-                </a:solidFill>
-                <a:ea typeface="Inter"/>
-              </a:rPr>
-              <a:t> </a:t>
-            </a:r>
-            <a:r>
-              <a:rPr lang="en-US" sz="2400" err="1">
-                <a:solidFill>
-                  <a:srgbClr val="000000"/>
-                </a:solidFill>
-                <a:ea typeface="Inter"/>
-              </a:rPr>
-              <a:t>sõnum</a:t>
-            </a:r>
-            <a:r>
-              <a:rPr lang="en-US" sz="2400">
-                <a:solidFill>
-                  <a:srgbClr val="000000"/>
-                </a:solidFill>
-                <a:ea typeface="Inter"/>
-              </a:rPr>
-              <a:t> </a:t>
-            </a:r>
-            <a:r>
-              <a:rPr lang="en-US" sz="2400" err="1">
-                <a:solidFill>
-                  <a:srgbClr val="000000"/>
-                </a:solidFill>
-                <a:ea typeface="Inter"/>
-              </a:rPr>
-              <a:t>visuaali</a:t>
-            </a:r>
-            <a:r>
-              <a:rPr lang="en-US" sz="2400">
-                <a:solidFill>
-                  <a:srgbClr val="000000"/>
-                </a:solidFill>
-                <a:ea typeface="Inter"/>
-              </a:rPr>
-              <a:t> </a:t>
-            </a:r>
-            <a:r>
-              <a:rPr lang="en-US" sz="2400" err="1">
-                <a:solidFill>
-                  <a:srgbClr val="000000"/>
-                </a:solidFill>
-                <a:ea typeface="Inter"/>
-              </a:rPr>
-              <a:t>kohta</a:t>
-            </a:r>
-            <a:endParaRPr lang="en-US" sz="2400">
-              <a:solidFill>
-                <a:srgbClr val="000000"/>
-              </a:solidFill>
-            </a:endParaRPr>
-          </a:p>
-          <a:p>
-            <a:pPr>
-              <a:lnSpc>
-                <a:spcPct val="150000"/>
-              </a:lnSpc>
-            </a:pPr>
-            <a:r>
-              <a:rPr lang="en-US" sz="2400" err="1">
-                <a:solidFill>
-                  <a:srgbClr val="000000"/>
-                </a:solidFill>
-                <a:ea typeface="Inter"/>
-              </a:rPr>
-              <a:t>Kirjeldava</a:t>
-            </a:r>
-            <a:r>
-              <a:rPr lang="en-US" sz="2400">
-                <a:solidFill>
-                  <a:srgbClr val="000000"/>
-                </a:solidFill>
-                <a:ea typeface="Inter"/>
-              </a:rPr>
-              <a:t> </a:t>
-            </a:r>
-            <a:r>
-              <a:rPr lang="en-US" sz="2400" err="1">
-                <a:solidFill>
-                  <a:srgbClr val="000000"/>
-                </a:solidFill>
-                <a:ea typeface="Inter"/>
-              </a:rPr>
-              <a:t>pealkirja</a:t>
-            </a:r>
-            <a:r>
-              <a:rPr lang="en-US" sz="2400">
-                <a:solidFill>
-                  <a:srgbClr val="000000"/>
-                </a:solidFill>
-                <a:ea typeface="Inter"/>
-              </a:rPr>
-              <a:t> </a:t>
-            </a:r>
-            <a:r>
-              <a:rPr lang="en-US" sz="2400" err="1">
-                <a:solidFill>
-                  <a:srgbClr val="000000"/>
-                </a:solidFill>
-                <a:ea typeface="Inter"/>
-              </a:rPr>
-              <a:t>asemel</a:t>
-            </a:r>
-            <a:r>
-              <a:rPr lang="en-US" sz="2400">
-                <a:solidFill>
-                  <a:srgbClr val="000000"/>
-                </a:solidFill>
-                <a:ea typeface="Inter"/>
-              </a:rPr>
-              <a:t> </a:t>
-            </a:r>
-            <a:r>
-              <a:rPr lang="en-US" sz="2400" err="1">
-                <a:solidFill>
-                  <a:srgbClr val="000000"/>
-                </a:solidFill>
-                <a:ea typeface="Inter"/>
-              </a:rPr>
-              <a:t>järeldusega</a:t>
-            </a:r>
-            <a:r>
-              <a:rPr lang="en-US" sz="2400">
-                <a:solidFill>
-                  <a:srgbClr val="000000"/>
-                </a:solidFill>
-                <a:ea typeface="Inter"/>
-              </a:rPr>
-              <a:t> </a:t>
-            </a:r>
-            <a:r>
-              <a:rPr lang="en-US" sz="2400" err="1">
-                <a:solidFill>
-                  <a:srgbClr val="000000"/>
-                </a:solidFill>
-                <a:ea typeface="Inter"/>
-              </a:rPr>
-              <a:t>pealkiri</a:t>
-            </a:r>
-            <a:endParaRPr lang="en-US" sz="2400">
+            <a:endParaRPr lang="en-US" sz="2400" dirty="0">
               <a:solidFill>
                 <a:srgbClr val="000000"/>
               </a:solidFill>
@@ -26421,16 +26717,16 @@
               </a:lnSpc>
             </a:pPr>
             <a:r>
-              <a:rPr lang="en-US" sz="2400" err="1">
+              <a:rPr lang="en-US" sz="2400" dirty="0" err="1">
                 <a:solidFill>
                   <a:srgbClr val="000000"/>
                 </a:solidFill>
                 <a:ea typeface="Inter"/>
               </a:rPr>
-              <a:t>Minimaalselt</a:t>
-            </a:r>
-            <a:r>
-              <a:rPr lang="en-US" sz="2400">
+              <a:t>Üks</a:t>
+            </a:r>
+            <a:r>
+              <a:rPr lang="en-US" sz="2400" dirty="0">
                 <a:solidFill>
                   <a:srgbClr val="000000"/>
                 </a:solidFill>
@@ -26439,15 +26735,162 @@
               <a:t> </a:t>
             </a:r>
             <a:r>
-              <a:rPr lang="en-US" sz="2400" err="1">
+              <a:rPr lang="en-US" sz="2400" dirty="0" err="1">
                 <a:solidFill>
                   <a:srgbClr val="000000"/>
                 </a:solidFill>
                 <a:ea typeface="Inter"/>
               </a:rPr>
-              <a:t>värve</a:t>
-            </a:r>
-            <a:endParaRPr lang="en-US" sz="2400">
+              <a:t>põhiline</a:t>
+            </a:r>
+            <a:r>
+              <a:rPr lang="en-US" sz="2400" dirty="0">
+                <a:solidFill>
+                  <a:srgbClr val="000000"/>
+                </a:solidFill>
+                <a:ea typeface="Inter"/>
+              </a:rPr>
+              <a:t> </a:t>
+            </a:r>
+            <a:r>
+              <a:rPr lang="en-US" sz="2400" dirty="0" err="1">
+                <a:solidFill>
+                  <a:srgbClr val="000000"/>
+                </a:solidFill>
+                <a:ea typeface="Inter"/>
+              </a:rPr>
+              <a:t>sõnum</a:t>
+            </a:r>
+            <a:r>
+              <a:rPr lang="en-US" sz="2400" dirty="0">
+                <a:solidFill>
+                  <a:srgbClr val="000000"/>
+                </a:solidFill>
+                <a:ea typeface="Inter"/>
+              </a:rPr>
+              <a:t> </a:t>
+            </a:r>
+            <a:r>
+              <a:rPr lang="en-US" sz="2400" dirty="0" err="1">
+                <a:solidFill>
+                  <a:srgbClr val="000000"/>
+                </a:solidFill>
+                <a:ea typeface="Inter"/>
+              </a:rPr>
+              <a:t>visuaali</a:t>
+            </a:r>
+            <a:r>
+              <a:rPr lang="en-US" sz="2400" dirty="0">
+                <a:solidFill>
+                  <a:srgbClr val="000000"/>
+                </a:solidFill>
+                <a:ea typeface="Inter"/>
+              </a:rPr>
+              <a:t> </a:t>
+            </a:r>
+            <a:r>
+              <a:rPr lang="en-US" sz="2400" dirty="0" err="1">
+                <a:solidFill>
+                  <a:srgbClr val="000000"/>
+                </a:solidFill>
+                <a:ea typeface="Inter"/>
+              </a:rPr>
+              <a:t>kohta</a:t>
+            </a:r>
+            <a:endParaRPr lang="en-US" sz="2400" dirty="0">
+              <a:solidFill>
+                <a:srgbClr val="000000"/>
+              </a:solidFill>
+            </a:endParaRPr>
+          </a:p>
+          <a:p>
+            <a:pPr>
+              <a:lnSpc>
+                <a:spcPct val="150000"/>
+              </a:lnSpc>
+            </a:pPr>
+            <a:r>
+              <a:rPr lang="en-US" sz="2400" dirty="0" err="1">
+                <a:solidFill>
+                  <a:srgbClr val="000000"/>
+                </a:solidFill>
+                <a:ea typeface="Inter"/>
+              </a:rPr>
+              <a:t>Kirjeldava</a:t>
+            </a:r>
+            <a:r>
+              <a:rPr lang="en-US" sz="2400" dirty="0">
+                <a:solidFill>
+                  <a:srgbClr val="000000"/>
+                </a:solidFill>
+                <a:ea typeface="Inter"/>
+              </a:rPr>
+              <a:t> </a:t>
+            </a:r>
+            <a:r>
+              <a:rPr lang="en-US" sz="2400" dirty="0" err="1">
+                <a:solidFill>
+                  <a:srgbClr val="000000"/>
+                </a:solidFill>
+                <a:ea typeface="Inter"/>
+              </a:rPr>
+              <a:t>pealkirja</a:t>
+            </a:r>
+            <a:r>
+              <a:rPr lang="en-US" sz="2400" dirty="0">
+                <a:solidFill>
+                  <a:srgbClr val="000000"/>
+                </a:solidFill>
+                <a:ea typeface="Inter"/>
+              </a:rPr>
+              <a:t> </a:t>
+            </a:r>
+            <a:r>
+              <a:rPr lang="en-US" sz="2400" dirty="0" err="1">
+                <a:solidFill>
+                  <a:srgbClr val="000000"/>
+                </a:solidFill>
+                <a:ea typeface="Inter"/>
+              </a:rPr>
+              <a:t>asemel</a:t>
+            </a:r>
+            <a:r>
+              <a:rPr lang="en-US" sz="2400" dirty="0">
+                <a:solidFill>
+                  <a:srgbClr val="000000"/>
+                </a:solidFill>
+                <a:ea typeface="Inter"/>
+              </a:rPr>
+              <a:t> </a:t>
+            </a:r>
+            <a:r>
+              <a:rPr lang="en-US" sz="2400" dirty="0" err="1">
+                <a:solidFill>
+                  <a:srgbClr val="000000"/>
+                </a:solidFill>
+                <a:ea typeface="Inter"/>
+              </a:rPr>
+              <a:t>järeldusega</a:t>
+            </a:r>
+            <a:r>
+              <a:rPr lang="en-US" sz="2400" dirty="0">
+                <a:solidFill>
+                  <a:srgbClr val="000000"/>
+                </a:solidFill>
+                <a:ea typeface="Inter"/>
+              </a:rPr>
+              <a:t> </a:t>
+            </a:r>
+            <a:r>
+              <a:rPr lang="en-US" sz="2400" dirty="0" err="1">
+                <a:solidFill>
+                  <a:srgbClr val="000000"/>
+                </a:solidFill>
+                <a:ea typeface="Inter"/>
+              </a:rPr>
+              <a:t>pealkiri</a:t>
+            </a:r>
+            <a:endParaRPr lang="en-US" sz="2400" dirty="0">
               <a:solidFill>
                 <a:srgbClr val="000000"/>
               </a:solidFill>
@@ -26460,7 +26903,34 @@
                 <a:spcPct val="150000"/>
               </a:lnSpc>
             </a:pPr>
-            <a:endParaRPr lang="en-US" sz="2400">
+            <a:r>
+              <a:rPr lang="en-US" sz="2400" dirty="0" err="1">
+                <a:solidFill>
+                  <a:srgbClr val="000000"/>
+                </a:solidFill>
+                <a:ea typeface="Inter"/>
+              </a:rPr>
+              <a:t>Minimaalselt</a:t>
+            </a:r>
+            <a:r>
+              <a:rPr lang="en-US" sz="2400" dirty="0">
+                <a:solidFill>
+                  <a:srgbClr val="000000"/>
+                </a:solidFill>
+                <a:ea typeface="Inter"/>
+              </a:rPr>
+              <a:t> </a:t>
+            </a:r>
+            <a:r>
+              <a:rPr lang="en-US" sz="2400" dirty="0" err="1">
+                <a:solidFill>
+                  <a:srgbClr val="000000"/>
+                </a:solidFill>
+                <a:ea typeface="Inter"/>
+              </a:rPr>
+              <a:t>värve</a:t>
+            </a:r>
+            <a:endParaRPr lang="en-US" sz="2400" dirty="0">
               <a:solidFill>
                 <a:srgbClr val="000000"/>
               </a:solidFill>
@@ -26473,37 +26943,7 @@
                 <a:spcPct val="150000"/>
               </a:lnSpc>
             </a:pPr>
-            <a:r>
-              <a:rPr lang="en-US" sz="2400">
-                <a:solidFill>
-                  <a:srgbClr val="000000"/>
-                </a:solidFill>
-                <a:ea typeface="Inter"/>
-              </a:rPr>
-              <a:t>Inspiratsiooni: </a:t>
-            </a:r>
-            <a:r>
-              <a:rPr lang="en-US" sz="2400">
-                <a:solidFill>
-                  <a:srgbClr val="000000"/>
-                </a:solidFill>
-                <a:ea typeface="+mn-lt"/>
-                <a:cs typeface="+mn-lt"/>
-                <a:hlinkClick r:id="rId3"/>
-              </a:rPr>
-              <a:t>https://www.storytellingwithdata.com/</a:t>
-            </a:r>
-            <a:r>
-              <a:rPr lang="en-US" sz="2400">
-                <a:solidFill>
-                  <a:srgbClr val="000000"/>
-                </a:solidFill>
-                <a:ea typeface="+mn-lt"/>
-                <a:cs typeface="+mn-lt"/>
-              </a:rPr>
-              <a:t> </a:t>
-            </a:r>
-            <a:endParaRPr lang="en-US" sz="2400">
+            <a:endParaRPr lang="en-US" sz="2400" dirty="0">
               <a:solidFill>
                 <a:srgbClr val="000000"/>
               </a:solidFill>
@@ -26517,54 +26957,36 @@
               </a:lnSpc>
             </a:pPr>
             <a:r>
-              <a:rPr lang="en-US" sz="2400" err="1">
+              <a:rPr lang="en-US" sz="2400" dirty="0" err="1">
                 <a:solidFill>
                   <a:srgbClr val="000000"/>
                 </a:solidFill>
                 <a:ea typeface="Inter"/>
               </a:rPr>
-              <a:t>Andmepärli</a:t>
-            </a:r>
-            <a:r>
-              <a:rPr lang="en-US" sz="2400">
+              <a:t>Inspiratsiooni</a:t>
+            </a:r>
+            <a:r>
+              <a:rPr lang="en-US" sz="2400" dirty="0">
                 <a:solidFill>
                   <a:srgbClr val="000000"/>
                 </a:solidFill>
                 <a:ea typeface="Inter"/>
               </a:rPr>
-              <a:t> </a:t>
-            </a:r>
-            <a:r>
-              <a:rPr lang="en-US" sz="2400" err="1">
-                <a:solidFill>
-                  <a:srgbClr val="000000"/>
-                </a:solidFill>
-                <a:ea typeface="Inter"/>
-              </a:rPr>
-              <a:t>konkurss</a:t>
-            </a:r>
-            <a:r>
-              <a:rPr lang="en-US" sz="2400">
-                <a:solidFill>
-                  <a:srgbClr val="000000"/>
-                </a:solidFill>
-                <a:ea typeface="Inter"/>
-              </a:rPr>
               <a:t>: </a:t>
             </a:r>
             <a:r>
-              <a:rPr lang="en-US" sz="2400">
+              <a:rPr lang="en-US" sz="2400" dirty="0">
                 <a:solidFill>
                   <a:srgbClr val="000000"/>
                 </a:solidFill>
                 <a:ea typeface="+mn-lt"/>
                 <a:cs typeface="+mn-lt"/>
-                <a:hlinkClick r:id="rId4"/>
-              </a:rPr>
-              <a:t>https://stat.ee/et/statistikaamet/meist/konkurss-andmeparl</a:t>
-            </a:r>
-            <a:r>
-              <a:rPr lang="en-US" sz="2400">
+                <a:hlinkClick r:id="rId3"/>
+              </a:rPr>
+              <a:t>https://www.storytellingwithdata.com/</a:t>
+            </a:r>
+            <a:r>
+              <a:rPr lang="en-US" sz="2400" dirty="0">
                 <a:solidFill>
                   <a:srgbClr val="000000"/>
                 </a:solidFill>
@@ -26573,15 +26995,7 @@
               </a:rPr>
               <a:t> </a:t>
             </a:r>
-          </a:p>
-          <a:p>
-            <a:pPr marL="0" indent="0">
-              <a:lnSpc>
-                <a:spcPct val="150000"/>
-              </a:lnSpc>
-              <a:buNone/>
-            </a:pPr>
-            <a:endParaRPr lang="en-US" sz="2400">
+            <a:endParaRPr lang="en-US" sz="2400" dirty="0">
               <a:solidFill>
                 <a:srgbClr val="000000"/>
               </a:solidFill>
@@ -26594,7 +27008,85 @@
                 <a:spcPct val="150000"/>
               </a:lnSpc>
             </a:pPr>
-            <a:endParaRPr lang="en-US" sz="2400">
+            <a:r>
+              <a:rPr lang="en-US" sz="2400" dirty="0" err="1">
+                <a:solidFill>
+                  <a:srgbClr val="000000"/>
+                </a:solidFill>
+                <a:ea typeface="Inter"/>
+              </a:rPr>
+              <a:t>Andmepärli</a:t>
+            </a:r>
+            <a:r>
+              <a:rPr lang="en-US" sz="2400" dirty="0">
+                <a:solidFill>
+                  <a:srgbClr val="000000"/>
+                </a:solidFill>
+                <a:ea typeface="Inter"/>
+              </a:rPr>
+              <a:t> </a:t>
+            </a:r>
+            <a:r>
+              <a:rPr lang="en-US" sz="2400" dirty="0" err="1">
+                <a:solidFill>
+                  <a:srgbClr val="000000"/>
+                </a:solidFill>
+                <a:ea typeface="Inter"/>
+              </a:rPr>
+              <a:t>konkurss</a:t>
+            </a:r>
+            <a:r>
+              <a:rPr lang="en-US" sz="2400" dirty="0">
+                <a:solidFill>
+                  <a:srgbClr val="000000"/>
+                </a:solidFill>
+                <a:ea typeface="Inter"/>
+              </a:rPr>
+              <a:t>: </a:t>
+            </a:r>
+            <a:r>
+              <a:rPr lang="en-US" sz="2400" dirty="0">
+                <a:solidFill>
+                  <a:srgbClr val="000000"/>
+                </a:solidFill>
+                <a:ea typeface="+mn-lt"/>
+                <a:cs typeface="+mn-lt"/>
+                <a:hlinkClick r:id="rId4"/>
+              </a:rPr>
+              <a:t>https://stat.ee/et/statistikaamet/meist/konkurss-andmeparl</a:t>
+            </a:r>
+            <a:r>
+              <a:rPr lang="en-US" sz="2400" dirty="0">
+                <a:solidFill>
+                  <a:srgbClr val="000000"/>
+                </a:solidFill>
+                <a:ea typeface="+mn-lt"/>
+                <a:cs typeface="+mn-lt"/>
+              </a:rPr>
+              <a:t> </a:t>
+            </a:r>
+          </a:p>
+          <a:p>
+            <a:pPr marL="0" indent="0">
+              <a:lnSpc>
+                <a:spcPct val="150000"/>
+              </a:lnSpc>
+              <a:buNone/>
+            </a:pPr>
+            <a:endParaRPr lang="en-US" sz="2400" dirty="0">
+              <a:solidFill>
+                <a:srgbClr val="000000"/>
+              </a:solidFill>
+              <a:ea typeface="Inter"/>
+            </a:endParaRPr>
+          </a:p>
+          <a:p>
+            <a:pPr>
+              <a:lnSpc>
+                <a:spcPct val="150000"/>
+              </a:lnSpc>
+            </a:pPr>
+            <a:endParaRPr lang="en-US" sz="2400" dirty="0">
               <a:solidFill>
                 <a:srgbClr val="000000"/>
               </a:solidFill>
@@ -26607,685 +27099,6 @@
     <p:extLst>
       <p:ext uri="{BB962C8B-B14F-4D97-AF65-F5344CB8AC3E}">
         <p14:creationId xmlns:p14="http://schemas.microsoft.com/office/powerpoint/2010/main" val="1920893319"/>
-      </p:ext>
-    </p:extLst>
-  </p:cSld>
-  <p:clrMapOvr>
-    <a:masterClrMapping/>
-  </p:clrMapOvr>
-</p:sld>
-</file>
-
-<file path=ppt/slides/slide18.xml><?xml version="1.0" encoding="utf-8"?>
-<p:sld xmlns:a="http://schemas.openxmlformats.org/drawingml/2006/main" xmlns:r="http://schemas.openxmlformats.org/officeDocument/2006/relationships" xmlns:p="http://schemas.openxmlformats.org/presentationml/2006/main">
-  <p:cSld>
-    <p:spTree>
-      <p:nvGrpSpPr>
-        <p:cNvPr id="1" name="">
-          <a:extLst>
-            <a:ext uri="{FF2B5EF4-FFF2-40B4-BE49-F238E27FC236}">
-              <a16:creationId xmlns:a16="http://schemas.microsoft.com/office/drawing/2014/main" id="{4F02162B-AE13-BD52-4200-1745BFF2F462}"/>
-            </a:ext>
-          </a:extLst>
-        </p:cNvPr>
-        <p:cNvGrpSpPr/>
-        <p:nvPr/>
-      </p:nvGrpSpPr>
-      <p:grpSpPr>
-        <a:xfrm>
-          <a:off x="0" y="0"/>
-          <a:ext cx="0" cy="0"/>
-          <a:chOff x="0" y="0"/>
-          <a:chExt cx="0" cy="0"/>
-        </a:xfrm>
-      </p:grpSpPr>
-      <p:sp>
-        <p:nvSpPr>
-          <p:cNvPr id="2" name="Title 1">
-            <a:extLst>
-              <a:ext uri="{FF2B5EF4-FFF2-40B4-BE49-F238E27FC236}">
-                <a16:creationId xmlns:a16="http://schemas.microsoft.com/office/drawing/2014/main" id="{E9D82EF5-E4B4-624F-B619-0D4537D5B869}"/>
-              </a:ext>
-            </a:extLst>
-          </p:cNvPr>
-          <p:cNvSpPr>
-            <a:spLocks noGrp="1"/>
-          </p:cNvSpPr>
-          <p:nvPr>
-            <p:ph type="ctrTitle"/>
-          </p:nvPr>
-        </p:nvSpPr>
-        <p:spPr/>
-        <p:txBody>
-          <a:bodyPr/>
-          <a:lstStyle/>
-          <a:p>
-            <a:r>
-              <a:rPr lang="en-US" err="1"/>
-              <a:t>Järelduste</a:t>
-            </a:r>
-            <a:r>
-              <a:rPr lang="en-US"/>
-              <a:t> </a:t>
-            </a:r>
-            <a:r>
-              <a:rPr lang="en-US" err="1"/>
-              <a:t>tegemine</a:t>
-            </a:r>
-          </a:p>
-        </p:txBody>
-      </p:sp>
-      <p:sp>
-        <p:nvSpPr>
-          <p:cNvPr id="3" name="Content Placeholder 2">
-            <a:extLst>
-              <a:ext uri="{FF2B5EF4-FFF2-40B4-BE49-F238E27FC236}">
-                <a16:creationId xmlns:a16="http://schemas.microsoft.com/office/drawing/2014/main" id="{FE461742-DF25-4363-F470-8E384FA03D54}"/>
-              </a:ext>
-            </a:extLst>
-          </p:cNvPr>
-          <p:cNvSpPr>
-            <a:spLocks noGrp="1"/>
-          </p:cNvSpPr>
-          <p:nvPr>
-            <p:ph sz="quarter" idx="10"/>
-          </p:nvPr>
-        </p:nvSpPr>
-        <p:spPr/>
-        <p:txBody>
-          <a:bodyPr/>
-          <a:lstStyle/>
-          <a:p>
-            <a:pPr>
-              <a:lnSpc>
-                <a:spcPct val="150000"/>
-              </a:lnSpc>
-            </a:pPr>
-            <a:r>
-              <a:rPr lang="en-US" sz="2400">
-                <a:solidFill>
-                  <a:srgbClr val="000000"/>
-                </a:solidFill>
-                <a:ea typeface="Inter"/>
-              </a:rPr>
-              <a:t>Mida </a:t>
-            </a:r>
-            <a:r>
-              <a:rPr lang="en-US" sz="2400" err="1">
-                <a:solidFill>
-                  <a:srgbClr val="000000"/>
-                </a:solidFill>
-                <a:ea typeface="Inter"/>
-              </a:rPr>
-              <a:t>saame</a:t>
-            </a:r>
-            <a:r>
-              <a:rPr lang="en-US" sz="2400">
-                <a:solidFill>
-                  <a:srgbClr val="000000"/>
-                </a:solidFill>
-                <a:ea typeface="Inter"/>
-              </a:rPr>
-              <a:t> </a:t>
-            </a:r>
-            <a:r>
-              <a:rPr lang="en-US" sz="2400" err="1">
-                <a:solidFill>
-                  <a:srgbClr val="000000"/>
-                </a:solidFill>
-                <a:ea typeface="Inter"/>
-              </a:rPr>
-              <a:t>järeldada</a:t>
-            </a:r>
-            <a:r>
-              <a:rPr lang="en-US" sz="2400">
-                <a:solidFill>
-                  <a:srgbClr val="000000"/>
-                </a:solidFill>
-                <a:ea typeface="Inter"/>
-              </a:rPr>
-              <a:t> </a:t>
-            </a:r>
-            <a:r>
-              <a:rPr lang="en-US" sz="2400" err="1">
-                <a:solidFill>
-                  <a:srgbClr val="000000"/>
-                </a:solidFill>
-                <a:ea typeface="Inter"/>
-              </a:rPr>
-              <a:t>oma</a:t>
-            </a:r>
-            <a:r>
-              <a:rPr lang="en-US" sz="2400">
-                <a:solidFill>
-                  <a:srgbClr val="000000"/>
-                </a:solidFill>
-                <a:ea typeface="Inter"/>
-              </a:rPr>
-              <a:t> </a:t>
-            </a:r>
-            <a:r>
-              <a:rPr lang="en-US" sz="2400" err="1">
-                <a:solidFill>
-                  <a:srgbClr val="000000"/>
-                </a:solidFill>
-                <a:ea typeface="Inter"/>
-              </a:rPr>
-              <a:t>müügiandmestiku</a:t>
-            </a:r>
-            <a:r>
-              <a:rPr lang="en-US" sz="2400">
-                <a:solidFill>
-                  <a:srgbClr val="000000"/>
-                </a:solidFill>
-                <a:ea typeface="Inter"/>
-              </a:rPr>
-              <a:t> </a:t>
-            </a:r>
-            <a:r>
-              <a:rPr lang="en-US" sz="2400" err="1">
-                <a:solidFill>
-                  <a:srgbClr val="000000"/>
-                </a:solidFill>
-                <a:ea typeface="Inter"/>
-              </a:rPr>
-              <a:t>analüüsist</a:t>
-            </a:r>
-            <a:r>
-              <a:rPr lang="en-US" sz="2400">
-                <a:solidFill>
-                  <a:srgbClr val="000000"/>
-                </a:solidFill>
-                <a:ea typeface="Inter"/>
-              </a:rPr>
-              <a:t>?</a:t>
-            </a:r>
-            <a:endParaRPr lang="en-US" err="1">
-              <a:solidFill>
-                <a:srgbClr val="121212"/>
-              </a:solidFill>
-            </a:endParaRPr>
-          </a:p>
-          <a:p>
-            <a:pPr>
-              <a:lnSpc>
-                <a:spcPct val="150000"/>
-              </a:lnSpc>
-            </a:pPr>
-            <a:r>
-              <a:rPr lang="en-US" sz="2400" err="1">
-                <a:solidFill>
-                  <a:srgbClr val="000000"/>
-                </a:solidFill>
-                <a:ea typeface="Inter"/>
-              </a:rPr>
-              <a:t>Kuidas</a:t>
-            </a:r>
-            <a:r>
-              <a:rPr lang="en-US" sz="2400">
-                <a:solidFill>
-                  <a:srgbClr val="000000"/>
-                </a:solidFill>
-                <a:ea typeface="Inter"/>
-              </a:rPr>
-              <a:t> </a:t>
-            </a:r>
-            <a:r>
-              <a:rPr lang="en-US" sz="2400" err="1">
-                <a:solidFill>
-                  <a:srgbClr val="000000"/>
-                </a:solidFill>
-                <a:ea typeface="Inter"/>
-              </a:rPr>
-              <a:t>analüüsi</a:t>
-            </a:r>
-            <a:r>
-              <a:rPr lang="en-US" sz="2400">
-                <a:solidFill>
-                  <a:srgbClr val="000000"/>
-                </a:solidFill>
-                <a:ea typeface="Inter"/>
-              </a:rPr>
-              <a:t> </a:t>
-            </a:r>
-            <a:r>
-              <a:rPr lang="en-US" sz="2400" err="1">
-                <a:solidFill>
-                  <a:srgbClr val="000000"/>
-                </a:solidFill>
-                <a:ea typeface="Inter"/>
-              </a:rPr>
-              <a:t>teistega</a:t>
-            </a:r>
-            <a:r>
-              <a:rPr lang="en-US" sz="2400">
-                <a:solidFill>
-                  <a:srgbClr val="000000"/>
-                </a:solidFill>
-                <a:ea typeface="Inter"/>
-              </a:rPr>
-              <a:t> </a:t>
-            </a:r>
-            <a:r>
-              <a:rPr lang="en-US" sz="2400" err="1">
-                <a:solidFill>
-                  <a:srgbClr val="000000"/>
-                </a:solidFill>
-                <a:ea typeface="Inter"/>
-              </a:rPr>
-              <a:t>jagada</a:t>
-            </a:r>
-            <a:r>
-              <a:rPr lang="en-US" sz="2400">
-                <a:solidFill>
-                  <a:srgbClr val="000000"/>
-                </a:solidFill>
-                <a:ea typeface="Inter"/>
-              </a:rPr>
-              <a:t>?</a:t>
-            </a:r>
-            <a:endParaRPr lang="en-US" sz="2400">
-              <a:solidFill>
-                <a:srgbClr val="000000"/>
-              </a:solidFill>
-            </a:endParaRPr>
-          </a:p>
-          <a:p>
-            <a:pPr marL="0" indent="0">
-              <a:lnSpc>
-                <a:spcPct val="150000"/>
-              </a:lnSpc>
-              <a:buNone/>
-            </a:pPr>
-            <a:endParaRPr lang="en-US" sz="2400">
-              <a:solidFill>
-                <a:srgbClr val="000000"/>
-              </a:solidFill>
-              <a:ea typeface="Inter"/>
-            </a:endParaRPr>
-          </a:p>
-          <a:p>
-            <a:pPr>
-              <a:lnSpc>
-                <a:spcPct val="150000"/>
-              </a:lnSpc>
-            </a:pPr>
-            <a:endParaRPr lang="en-US" sz="2400">
-              <a:solidFill>
-                <a:srgbClr val="000000"/>
-              </a:solidFill>
-              <a:ea typeface="Inter"/>
-            </a:endParaRPr>
-          </a:p>
-        </p:txBody>
-      </p:sp>
-    </p:spTree>
-    <p:extLst>
-      <p:ext uri="{BB962C8B-B14F-4D97-AF65-F5344CB8AC3E}">
-        <p14:creationId xmlns:p14="http://schemas.microsoft.com/office/powerpoint/2010/main" val="1426166856"/>
-      </p:ext>
-    </p:extLst>
-  </p:cSld>
-  <p:clrMapOvr>
-    <a:masterClrMapping/>
-  </p:clrMapOvr>
-</p:sld>
-</file>
-
-<file path=ppt/slides/slide19.xml><?xml version="1.0" encoding="utf-8"?>
-<p:sld xmlns:a="http://schemas.openxmlformats.org/drawingml/2006/main" xmlns:r="http://schemas.openxmlformats.org/officeDocument/2006/relationships" xmlns:p="http://schemas.openxmlformats.org/presentationml/2006/main">
-  <p:cSld>
-    <p:spTree>
-      <p:nvGrpSpPr>
-        <p:cNvPr id="1" name="">
-          <a:extLst>
-            <a:ext uri="{FF2B5EF4-FFF2-40B4-BE49-F238E27FC236}">
-              <a16:creationId xmlns:a16="http://schemas.microsoft.com/office/drawing/2014/main" id="{802F9ECF-1EF0-3F4D-AFB7-FEEC40A65B43}"/>
-            </a:ext>
-          </a:extLst>
-        </p:cNvPr>
-        <p:cNvGrpSpPr/>
-        <p:nvPr/>
-      </p:nvGrpSpPr>
-      <p:grpSpPr>
-        <a:xfrm>
-          <a:off x="0" y="0"/>
-          <a:ext cx="0" cy="0"/>
-          <a:chOff x="0" y="0"/>
-          <a:chExt cx="0" cy="0"/>
-        </a:xfrm>
-      </p:grpSpPr>
-      <p:sp>
-        <p:nvSpPr>
-          <p:cNvPr id="8" name="TextBox 7">
-            <a:extLst>
-              <a:ext uri="{FF2B5EF4-FFF2-40B4-BE49-F238E27FC236}">
-                <a16:creationId xmlns:a16="http://schemas.microsoft.com/office/drawing/2014/main" id="{4B4B0E90-E399-3E85-BFCD-9421C7D97FE8}"/>
-              </a:ext>
-            </a:extLst>
-          </p:cNvPr>
-          <p:cNvSpPr txBox="1"/>
-          <p:nvPr/>
-        </p:nvSpPr>
-        <p:spPr>
-          <a:xfrm>
-            <a:off x="589226" y="466103"/>
-            <a:ext cx="10368621" cy="461665"/>
-          </a:xfrm>
-          <a:prstGeom prst="rect">
-            <a:avLst/>
-          </a:prstGeom>
-          <a:noFill/>
-        </p:spPr>
-        <p:txBody>
-          <a:bodyPr rot="0" spcFirstLastPara="0" vertOverflow="overflow" horzOverflow="overflow" vert="horz" wrap="square" lIns="91440" tIns="45720" rIns="91440" bIns="45720" numCol="1" spcCol="0" rtlCol="0" fromWordArt="0" anchor="t" anchorCtr="0" forceAA="0" compatLnSpc="1">
-            <a:prstTxWarp prst="textNoShape">
-              <a:avLst/>
-            </a:prstTxWarp>
-            <a:spAutoFit/>
-          </a:bodyPr>
-          <a:lstStyle/>
-          <a:p>
-            <a:r>
-              <a:rPr lang="en-US" sz="2400" b="1" err="1">
-                <a:latin typeface="Inter Bold"/>
-                <a:ea typeface="Inter"/>
-              </a:rPr>
-              <a:t>Müügiandmete</a:t>
-            </a:r>
-            <a:r>
-              <a:rPr lang="en-US" sz="2400" b="1">
-                <a:latin typeface="Inter Bold"/>
-                <a:ea typeface="Inter"/>
-              </a:rPr>
-              <a:t> </a:t>
-            </a:r>
-            <a:r>
-              <a:rPr lang="en-US" sz="2400" b="1" err="1">
-                <a:latin typeface="Inter Bold"/>
-                <a:ea typeface="Inter"/>
-              </a:rPr>
-              <a:t>põhjal</a:t>
-            </a:r>
-            <a:r>
-              <a:rPr lang="en-US" sz="2400" b="1">
-                <a:latin typeface="Inter Bold"/>
-                <a:ea typeface="Inter"/>
-              </a:rPr>
-              <a:t> </a:t>
-            </a:r>
-            <a:r>
-              <a:rPr lang="en-US" sz="2400" b="1" err="1">
-                <a:latin typeface="Inter Bold"/>
-                <a:ea typeface="Inter"/>
-              </a:rPr>
-              <a:t>näide</a:t>
-            </a:r>
-            <a:r>
-              <a:rPr lang="en-US" sz="2400" b="1">
-                <a:latin typeface="Inter Bold"/>
-                <a:ea typeface="Inter"/>
-              </a:rPr>
-              <a:t> </a:t>
-            </a:r>
-            <a:r>
-              <a:rPr lang="en-US" sz="2400" b="1" err="1">
-                <a:latin typeface="Inter Bold"/>
-                <a:ea typeface="Inter"/>
-              </a:rPr>
-              <a:t>andmeloost</a:t>
-            </a:r>
-            <a:endParaRPr lang="en-US" sz="2400" b="1">
-              <a:latin typeface="Inter Bold"/>
-              <a:ea typeface="Inter"/>
-            </a:endParaRPr>
-          </a:p>
-        </p:txBody>
-      </p:sp>
-      <p:pic>
-        <p:nvPicPr>
-          <p:cNvPr id="3" name="Picture 2" descr="A screenshot of a price list&#10;&#10;AI-generated content may be incorrect.">
-            <a:extLst>
-              <a:ext uri="{FF2B5EF4-FFF2-40B4-BE49-F238E27FC236}">
-                <a16:creationId xmlns:a16="http://schemas.microsoft.com/office/drawing/2014/main" id="{5710E79F-52E9-74F5-8969-7A5AEF53A382}"/>
-              </a:ext>
-            </a:extLst>
-          </p:cNvPr>
-          <p:cNvPicPr>
-            <a:picLocks noChangeAspect="1"/>
-          </p:cNvPicPr>
-          <p:nvPr/>
-        </p:nvPicPr>
-        <p:blipFill>
-          <a:blip r:embed="rId2"/>
-          <a:stretch>
-            <a:fillRect/>
-          </a:stretch>
-        </p:blipFill>
-        <p:spPr>
-          <a:xfrm>
-            <a:off x="3467100" y="2624138"/>
-            <a:ext cx="5438273" cy="1709988"/>
-          </a:xfrm>
-          <a:prstGeom prst="rect">
-            <a:avLst/>
-          </a:prstGeom>
-          <a:ln>
-            <a:noFill/>
-          </a:ln>
-        </p:spPr>
-      </p:pic>
-      <p:sp>
-        <p:nvSpPr>
-          <p:cNvPr id="4" name="Rectangle 3">
-            <a:extLst>
-              <a:ext uri="{FF2B5EF4-FFF2-40B4-BE49-F238E27FC236}">
-                <a16:creationId xmlns:a16="http://schemas.microsoft.com/office/drawing/2014/main" id="{EC938FF6-1A89-CFA2-0A21-F0F5D52BF284}"/>
-              </a:ext>
-            </a:extLst>
-          </p:cNvPr>
-          <p:cNvSpPr/>
-          <p:nvPr/>
-        </p:nvSpPr>
-        <p:spPr>
-          <a:xfrm>
-            <a:off x="4772526" y="2626894"/>
-            <a:ext cx="1072816" cy="1704473"/>
-          </a:xfrm>
-          <a:prstGeom prst="rect">
-            <a:avLst/>
-          </a:prstGeom>
-          <a:noFill/>
-          <a:ln w="28575">
-            <a:solidFill>
-              <a:srgbClr val="C00000"/>
-            </a:solidFill>
-          </a:ln>
-        </p:spPr>
-        <p:style>
-          <a:lnRef idx="2">
-            <a:schemeClr val="accent1">
-              <a:shade val="15000"/>
-            </a:schemeClr>
-          </a:lnRef>
-          <a:fillRef idx="1">
-            <a:schemeClr val="accent1"/>
-          </a:fillRef>
-          <a:effectRef idx="0">
-            <a:schemeClr val="accent1"/>
-          </a:effectRef>
-          <a:fontRef idx="minor">
-            <a:schemeClr val="lt1"/>
-          </a:fontRef>
-        </p:style>
-        <p:txBody>
-          <a:bodyPr rtlCol="0" anchor="ctr"/>
-          <a:lstStyle/>
-          <a:p>
-            <a:pPr algn="ctr"/>
-            <a:endParaRPr lang="en-US"/>
-          </a:p>
-        </p:txBody>
-      </p:sp>
-      <p:sp>
-        <p:nvSpPr>
-          <p:cNvPr id="6" name="TextBox 5">
-            <a:extLst>
-              <a:ext uri="{FF2B5EF4-FFF2-40B4-BE49-F238E27FC236}">
-                <a16:creationId xmlns:a16="http://schemas.microsoft.com/office/drawing/2014/main" id="{DAAB000F-3FDF-A298-A857-299EE56275A9}"/>
-              </a:ext>
-            </a:extLst>
-          </p:cNvPr>
-          <p:cNvSpPr txBox="1"/>
-          <p:nvPr/>
-        </p:nvSpPr>
-        <p:spPr>
-          <a:xfrm>
-            <a:off x="3118184" y="2105526"/>
-            <a:ext cx="6045868" cy="369332"/>
-          </a:xfrm>
-          <a:prstGeom prst="rect">
-            <a:avLst/>
-          </a:prstGeom>
-          <a:solidFill>
-            <a:schemeClr val="tx1"/>
-          </a:solidFill>
-        </p:spPr>
-        <p:txBody>
-          <a:bodyPr rot="0" spcFirstLastPara="0" vertOverflow="overflow" horzOverflow="overflow" vert="horz" wrap="square" lIns="91440" tIns="45720" rIns="91440" bIns="45720" numCol="1" spcCol="0" rtlCol="0" fromWordArt="0" anchor="t" anchorCtr="0" forceAA="0" compatLnSpc="1">
-            <a:prstTxWarp prst="textNoShape">
-              <a:avLst/>
-            </a:prstTxWarp>
-            <a:spAutoFit/>
-          </a:bodyPr>
-          <a:lstStyle/>
-          <a:p>
-            <a:pPr algn="ctr"/>
-            <a:r>
-              <a:rPr lang="en-US" b="1">
-                <a:solidFill>
-                  <a:srgbClr val="FFFFFF"/>
-                </a:solidFill>
-                <a:ea typeface="Inter"/>
-              </a:rPr>
-              <a:t>Pricing model needs review</a:t>
-            </a:r>
-          </a:p>
-        </p:txBody>
-      </p:sp>
-      <p:sp>
-        <p:nvSpPr>
-          <p:cNvPr id="7" name="TextBox 6">
-            <a:extLst>
-              <a:ext uri="{FF2B5EF4-FFF2-40B4-BE49-F238E27FC236}">
-                <a16:creationId xmlns:a16="http://schemas.microsoft.com/office/drawing/2014/main" id="{1F7FEA15-4673-3222-BBD5-D47FECE98245}"/>
-              </a:ext>
-            </a:extLst>
-          </p:cNvPr>
-          <p:cNvSpPr txBox="1"/>
-          <p:nvPr/>
-        </p:nvSpPr>
-        <p:spPr>
-          <a:xfrm>
-            <a:off x="3118183" y="4481763"/>
-            <a:ext cx="6176209" cy="700833"/>
-          </a:xfrm>
-          <a:prstGeom prst="rect">
-            <a:avLst/>
-          </a:prstGeom>
-          <a:noFill/>
-        </p:spPr>
-        <p:txBody>
-          <a:bodyPr rot="0" spcFirstLastPara="0" vertOverflow="overflow" horzOverflow="overflow" vert="horz" wrap="square" lIns="91440" tIns="45720" rIns="91440" bIns="45720" numCol="1" spcCol="0" rtlCol="0" fromWordArt="0" anchor="t" anchorCtr="0" forceAA="0" compatLnSpc="1">
-            <a:prstTxWarp prst="textNoShape">
-              <a:avLst/>
-            </a:prstTxWarp>
-            <a:spAutoFit/>
-          </a:bodyPr>
-          <a:lstStyle/>
-          <a:p>
-            <a:pPr marL="285750" indent="-285750">
-              <a:lnSpc>
-                <a:spcPct val="150000"/>
-              </a:lnSpc>
-              <a:buFont typeface="Wingdings"/>
-              <a:buChar char="Ø"/>
-            </a:pPr>
-            <a:r>
-              <a:rPr lang="en-US" sz="1400">
-                <a:ea typeface="Inter"/>
-              </a:rPr>
-              <a:t>Costs are significantly different, but average unit prices are similar. </a:t>
-            </a:r>
-          </a:p>
-          <a:p>
-            <a:pPr marL="285750" indent="-285750">
-              <a:lnSpc>
-                <a:spcPct val="150000"/>
-              </a:lnSpc>
-              <a:buFont typeface="Wingdings"/>
-              <a:buChar char="Ø"/>
-            </a:pPr>
-            <a:r>
-              <a:rPr lang="en-US" sz="1400">
-                <a:ea typeface="Inter"/>
-              </a:rPr>
-              <a:t>Consider raising prices for Gadget C and Device D.</a:t>
-            </a:r>
-          </a:p>
-        </p:txBody>
-      </p:sp>
-      <p:sp>
-        <p:nvSpPr>
-          <p:cNvPr id="10" name="Rectangle 9">
-            <a:extLst>
-              <a:ext uri="{FF2B5EF4-FFF2-40B4-BE49-F238E27FC236}">
-                <a16:creationId xmlns:a16="http://schemas.microsoft.com/office/drawing/2014/main" id="{F8C684C0-8797-503E-DAD1-EC900E96B8A7}"/>
-              </a:ext>
-            </a:extLst>
-          </p:cNvPr>
-          <p:cNvSpPr/>
-          <p:nvPr/>
-        </p:nvSpPr>
-        <p:spPr>
-          <a:xfrm>
-            <a:off x="3118184" y="2105525"/>
-            <a:ext cx="6045867" cy="3078079"/>
-          </a:xfrm>
-          <a:prstGeom prst="rect">
-            <a:avLst/>
-          </a:prstGeom>
-          <a:noFill/>
-        </p:spPr>
-        <p:style>
-          <a:lnRef idx="2">
-            <a:schemeClr val="accent1">
-              <a:shade val="15000"/>
-            </a:schemeClr>
-          </a:lnRef>
-          <a:fillRef idx="1">
-            <a:schemeClr val="accent1"/>
-          </a:fillRef>
-          <a:effectRef idx="0">
-            <a:schemeClr val="accent1"/>
-          </a:effectRef>
-          <a:fontRef idx="minor">
-            <a:schemeClr val="lt1"/>
-          </a:fontRef>
-        </p:style>
-        <p:txBody>
-          <a:bodyPr rtlCol="0" anchor="ctr"/>
-          <a:lstStyle/>
-          <a:p>
-            <a:pPr algn="ctr"/>
-            <a:endParaRPr lang="en-US"/>
-          </a:p>
-        </p:txBody>
-      </p:sp>
-    </p:spTree>
-    <p:extLst>
-      <p:ext uri="{BB962C8B-B14F-4D97-AF65-F5344CB8AC3E}">
-        <p14:creationId xmlns:p14="http://schemas.microsoft.com/office/powerpoint/2010/main" val="3309601003"/>
       </p:ext>
     </p:extLst>
   </p:cSld>
@@ -28102,7 +27915,7 @@
                         <a:buChar char="•"/>
                       </a:pPr>
                       <a:r>
-                        <a:rPr lang="en-US" sz="2400" b="0" i="0">
+                        <a:rPr lang="en-US" sz="2400" b="0" i="0" dirty="0">
                           <a:solidFill>
                             <a:srgbClr val="121212"/>
                           </a:solidFill>
@@ -28112,7 +27925,7 @@
                         <a:t>15:00 – 16:30 – </a:t>
                       </a:r>
                       <a:r>
-                        <a:rPr lang="en-US" sz="2400" b="0" i="0" err="1">
+                        <a:rPr lang="en-US" sz="2400" b="0" i="0" dirty="0" err="1">
                           <a:solidFill>
                             <a:srgbClr val="121212"/>
                           </a:solidFill>
@@ -28122,7 +27935,7 @@
                         <a:t>Koolitus</a:t>
                       </a:r>
                       <a:r>
-                        <a:rPr lang="en-US" sz="2400" b="0" i="0">
+                        <a:rPr lang="en-US" sz="2400" b="0" i="0" dirty="0">
                           <a:solidFill>
                             <a:srgbClr val="121212"/>
                           </a:solidFill>
@@ -28132,7 +27945,7 @@
                         <a:t> - </a:t>
                       </a:r>
                       <a:r>
-                        <a:rPr lang="en-US" sz="2400" b="0" i="0" err="1">
+                        <a:rPr lang="en-US" sz="2400" b="0" i="0" dirty="0" err="1">
                           <a:solidFill>
                             <a:srgbClr val="121212"/>
                           </a:solidFill>
@@ -28142,7 +27955,7 @@
                         <a:t>Müükide</a:t>
                       </a:r>
                       <a:r>
-                        <a:rPr lang="en-US" sz="2400" b="0" i="0">
+                        <a:rPr lang="en-US" sz="2400" b="0" i="0" dirty="0">
                           <a:solidFill>
                             <a:srgbClr val="121212"/>
                           </a:solidFill>
@@ -28152,7 +27965,7 @@
                         <a:t> </a:t>
                       </a:r>
                       <a:r>
-                        <a:rPr lang="en-US" sz="2400" b="0" i="0" err="1">
+                        <a:rPr lang="en-US" sz="2400" b="0" i="0" dirty="0" err="1">
                           <a:solidFill>
                             <a:srgbClr val="121212"/>
                           </a:solidFill>
@@ -28162,7 +27975,7 @@
                         <a:t>igapäevane</a:t>
                       </a:r>
                       <a:r>
-                        <a:rPr lang="en-US" sz="2400" b="0" i="0">
+                        <a:rPr lang="en-US" sz="2400" b="0" i="0" dirty="0">
                           <a:solidFill>
                             <a:srgbClr val="121212"/>
                           </a:solidFill>
@@ -28172,7 +27985,7 @@
                         <a:t> </a:t>
                       </a:r>
                       <a:r>
-                        <a:rPr lang="en-US" sz="2400" b="0" i="0" err="1">
+                        <a:rPr lang="en-US" sz="2400" b="0" i="0" dirty="0" err="1">
                           <a:solidFill>
                             <a:srgbClr val="121212"/>
                           </a:solidFill>
@@ -28181,7 +27994,7 @@
                         </a:rPr>
                         <a:t>ülevaade</a:t>
                       </a:r>
-                      <a:endParaRPr lang="en-US" b="0" i="0" err="1">
+                      <a:endParaRPr lang="en-US" b="0" i="0" dirty="0">
                         <a:solidFill>
                           <a:srgbClr val="121212"/>
                         </a:solidFill>
@@ -28261,120 +28074,7 @@
         <p:cNvPr id="1" name="">
           <a:extLst>
             <a:ext uri="{FF2B5EF4-FFF2-40B4-BE49-F238E27FC236}">
-              <a16:creationId xmlns:a16="http://schemas.microsoft.com/office/drawing/2014/main" id="{18915F75-FC9C-EF8C-50B5-8243CA945212}"/>
-            </a:ext>
-          </a:extLst>
-        </p:cNvPr>
-        <p:cNvGrpSpPr/>
-        <p:nvPr/>
-      </p:nvGrpSpPr>
-      <p:grpSpPr>
-        <a:xfrm>
-          <a:off x="0" y="0"/>
-          <a:ext cx="0" cy="0"/>
-          <a:chOff x="0" y="0"/>
-          <a:chExt cx="0" cy="0"/>
-        </a:xfrm>
-      </p:grpSpPr>
-      <p:sp>
-        <p:nvSpPr>
-          <p:cNvPr id="3" name="Content Placeholder 2">
-            <a:extLst>
-              <a:ext uri="{FF2B5EF4-FFF2-40B4-BE49-F238E27FC236}">
-                <a16:creationId xmlns:a16="http://schemas.microsoft.com/office/drawing/2014/main" id="{5D2DA6FB-6CD2-65BA-09C4-FCC6EF0AF84E}"/>
-              </a:ext>
-            </a:extLst>
-          </p:cNvPr>
-          <p:cNvSpPr>
-            <a:spLocks noGrp="1"/>
-          </p:cNvSpPr>
-          <p:nvPr>
-            <p:ph sz="quarter" idx="10"/>
-          </p:nvPr>
-        </p:nvSpPr>
-        <p:spPr/>
-        <p:txBody>
-          <a:bodyPr/>
-          <a:lstStyle/>
-          <a:p>
-            <a:pPr marL="0" indent="0">
-              <a:lnSpc>
-                <a:spcPct val="150000"/>
-              </a:lnSpc>
-              <a:buNone/>
-            </a:pPr>
-            <a:endParaRPr lang="en-US" sz="2800">
-              <a:ea typeface="Inter"/>
-            </a:endParaRPr>
-          </a:p>
-          <a:p>
-            <a:pPr marL="457200" lvl="1" indent="0">
-              <a:lnSpc>
-                <a:spcPct val="150000"/>
-              </a:lnSpc>
-              <a:buNone/>
-            </a:pPr>
-            <a:endParaRPr lang="en-US" sz="2000">
-              <a:ea typeface="Inter"/>
-            </a:endParaRPr>
-          </a:p>
-        </p:txBody>
-      </p:sp>
-      <p:sp>
-        <p:nvSpPr>
-          <p:cNvPr id="5" name="Title 4">
-            <a:extLst>
-              <a:ext uri="{FF2B5EF4-FFF2-40B4-BE49-F238E27FC236}">
-                <a16:creationId xmlns:a16="http://schemas.microsoft.com/office/drawing/2014/main" id="{F5E4C20F-523D-8335-2938-F35D9E570F9C}"/>
-              </a:ext>
-            </a:extLst>
-          </p:cNvPr>
-          <p:cNvSpPr>
-            <a:spLocks noGrp="1"/>
-          </p:cNvSpPr>
-          <p:nvPr>
-            <p:ph type="ctrTitle"/>
-          </p:nvPr>
-        </p:nvSpPr>
-        <p:spPr>
-          <a:xfrm>
-            <a:off x="4283493" y="2675333"/>
-            <a:ext cx="3777666" cy="357043"/>
-          </a:xfrm>
-        </p:spPr>
-        <p:txBody>
-          <a:bodyPr/>
-          <a:lstStyle/>
-          <a:p>
-            <a:r>
-              <a:rPr lang="en-US"/>
-              <a:t>Paus 14:45-15:00</a:t>
-            </a:r>
-          </a:p>
-        </p:txBody>
-      </p:sp>
-    </p:spTree>
-    <p:extLst>
-      <p:ext uri="{BB962C8B-B14F-4D97-AF65-F5344CB8AC3E}">
-        <p14:creationId xmlns:p14="http://schemas.microsoft.com/office/powerpoint/2010/main" val="3731588115"/>
-      </p:ext>
-    </p:extLst>
-  </p:cSld>
-  <p:clrMapOvr>
-    <a:masterClrMapping/>
-  </p:clrMapOvr>
-</p:sld>
-</file>
-
-<file path=ppt/slides/slide21.xml><?xml version="1.0" encoding="utf-8"?>
-<p:sld xmlns:a="http://schemas.openxmlformats.org/drawingml/2006/main" xmlns:r="http://schemas.openxmlformats.org/officeDocument/2006/relationships" xmlns:p="http://schemas.openxmlformats.org/presentationml/2006/main">
-  <p:cSld>
-    <p:spTree>
-      <p:nvGrpSpPr>
-        <p:cNvPr id="1" name="">
-          <a:extLst>
-            <a:ext uri="{FF2B5EF4-FFF2-40B4-BE49-F238E27FC236}">
-              <a16:creationId xmlns:a16="http://schemas.microsoft.com/office/drawing/2014/main" id="{6BCD841B-1620-7F64-AABF-17AC8BEADE23}"/>
+              <a16:creationId xmlns:a16="http://schemas.microsoft.com/office/drawing/2014/main" id="{4F02162B-AE13-BD52-4200-1745BFF2F462}"/>
             </a:ext>
           </a:extLst>
         </p:cNvPr>
@@ -28394,7 +28094,7 @@
           <p:cNvPr id="2" name="Title 1">
             <a:extLst>
               <a:ext uri="{FF2B5EF4-FFF2-40B4-BE49-F238E27FC236}">
-                <a16:creationId xmlns:a16="http://schemas.microsoft.com/office/drawing/2014/main" id="{4EBF5146-E745-CD30-E5D4-2398C96FDCFD}"/>
+                <a16:creationId xmlns:a16="http://schemas.microsoft.com/office/drawing/2014/main" id="{E9D82EF5-E4B4-624F-B619-0D4537D5B869}"/>
               </a:ext>
             </a:extLst>
           </p:cNvPr>
@@ -28412,7 +28112,7 @@
           <a:p>
             <a:r>
               <a:rPr lang="en-US" err="1"/>
-              <a:t>Müükide</a:t>
+              <a:t>Järelduste</a:t>
             </a:r>
             <a:r>
               <a:rPr lang="en-US"/>
@@ -28420,17 +28120,8 @@
             </a:r>
             <a:r>
               <a:rPr lang="en-US" err="1"/>
-              <a:t>ülevaade</a:t>
-            </a:r>
-            <a:r>
-              <a:rPr lang="en-US"/>
-              <a:t> </a:t>
-            </a:r>
-            <a:r>
-              <a:rPr lang="en-US" err="1"/>
-              <a:t>müügitiimile</a:t>
-            </a:r>
-            <a:endParaRPr lang="en-US"/>
+              <a:t>tegemine</a:t>
+            </a:r>
           </a:p>
         </p:txBody>
       </p:sp>
@@ -28439,7 +28130,7 @@
           <p:cNvPr id="3" name="Content Placeholder 2">
             <a:extLst>
               <a:ext uri="{FF2B5EF4-FFF2-40B4-BE49-F238E27FC236}">
-                <a16:creationId xmlns:a16="http://schemas.microsoft.com/office/drawing/2014/main" id="{21904B09-5239-995B-53EC-8B8446BCCFC9}"/>
+                <a16:creationId xmlns:a16="http://schemas.microsoft.com/office/drawing/2014/main" id="{FE461742-DF25-4363-F470-8E384FA03D54}"/>
               </a:ext>
             </a:extLst>
           </p:cNvPr>
@@ -28461,22 +28152,29 @@
               </a:lnSpc>
             </a:pPr>
             <a:r>
+              <a:rPr lang="en-US" sz="2400">
+                <a:solidFill>
+                  <a:srgbClr val="000000"/>
+                </a:solidFill>
+                <a:ea typeface="Inter"/>
+              </a:rPr>
+              <a:t>Mida </a:t>
+            </a:r>
+            <a:r>
               <a:rPr lang="en-US" sz="2400" err="1">
                 <a:solidFill>
                   <a:srgbClr val="000000"/>
                 </a:solidFill>
-                <a:ea typeface="+mn-lt"/>
-                <a:cs typeface="+mn-lt"/>
-              </a:rPr>
-              <a:t>Kuidas</a:t>
+                <a:ea typeface="Inter"/>
+              </a:rPr>
+              <a:t>saame</a:t>
             </a:r>
             <a:r>
               <a:rPr lang="en-US" sz="2400">
                 <a:solidFill>
                   <a:srgbClr val="000000"/>
                 </a:solidFill>
-                <a:ea typeface="+mn-lt"/>
-                <a:cs typeface="+mn-lt"/>
+                <a:ea typeface="Inter"/>
               </a:rPr>
               <a:t> </a:t>
             </a:r>
@@ -28485,18 +28183,16 @@
                 <a:solidFill>
                   <a:srgbClr val="000000"/>
                 </a:solidFill>
-                <a:ea typeface="+mn-lt"/>
-                <a:cs typeface="+mn-lt"/>
-              </a:rPr>
-              <a:t>edeneb</a:t>
+                <a:ea typeface="Inter"/>
+              </a:rPr>
+              <a:t>järeldada</a:t>
             </a:r>
             <a:r>
               <a:rPr lang="en-US" sz="2400">
                 <a:solidFill>
                   <a:srgbClr val="000000"/>
                 </a:solidFill>
-                <a:ea typeface="+mn-lt"/>
-                <a:cs typeface="+mn-lt"/>
+                <a:ea typeface="Inter"/>
               </a:rPr>
               <a:t> </a:t>
             </a:r>
@@ -28505,18 +28201,16 @@
                 <a:solidFill>
                   <a:srgbClr val="000000"/>
                 </a:solidFill>
-                <a:ea typeface="+mn-lt"/>
-                <a:cs typeface="+mn-lt"/>
-              </a:rPr>
-              <a:t>käesoleval</a:t>
+                <a:ea typeface="Inter"/>
+              </a:rPr>
+              <a:t>oma</a:t>
             </a:r>
             <a:r>
               <a:rPr lang="en-US" sz="2400">
                 <a:solidFill>
                   <a:srgbClr val="000000"/>
                 </a:solidFill>
-                <a:ea typeface="+mn-lt"/>
-                <a:cs typeface="+mn-lt"/>
+                <a:ea typeface="Inter"/>
               </a:rPr>
               <a:t> </a:t>
             </a:r>
@@ -28525,18 +28219,16 @@
                 <a:solidFill>
                   <a:srgbClr val="000000"/>
                 </a:solidFill>
-                <a:ea typeface="+mn-lt"/>
-                <a:cs typeface="+mn-lt"/>
-              </a:rPr>
-              <a:t>kuul</a:t>
+                <a:ea typeface="Inter"/>
+              </a:rPr>
+              <a:t>müügiandmestiku</a:t>
             </a:r>
             <a:r>
               <a:rPr lang="en-US" sz="2400">
                 <a:solidFill>
                   <a:srgbClr val="000000"/>
                 </a:solidFill>
-                <a:ea typeface="+mn-lt"/>
-                <a:cs typeface="+mn-lt"/>
+                <a:ea typeface="Inter"/>
               </a:rPr>
               <a:t> </a:t>
             </a:r>
@@ -28545,81 +28237,24 @@
                 <a:solidFill>
                   <a:srgbClr val="000000"/>
                 </a:solidFill>
-                <a:ea typeface="+mn-lt"/>
-                <a:cs typeface="+mn-lt"/>
-              </a:rPr>
-              <a:t>eelarve</a:t>
+                <a:ea typeface="Inter"/>
+              </a:rPr>
+              <a:t>analüüsist</a:t>
             </a:r>
             <a:r>
               <a:rPr lang="en-US" sz="2400">
                 <a:solidFill>
                   <a:srgbClr val="000000"/>
                 </a:solidFill>
-                <a:ea typeface="+mn-lt"/>
-                <a:cs typeface="+mn-lt"/>
-              </a:rPr>
-              <a:t> </a:t>
-            </a:r>
-            <a:r>
-              <a:rPr lang="en-US" sz="2400" err="1">
-                <a:solidFill>
-                  <a:srgbClr val="000000"/>
-                </a:solidFill>
-                <a:ea typeface="+mn-lt"/>
-                <a:cs typeface="+mn-lt"/>
-              </a:rPr>
-              <a:t>täitmine</a:t>
-            </a:r>
-            <a:r>
-              <a:rPr lang="en-US" sz="2400">
-                <a:solidFill>
-                  <a:srgbClr val="000000"/>
-                </a:solidFill>
-                <a:ea typeface="+mn-lt"/>
-                <a:cs typeface="+mn-lt"/>
-              </a:rPr>
-              <a:t> </a:t>
-            </a:r>
-            <a:r>
-              <a:rPr lang="en-US" sz="2400" err="1">
-                <a:solidFill>
-                  <a:srgbClr val="000000"/>
-                </a:solidFill>
-                <a:ea typeface="+mn-lt"/>
-                <a:cs typeface="+mn-lt"/>
-              </a:rPr>
-              <a:t>müügiesindajate</a:t>
-            </a:r>
-            <a:r>
-              <a:rPr lang="en-US" sz="2400">
-                <a:solidFill>
-                  <a:srgbClr val="000000"/>
-                </a:solidFill>
-                <a:ea typeface="+mn-lt"/>
-                <a:cs typeface="+mn-lt"/>
-              </a:rPr>
-              <a:t> </a:t>
-            </a:r>
-            <a:r>
-              <a:rPr lang="en-US" sz="2400" err="1">
-                <a:solidFill>
-                  <a:srgbClr val="000000"/>
-                </a:solidFill>
-                <a:ea typeface="+mn-lt"/>
-                <a:cs typeface="+mn-lt"/>
-              </a:rPr>
-              <a:t>kaupa</a:t>
-            </a:r>
-            <a:r>
-              <a:rPr lang="en-US" sz="2400">
-                <a:solidFill>
-                  <a:srgbClr val="000000"/>
-                </a:solidFill>
-                <a:ea typeface="+mn-lt"/>
-                <a:cs typeface="+mn-lt"/>
+                <a:ea typeface="Inter"/>
               </a:rPr>
               <a:t>?</a:t>
             </a:r>
+            <a:endParaRPr lang="en-US" err="1">
+              <a:solidFill>
+                <a:srgbClr val="121212"/>
+              </a:solidFill>
+            </a:endParaRPr>
           </a:p>
           <a:p>
             <a:pPr>
@@ -28627,11 +28262,82 @@
                 <a:spcPct val="150000"/>
               </a:lnSpc>
             </a:pPr>
+            <a:r>
+              <a:rPr lang="en-US" sz="2400" err="1">
+                <a:solidFill>
+                  <a:srgbClr val="000000"/>
+                </a:solidFill>
+                <a:ea typeface="Inter"/>
+              </a:rPr>
+              <a:t>Kuidas</a:t>
+            </a:r>
+            <a:r>
+              <a:rPr lang="en-US" sz="2400">
+                <a:solidFill>
+                  <a:srgbClr val="000000"/>
+                </a:solidFill>
+                <a:ea typeface="Inter"/>
+              </a:rPr>
+              <a:t> </a:t>
+            </a:r>
+            <a:r>
+              <a:rPr lang="en-US" sz="2400" err="1">
+                <a:solidFill>
+                  <a:srgbClr val="000000"/>
+                </a:solidFill>
+                <a:ea typeface="Inter"/>
+              </a:rPr>
+              <a:t>analüüsi</a:t>
+            </a:r>
+            <a:r>
+              <a:rPr lang="en-US" sz="2400">
+                <a:solidFill>
+                  <a:srgbClr val="000000"/>
+                </a:solidFill>
+                <a:ea typeface="Inter"/>
+              </a:rPr>
+              <a:t> </a:t>
+            </a:r>
+            <a:r>
+              <a:rPr lang="en-US" sz="2400" err="1">
+                <a:solidFill>
+                  <a:srgbClr val="000000"/>
+                </a:solidFill>
+                <a:ea typeface="Inter"/>
+              </a:rPr>
+              <a:t>teistega</a:t>
+            </a:r>
+            <a:r>
+              <a:rPr lang="en-US" sz="2400">
+                <a:solidFill>
+                  <a:srgbClr val="000000"/>
+                </a:solidFill>
+                <a:ea typeface="Inter"/>
+              </a:rPr>
+              <a:t> </a:t>
+            </a:r>
+            <a:r>
+              <a:rPr lang="en-US" sz="2400" err="1">
+                <a:solidFill>
+                  <a:srgbClr val="000000"/>
+                </a:solidFill>
+                <a:ea typeface="Inter"/>
+              </a:rPr>
+              <a:t>jagada</a:t>
+            </a:r>
+            <a:r>
+              <a:rPr lang="en-US" sz="2400">
+                <a:solidFill>
+                  <a:srgbClr val="000000"/>
+                </a:solidFill>
+                <a:ea typeface="Inter"/>
+              </a:rPr>
+              <a:t>?</a:t>
+            </a:r>
             <a:endParaRPr lang="en-US" sz="2400">
               <a:solidFill>
                 <a:srgbClr val="000000"/>
               </a:solidFill>
-              <a:ea typeface="Inter"/>
             </a:endParaRPr>
           </a:p>
           <a:p>
@@ -28666,7 +28372,370 @@
     </p:spTree>
     <p:extLst>
       <p:ext uri="{BB962C8B-B14F-4D97-AF65-F5344CB8AC3E}">
-        <p14:creationId xmlns:p14="http://schemas.microsoft.com/office/powerpoint/2010/main" val="2130150789"/>
+        <p14:creationId xmlns:p14="http://schemas.microsoft.com/office/powerpoint/2010/main" val="1426166856"/>
+      </p:ext>
+    </p:extLst>
+  </p:cSld>
+  <p:clrMapOvr>
+    <a:masterClrMapping/>
+  </p:clrMapOvr>
+</p:sld>
+</file>
+
+<file path=ppt/slides/slide21.xml><?xml version="1.0" encoding="utf-8"?>
+<p:sld xmlns:a="http://schemas.openxmlformats.org/drawingml/2006/main" xmlns:r="http://schemas.openxmlformats.org/officeDocument/2006/relationships" xmlns:p="http://schemas.openxmlformats.org/presentationml/2006/main">
+  <p:cSld>
+    <p:spTree>
+      <p:nvGrpSpPr>
+        <p:cNvPr id="1" name="">
+          <a:extLst>
+            <a:ext uri="{FF2B5EF4-FFF2-40B4-BE49-F238E27FC236}">
+              <a16:creationId xmlns:a16="http://schemas.microsoft.com/office/drawing/2014/main" id="{802F9ECF-1EF0-3F4D-AFB7-FEEC40A65B43}"/>
+            </a:ext>
+          </a:extLst>
+        </p:cNvPr>
+        <p:cNvGrpSpPr/>
+        <p:nvPr/>
+      </p:nvGrpSpPr>
+      <p:grpSpPr>
+        <a:xfrm>
+          <a:off x="0" y="0"/>
+          <a:ext cx="0" cy="0"/>
+          <a:chOff x="0" y="0"/>
+          <a:chExt cx="0" cy="0"/>
+        </a:xfrm>
+      </p:grpSpPr>
+      <p:sp>
+        <p:nvSpPr>
+          <p:cNvPr id="8" name="TextBox 7">
+            <a:extLst>
+              <a:ext uri="{FF2B5EF4-FFF2-40B4-BE49-F238E27FC236}">
+                <a16:creationId xmlns:a16="http://schemas.microsoft.com/office/drawing/2014/main" id="{4B4B0E90-E399-3E85-BFCD-9421C7D97FE8}"/>
+              </a:ext>
+            </a:extLst>
+          </p:cNvPr>
+          <p:cNvSpPr txBox="1"/>
+          <p:nvPr/>
+        </p:nvSpPr>
+        <p:spPr>
+          <a:xfrm>
+            <a:off x="589226" y="466103"/>
+            <a:ext cx="10368621" cy="461665"/>
+          </a:xfrm>
+          <a:prstGeom prst="rect">
+            <a:avLst/>
+          </a:prstGeom>
+          <a:noFill/>
+        </p:spPr>
+        <p:txBody>
+          <a:bodyPr rot="0" spcFirstLastPara="0" vertOverflow="overflow" horzOverflow="overflow" vert="horz" wrap="square" lIns="91440" tIns="45720" rIns="91440" bIns="45720" numCol="1" spcCol="0" rtlCol="0" fromWordArt="0" anchor="t" anchorCtr="0" forceAA="0" compatLnSpc="1">
+            <a:prstTxWarp prst="textNoShape">
+              <a:avLst/>
+            </a:prstTxWarp>
+            <a:spAutoFit/>
+          </a:bodyPr>
+          <a:lstStyle/>
+          <a:p>
+            <a:r>
+              <a:rPr lang="en-US" sz="2400" b="1" err="1">
+                <a:latin typeface="Inter Bold"/>
+                <a:ea typeface="Inter"/>
+              </a:rPr>
+              <a:t>Müügiandmete</a:t>
+            </a:r>
+            <a:r>
+              <a:rPr lang="en-US" sz="2400" b="1">
+                <a:latin typeface="Inter Bold"/>
+                <a:ea typeface="Inter"/>
+              </a:rPr>
+              <a:t> </a:t>
+            </a:r>
+            <a:r>
+              <a:rPr lang="en-US" sz="2400" b="1" err="1">
+                <a:latin typeface="Inter Bold"/>
+                <a:ea typeface="Inter"/>
+              </a:rPr>
+              <a:t>põhjal</a:t>
+            </a:r>
+            <a:r>
+              <a:rPr lang="en-US" sz="2400" b="1">
+                <a:latin typeface="Inter Bold"/>
+                <a:ea typeface="Inter"/>
+              </a:rPr>
+              <a:t> </a:t>
+            </a:r>
+            <a:r>
+              <a:rPr lang="en-US" sz="2400" b="1" err="1">
+                <a:latin typeface="Inter Bold"/>
+                <a:ea typeface="Inter"/>
+              </a:rPr>
+              <a:t>näide</a:t>
+            </a:r>
+            <a:r>
+              <a:rPr lang="en-US" sz="2400" b="1">
+                <a:latin typeface="Inter Bold"/>
+                <a:ea typeface="Inter"/>
+              </a:rPr>
+              <a:t> </a:t>
+            </a:r>
+            <a:r>
+              <a:rPr lang="en-US" sz="2400" b="1" err="1">
+                <a:latin typeface="Inter Bold"/>
+                <a:ea typeface="Inter"/>
+              </a:rPr>
+              <a:t>andmeloost</a:t>
+            </a:r>
+            <a:endParaRPr lang="en-US" sz="2400" b="1">
+              <a:latin typeface="Inter Bold"/>
+              <a:ea typeface="Inter"/>
+            </a:endParaRPr>
+          </a:p>
+        </p:txBody>
+      </p:sp>
+      <p:pic>
+        <p:nvPicPr>
+          <p:cNvPr id="3" name="Picture 2" descr="A screenshot of a price list&#10;&#10;AI-generated content may be incorrect.">
+            <a:extLst>
+              <a:ext uri="{FF2B5EF4-FFF2-40B4-BE49-F238E27FC236}">
+                <a16:creationId xmlns:a16="http://schemas.microsoft.com/office/drawing/2014/main" id="{5710E79F-52E9-74F5-8969-7A5AEF53A382}"/>
+              </a:ext>
+            </a:extLst>
+          </p:cNvPr>
+          <p:cNvPicPr>
+            <a:picLocks noChangeAspect="1"/>
+          </p:cNvPicPr>
+          <p:nvPr/>
+        </p:nvPicPr>
+        <p:blipFill>
+          <a:blip r:embed="rId2"/>
+          <a:stretch>
+            <a:fillRect/>
+          </a:stretch>
+        </p:blipFill>
+        <p:spPr>
+          <a:xfrm>
+            <a:off x="3467100" y="2624138"/>
+            <a:ext cx="5438273" cy="1709988"/>
+          </a:xfrm>
+          <a:prstGeom prst="rect">
+            <a:avLst/>
+          </a:prstGeom>
+          <a:ln>
+            <a:noFill/>
+          </a:ln>
+        </p:spPr>
+      </p:pic>
+      <p:sp>
+        <p:nvSpPr>
+          <p:cNvPr id="4" name="Rectangle 3">
+            <a:extLst>
+              <a:ext uri="{FF2B5EF4-FFF2-40B4-BE49-F238E27FC236}">
+                <a16:creationId xmlns:a16="http://schemas.microsoft.com/office/drawing/2014/main" id="{EC938FF6-1A89-CFA2-0A21-F0F5D52BF284}"/>
+              </a:ext>
+            </a:extLst>
+          </p:cNvPr>
+          <p:cNvSpPr/>
+          <p:nvPr/>
+        </p:nvSpPr>
+        <p:spPr>
+          <a:xfrm>
+            <a:off x="4772526" y="2626894"/>
+            <a:ext cx="1072816" cy="1704473"/>
+          </a:xfrm>
+          <a:prstGeom prst="rect">
+            <a:avLst/>
+          </a:prstGeom>
+          <a:noFill/>
+          <a:ln w="28575">
+            <a:solidFill>
+              <a:srgbClr val="C00000"/>
+            </a:solidFill>
+          </a:ln>
+        </p:spPr>
+        <p:style>
+          <a:lnRef idx="2">
+            <a:schemeClr val="accent1">
+              <a:shade val="15000"/>
+            </a:schemeClr>
+          </a:lnRef>
+          <a:fillRef idx="1">
+            <a:schemeClr val="accent1"/>
+          </a:fillRef>
+          <a:effectRef idx="0">
+            <a:schemeClr val="accent1"/>
+          </a:effectRef>
+          <a:fontRef idx="minor">
+            <a:schemeClr val="lt1"/>
+          </a:fontRef>
+        </p:style>
+        <p:txBody>
+          <a:bodyPr rtlCol="0" anchor="ctr"/>
+          <a:lstStyle/>
+          <a:p>
+            <a:pPr algn="ctr"/>
+            <a:endParaRPr lang="en-US"/>
+          </a:p>
+        </p:txBody>
+      </p:sp>
+      <p:sp>
+        <p:nvSpPr>
+          <p:cNvPr id="6" name="TextBox 5">
+            <a:extLst>
+              <a:ext uri="{FF2B5EF4-FFF2-40B4-BE49-F238E27FC236}">
+                <a16:creationId xmlns:a16="http://schemas.microsoft.com/office/drawing/2014/main" id="{DAAB000F-3FDF-A298-A857-299EE56275A9}"/>
+              </a:ext>
+            </a:extLst>
+          </p:cNvPr>
+          <p:cNvSpPr txBox="1"/>
+          <p:nvPr/>
+        </p:nvSpPr>
+        <p:spPr>
+          <a:xfrm>
+            <a:off x="3118184" y="2105526"/>
+            <a:ext cx="6045868" cy="369332"/>
+          </a:xfrm>
+          <a:prstGeom prst="rect">
+            <a:avLst/>
+          </a:prstGeom>
+          <a:solidFill>
+            <a:schemeClr val="tx1"/>
+          </a:solidFill>
+        </p:spPr>
+        <p:txBody>
+          <a:bodyPr rot="0" spcFirstLastPara="0" vertOverflow="overflow" horzOverflow="overflow" vert="horz" wrap="square" lIns="91440" tIns="45720" rIns="91440" bIns="45720" numCol="1" spcCol="0" rtlCol="0" fromWordArt="0" anchor="t" anchorCtr="0" forceAA="0" compatLnSpc="1">
+            <a:prstTxWarp prst="textNoShape">
+              <a:avLst/>
+            </a:prstTxWarp>
+            <a:spAutoFit/>
+          </a:bodyPr>
+          <a:lstStyle/>
+          <a:p>
+            <a:pPr algn="ctr"/>
+            <a:r>
+              <a:rPr lang="en-US" b="1">
+                <a:solidFill>
+                  <a:srgbClr val="FFFFFF"/>
+                </a:solidFill>
+                <a:ea typeface="Inter"/>
+              </a:rPr>
+              <a:t>Pricing model needs review</a:t>
+            </a:r>
+          </a:p>
+        </p:txBody>
+      </p:sp>
+      <p:sp>
+        <p:nvSpPr>
+          <p:cNvPr id="7" name="TextBox 6">
+            <a:extLst>
+              <a:ext uri="{FF2B5EF4-FFF2-40B4-BE49-F238E27FC236}">
+                <a16:creationId xmlns:a16="http://schemas.microsoft.com/office/drawing/2014/main" id="{1F7FEA15-4673-3222-BBD5-D47FECE98245}"/>
+              </a:ext>
+            </a:extLst>
+          </p:cNvPr>
+          <p:cNvSpPr txBox="1"/>
+          <p:nvPr/>
+        </p:nvSpPr>
+        <p:spPr>
+          <a:xfrm>
+            <a:off x="3118183" y="4481763"/>
+            <a:ext cx="6176209" cy="700833"/>
+          </a:xfrm>
+          <a:prstGeom prst="rect">
+            <a:avLst/>
+          </a:prstGeom>
+          <a:noFill/>
+        </p:spPr>
+        <p:txBody>
+          <a:bodyPr rot="0" spcFirstLastPara="0" vertOverflow="overflow" horzOverflow="overflow" vert="horz" wrap="square" lIns="91440" tIns="45720" rIns="91440" bIns="45720" numCol="1" spcCol="0" rtlCol="0" fromWordArt="0" anchor="t" anchorCtr="0" forceAA="0" compatLnSpc="1">
+            <a:prstTxWarp prst="textNoShape">
+              <a:avLst/>
+            </a:prstTxWarp>
+            <a:spAutoFit/>
+          </a:bodyPr>
+          <a:lstStyle/>
+          <a:p>
+            <a:pPr marL="285750" indent="-285750">
+              <a:lnSpc>
+                <a:spcPct val="150000"/>
+              </a:lnSpc>
+              <a:buFont typeface="Wingdings"/>
+              <a:buChar char="Ø"/>
+            </a:pPr>
+            <a:r>
+              <a:rPr lang="en-US" sz="1400">
+                <a:ea typeface="Inter"/>
+              </a:rPr>
+              <a:t>Costs are significantly different, but average unit prices are similar. </a:t>
+            </a:r>
+          </a:p>
+          <a:p>
+            <a:pPr marL="285750" indent="-285750">
+              <a:lnSpc>
+                <a:spcPct val="150000"/>
+              </a:lnSpc>
+              <a:buFont typeface="Wingdings"/>
+              <a:buChar char="Ø"/>
+            </a:pPr>
+            <a:r>
+              <a:rPr lang="en-US" sz="1400">
+                <a:ea typeface="Inter"/>
+              </a:rPr>
+              <a:t>Consider raising prices for Gadget C and Device D.</a:t>
+            </a:r>
+          </a:p>
+        </p:txBody>
+      </p:sp>
+      <p:sp>
+        <p:nvSpPr>
+          <p:cNvPr id="10" name="Rectangle 9">
+            <a:extLst>
+              <a:ext uri="{FF2B5EF4-FFF2-40B4-BE49-F238E27FC236}">
+                <a16:creationId xmlns:a16="http://schemas.microsoft.com/office/drawing/2014/main" id="{F8C684C0-8797-503E-DAD1-EC900E96B8A7}"/>
+              </a:ext>
+            </a:extLst>
+          </p:cNvPr>
+          <p:cNvSpPr/>
+          <p:nvPr/>
+        </p:nvSpPr>
+        <p:spPr>
+          <a:xfrm>
+            <a:off x="3118184" y="2105525"/>
+            <a:ext cx="6045867" cy="3078079"/>
+          </a:xfrm>
+          <a:prstGeom prst="rect">
+            <a:avLst/>
+          </a:prstGeom>
+          <a:noFill/>
+        </p:spPr>
+        <p:style>
+          <a:lnRef idx="2">
+            <a:schemeClr val="accent1">
+              <a:shade val="15000"/>
+            </a:schemeClr>
+          </a:lnRef>
+          <a:fillRef idx="1">
+            <a:schemeClr val="accent1"/>
+          </a:fillRef>
+          <a:effectRef idx="0">
+            <a:schemeClr val="accent1"/>
+          </a:effectRef>
+          <a:fontRef idx="minor">
+            <a:schemeClr val="lt1"/>
+          </a:fontRef>
+        </p:style>
+        <p:txBody>
+          <a:bodyPr rtlCol="0" anchor="ctr"/>
+          <a:lstStyle/>
+          <a:p>
+            <a:pPr algn="ctr"/>
+            <a:endParaRPr lang="en-US"/>
+          </a:p>
+        </p:txBody>
+      </p:sp>
+    </p:spTree>
+    <p:extLst>
+      <p:ext uri="{BB962C8B-B14F-4D97-AF65-F5344CB8AC3E}">
+        <p14:creationId xmlns:p14="http://schemas.microsoft.com/office/powerpoint/2010/main" val="3309601003"/>
       </p:ext>
     </p:extLst>
   </p:cSld>
@@ -32912,18 +32981,18 @@
 </file>
 
 <file path=customXml/item1.xml><?xml version="1.0" encoding="utf-8"?>
+<p:properties xmlns:p="http://schemas.microsoft.com/office/2006/metadata/properties" xmlns:xsi="http://www.w3.org/2001/XMLSchema-instance" xmlns:pc="http://schemas.microsoft.com/office/infopath/2007/PartnerControls">
+  <documentManagement/>
+</p:properties>
+</file>
+
+<file path=customXml/item2.xml><?xml version="1.0" encoding="utf-8"?>
 <?mso-contentType ?>
 <FormTemplates xmlns="http://schemas.microsoft.com/sharepoint/v3/contenttype/forms">
   <Display>DocumentLibraryForm</Display>
   <Edit>DocumentLibraryForm</Edit>
   <New>DocumentLibraryForm</New>
 </FormTemplates>
-</file>
-
-<file path=customXml/item2.xml><?xml version="1.0" encoding="utf-8"?>
-<p:properties xmlns:p="http://schemas.microsoft.com/office/2006/metadata/properties" xmlns:xsi="http://www.w3.org/2001/XMLSchema-instance" xmlns:pc="http://schemas.microsoft.com/office/infopath/2007/PartnerControls">
-  <documentManagement/>
-</p:properties>
 </file>
 
 <file path=customXml/item3.xml><?xml version="1.0" encoding="utf-8"?>
@@ -33095,18 +33164,18 @@
 </file>
 
 <file path=customXml/itemProps1.xml><?xml version="1.0" encoding="utf-8"?>
-<ds:datastoreItem xmlns:ds="http://schemas.openxmlformats.org/officeDocument/2006/customXml" ds:itemID="{9DC439CA-6F1C-4005-ACA6-A52E04DEE0A7}">
+<ds:datastoreItem xmlns:ds="http://schemas.openxmlformats.org/officeDocument/2006/customXml" ds:itemID="{5BDF4908-A52A-47DD-A794-6E02D71942FC}">
   <ds:schemaRefs>
-    <ds:schemaRef ds:uri="http://schemas.microsoft.com/sharepoint/v3/contenttype/forms"/>
+    <ds:schemaRef ds:uri="http://schemas.microsoft.com/office/2006/metadata/properties"/>
+    <ds:schemaRef ds:uri="http://schemas.microsoft.com/office/infopath/2007/PartnerControls"/>
   </ds:schemaRefs>
 </ds:datastoreItem>
 </file>
 
 <file path=customXml/itemProps2.xml><?xml version="1.0" encoding="utf-8"?>
-<ds:datastoreItem xmlns:ds="http://schemas.openxmlformats.org/officeDocument/2006/customXml" ds:itemID="{5BDF4908-A52A-47DD-A794-6E02D71942FC}">
+<ds:datastoreItem xmlns:ds="http://schemas.openxmlformats.org/officeDocument/2006/customXml" ds:itemID="{9DC439CA-6F1C-4005-ACA6-A52E04DEE0A7}">
   <ds:schemaRefs>
-    <ds:schemaRef ds:uri="http://schemas.microsoft.com/office/2006/metadata/properties"/>
-    <ds:schemaRef ds:uri="http://schemas.microsoft.com/office/infopath/2007/PartnerControls"/>
+    <ds:schemaRef ds:uri="http://schemas.microsoft.com/sharepoint/v3/contenttype/forms"/>
   </ds:schemaRefs>
 </ds:datastoreItem>
 </file>

--- a/Day3/3-paev-andmetarkus-esitlus.pptx
+++ b/Day3/3-paev-andmetarkus-esitlus.pptx
@@ -162,6 +162,7 @@
   <p1510:revLst>
     <p1510:client id="{0072FE40-6ED8-484D-B3BF-2DC3C51420EA}" v="23" dt="2025-08-26T16:15:46.370"/>
     <p1510:client id="{19C7C3EA-198D-3679-5220-7E0DE865FF5E}" v="111" dt="2025-08-26T15:56:24.840"/>
+    <p1510:client id="{387E47BA-0044-4059-87A0-7CB7C94BEF70}" v="5" dt="2025-08-27T13:26:29.183"/>
     <p1510:client id="{3FDD2B3C-B068-2607-9D73-F6620F82C026}" v="156" dt="2025-08-26T16:07:37.221"/>
     <p1510:client id="{C65C1195-2E73-5E4C-4A7C-AFB4C4A5B5A9}" v="79" dt="2025-08-26T15:37:30.809"/>
   </p1510:revLst>
@@ -173,10 +174,25 @@
   <pc:docChgLst>
     <pc:chgData name="Virve Räni" userId="161a7437-7ef4-49ec-91bf-54882f313dfe" providerId="ADAL" clId="{387E47BA-0044-4059-87A0-7CB7C94BEF70}"/>
     <pc:docChg chg="modSld sldOrd">
-      <pc:chgData name="Virve Räni" userId="161a7437-7ef4-49ec-91bf-54882f313dfe" providerId="ADAL" clId="{387E47BA-0044-4059-87A0-7CB7C94BEF70}" dt="2025-08-27T08:37:24.143" v="5"/>
+      <pc:chgData name="Virve Räni" userId="161a7437-7ef4-49ec-91bf-54882f313dfe" providerId="ADAL" clId="{387E47BA-0044-4059-87A0-7CB7C94BEF70}" dt="2025-08-27T13:26:29.181" v="46" actId="164"/>
       <pc:docMkLst>
         <pc:docMk/>
       </pc:docMkLst>
+      <pc:sldChg chg="modSp mod">
+        <pc:chgData name="Virve Räni" userId="161a7437-7ef4-49ec-91bf-54882f313dfe" providerId="ADAL" clId="{387E47BA-0044-4059-87A0-7CB7C94BEF70}" dt="2025-08-27T10:06:26.957" v="40" actId="20577"/>
+        <pc:sldMkLst>
+          <pc:docMk/>
+          <pc:sldMk cId="3693905438" sldId="457"/>
+        </pc:sldMkLst>
+        <pc:graphicFrameChg chg="mod modGraphic">
+          <ac:chgData name="Virve Räni" userId="161a7437-7ef4-49ec-91bf-54882f313dfe" providerId="ADAL" clId="{387E47BA-0044-4059-87A0-7CB7C94BEF70}" dt="2025-08-27T10:06:26.957" v="40" actId="20577"/>
+          <ac:graphicFrameMkLst>
+            <pc:docMk/>
+            <pc:sldMk cId="3693905438" sldId="457"/>
+            <ac:graphicFrameMk id="5" creationId="{62F3D34C-2699-76DE-4C1A-F379ABDEE53E}"/>
+          </ac:graphicFrameMkLst>
+        </pc:graphicFrameChg>
+      </pc:sldChg>
       <pc:sldChg chg="ord">
         <pc:chgData name="Virve Räni" userId="161a7437-7ef4-49ec-91bf-54882f313dfe" providerId="ADAL" clId="{387E47BA-0044-4059-87A0-7CB7C94BEF70}" dt="2025-08-27T08:37:24.143" v="5"/>
         <pc:sldMkLst>
@@ -212,12 +228,68 @@
           <pc:sldMk cId="2130150789" sldId="588"/>
         </pc:sldMkLst>
       </pc:sldChg>
-      <pc:sldChg chg="ord">
-        <pc:chgData name="Virve Räni" userId="161a7437-7ef4-49ec-91bf-54882f313dfe" providerId="ADAL" clId="{387E47BA-0044-4059-87A0-7CB7C94BEF70}" dt="2025-08-27T07:42:18.893" v="3"/>
+      <pc:sldChg chg="addSp modSp mod ord">
+        <pc:chgData name="Virve Räni" userId="161a7437-7ef4-49ec-91bf-54882f313dfe" providerId="ADAL" clId="{387E47BA-0044-4059-87A0-7CB7C94BEF70}" dt="2025-08-27T13:26:29.181" v="46" actId="164"/>
         <pc:sldMkLst>
           <pc:docMk/>
           <pc:sldMk cId="3309601003" sldId="604"/>
         </pc:sldMkLst>
+        <pc:spChg chg="mod ord">
+          <ac:chgData name="Virve Räni" userId="161a7437-7ef4-49ec-91bf-54882f313dfe" providerId="ADAL" clId="{387E47BA-0044-4059-87A0-7CB7C94BEF70}" dt="2025-08-27T13:26:29.181" v="46" actId="164"/>
+          <ac:spMkLst>
+            <pc:docMk/>
+            <pc:sldMk cId="3309601003" sldId="604"/>
+            <ac:spMk id="4" creationId="{EC938FF6-1A89-CFA2-0A21-F0F5D52BF284}"/>
+          </ac:spMkLst>
+        </pc:spChg>
+        <pc:spChg chg="mod">
+          <ac:chgData name="Virve Räni" userId="161a7437-7ef4-49ec-91bf-54882f313dfe" providerId="ADAL" clId="{387E47BA-0044-4059-87A0-7CB7C94BEF70}" dt="2025-08-27T13:26:14.301" v="44" actId="164"/>
+          <ac:spMkLst>
+            <pc:docMk/>
+            <pc:sldMk cId="3309601003" sldId="604"/>
+            <ac:spMk id="6" creationId="{DAAB000F-3FDF-A298-A857-299EE56275A9}"/>
+          </ac:spMkLst>
+        </pc:spChg>
+        <pc:spChg chg="mod">
+          <ac:chgData name="Virve Räni" userId="161a7437-7ef4-49ec-91bf-54882f313dfe" providerId="ADAL" clId="{387E47BA-0044-4059-87A0-7CB7C94BEF70}" dt="2025-08-27T13:26:14.301" v="44" actId="164"/>
+          <ac:spMkLst>
+            <pc:docMk/>
+            <pc:sldMk cId="3309601003" sldId="604"/>
+            <ac:spMk id="10" creationId="{F8C684C0-8797-503E-DAD1-EC900E96B8A7}"/>
+          </ac:spMkLst>
+        </pc:spChg>
+        <pc:grpChg chg="add mod">
+          <ac:chgData name="Virve Räni" userId="161a7437-7ef4-49ec-91bf-54882f313dfe" providerId="ADAL" clId="{387E47BA-0044-4059-87A0-7CB7C94BEF70}" dt="2025-08-27T13:26:29.181" v="46" actId="164"/>
+          <ac:grpSpMkLst>
+            <pc:docMk/>
+            <pc:sldMk cId="3309601003" sldId="604"/>
+            <ac:grpSpMk id="2" creationId="{2FFF91DC-E0E0-6460-0FD6-993B52FEEF9B}"/>
+          </ac:grpSpMkLst>
+        </pc:grpChg>
+        <pc:grpChg chg="add mod">
+          <ac:chgData name="Virve Räni" userId="161a7437-7ef4-49ec-91bf-54882f313dfe" providerId="ADAL" clId="{387E47BA-0044-4059-87A0-7CB7C94BEF70}" dt="2025-08-27T13:26:14.301" v="44" actId="164"/>
+          <ac:grpSpMkLst>
+            <pc:docMk/>
+            <pc:sldMk cId="3309601003" sldId="604"/>
+            <ac:grpSpMk id="5" creationId="{3F2CF34D-D493-A067-9573-60369720B3A1}"/>
+          </ac:grpSpMkLst>
+        </pc:grpChg>
+        <pc:grpChg chg="add mod">
+          <ac:chgData name="Virve Räni" userId="161a7437-7ef4-49ec-91bf-54882f313dfe" providerId="ADAL" clId="{387E47BA-0044-4059-87A0-7CB7C94BEF70}" dt="2025-08-27T13:26:29.181" v="46" actId="164"/>
+          <ac:grpSpMkLst>
+            <pc:docMk/>
+            <pc:sldMk cId="3309601003" sldId="604"/>
+            <ac:grpSpMk id="9" creationId="{5C40542A-C4B6-64AE-9BC2-3A8D5B54DA5B}"/>
+          </ac:grpSpMkLst>
+        </pc:grpChg>
+        <pc:picChg chg="mod">
+          <ac:chgData name="Virve Räni" userId="161a7437-7ef4-49ec-91bf-54882f313dfe" providerId="ADAL" clId="{387E47BA-0044-4059-87A0-7CB7C94BEF70}" dt="2025-08-27T13:26:14.301" v="44" actId="164"/>
+          <ac:picMkLst>
+            <pc:docMk/>
+            <pc:sldMk cId="3309601003" sldId="604"/>
+            <ac:picMk id="3" creationId="{5710E79F-52E9-74F5-8969-7A5AEF53A382}"/>
+          </ac:picMkLst>
+        </pc:picChg>
       </pc:sldChg>
     </pc:docChg>
   </pc:docChgLst>
@@ -27193,7 +27265,7 @@
             <p:ph sz="quarter" idx="10"/>
             <p:extLst>
               <p:ext uri="{D42A27DB-BD31-4B8C-83A1-F6EECF244321}">
-                <p14:modId xmlns:p14="http://schemas.microsoft.com/office/powerpoint/2010/main" val="3724321102"/>
+                <p14:modId xmlns:p14="http://schemas.microsoft.com/office/powerpoint/2010/main" val="3703111389"/>
               </p:ext>
             </p:extLst>
           </p:nvPr>
@@ -27709,7 +27781,7 @@
                         <a:buChar char="•"/>
                       </a:pPr>
                       <a:r>
-                        <a:rPr lang="en-US" sz="2400" b="0" i="0">
+                        <a:rPr lang="en-US" sz="2400" b="0" i="0" dirty="0">
                           <a:solidFill>
                             <a:srgbClr val="121212"/>
                           </a:solidFill>
@@ -27719,7 +27791,7 @@
                         <a:t>13:15 – 14:45 – </a:t>
                       </a:r>
                       <a:r>
-                        <a:rPr lang="en-US" sz="2400" b="0" i="0" err="1">
+                        <a:rPr lang="en-US" sz="2400" b="0" i="0" dirty="0" err="1">
                           <a:solidFill>
                             <a:srgbClr val="121212"/>
                           </a:solidFill>
@@ -27729,7 +27801,7 @@
                         <a:t>Koolitus</a:t>
                       </a:r>
                       <a:r>
-                        <a:rPr lang="en-US" sz="2400" b="0" i="0">
+                        <a:rPr lang="en-US" sz="2400" b="0" i="0" dirty="0">
                           <a:solidFill>
                             <a:srgbClr val="121212"/>
                           </a:solidFill>
@@ -27739,17 +27811,17 @@
                         <a:t> – </a:t>
                       </a:r>
                       <a:r>
-                        <a:rPr lang="en-US" sz="2400" b="0" i="0" err="1">
+                        <a:rPr lang="en-US" sz="2400" b="0" i="0" dirty="0" err="1">
                           <a:solidFill>
                             <a:srgbClr val="121212"/>
                           </a:solidFill>
                           <a:effectLst/>
                           <a:latin typeface="Inter"/>
                         </a:rPr>
-                        <a:t>Andmeloo</a:t>
+                        <a:t>Raporti</a:t>
                       </a:r>
                       <a:r>
-                        <a:rPr lang="en-US" sz="2400" b="0" i="0">
+                        <a:rPr lang="en-US" sz="2400" b="0" i="0" dirty="0">
                           <a:solidFill>
                             <a:srgbClr val="121212"/>
                           </a:solidFill>
@@ -27759,16 +27831,36 @@
                         <a:t> </a:t>
                       </a:r>
                       <a:r>
-                        <a:rPr lang="en-US" sz="2400" b="0" i="0" err="1">
+                        <a:rPr lang="en-US" sz="2400" b="0" i="0" dirty="0" err="1">
                           <a:solidFill>
                             <a:srgbClr val="121212"/>
                           </a:solidFill>
                           <a:effectLst/>
                           <a:latin typeface="Inter"/>
                         </a:rPr>
-                        <a:t>jutustamine</a:t>
+                        <a:t>vormistamine</a:t>
                       </a:r>
-                      <a:endParaRPr lang="en-US" b="0" i="0" err="1">
+                      <a:r>
+                        <a:rPr lang="en-US" sz="2400" b="0" i="0" dirty="0">
+                          <a:solidFill>
+                            <a:srgbClr val="121212"/>
+                          </a:solidFill>
+                          <a:effectLst/>
+                          <a:latin typeface="Inter"/>
+                        </a:rPr>
+                        <a:t> ja </a:t>
+                      </a:r>
+                      <a:r>
+                        <a:rPr lang="en-US" sz="2400" b="0" i="0" dirty="0" err="1">
+                          <a:solidFill>
+                            <a:srgbClr val="121212"/>
+                          </a:solidFill>
+                          <a:effectLst/>
+                          <a:latin typeface="Inter"/>
+                        </a:rPr>
+                        <a:t>jagamine</a:t>
+                      </a:r>
+                      <a:endParaRPr lang="en-US" b="0" i="0" dirty="0">
                         <a:solidFill>
                           <a:srgbClr val="121212"/>
                         </a:solidFill>
@@ -27837,7 +27929,7 @@
                         <a:buChar char="•"/>
                       </a:pPr>
                       <a:r>
-                        <a:rPr lang="en-US" sz="2400" b="0" i="0">
+                        <a:rPr lang="en-US" sz="2400" b="0" i="0" dirty="0">
                           <a:solidFill>
                             <a:srgbClr val="121212"/>
                           </a:solidFill>
@@ -27846,7 +27938,7 @@
                         </a:rPr>
                         <a:t>14:45 – 15:00 – Paus </a:t>
                       </a:r>
-                      <a:endParaRPr lang="en-US" b="0" i="0">
+                      <a:endParaRPr lang="en-US" b="0" i="0" dirty="0">
                         <a:solidFill>
                           <a:srgbClr val="121212"/>
                         </a:solidFill>
@@ -27950,9 +28042,9 @@
                             <a:srgbClr val="121212"/>
                           </a:solidFill>
                           <a:effectLst/>
-                          <a:latin typeface="Inter"/>
+                          <a:latin typeface="+mn-lt"/>
                         </a:rPr>
-                        <a:t>Müükide</a:t>
+                        <a:t>Andmeloo</a:t>
                       </a:r>
                       <a:r>
                         <a:rPr lang="en-US" sz="2400" b="0" i="0" dirty="0">
@@ -27960,7 +28052,7 @@
                             <a:srgbClr val="121212"/>
                           </a:solidFill>
                           <a:effectLst/>
-                          <a:latin typeface="Inter"/>
+                          <a:latin typeface="+mn-lt"/>
                         </a:rPr>
                         <a:t> </a:t>
                       </a:r>
@@ -27970,29 +28062,9 @@
                             <a:srgbClr val="121212"/>
                           </a:solidFill>
                           <a:effectLst/>
-                          <a:latin typeface="Inter"/>
+                          <a:latin typeface="+mn-lt"/>
                         </a:rPr>
-                        <a:t>igapäevane</a:t>
-                      </a:r>
-                      <a:r>
-                        <a:rPr lang="en-US" sz="2400" b="0" i="0" dirty="0">
-                          <a:solidFill>
-                            <a:srgbClr val="121212"/>
-                          </a:solidFill>
-                          <a:effectLst/>
-                          <a:latin typeface="Inter"/>
-                        </a:rPr>
-                        <a:t> </a:t>
-                      </a:r>
-                      <a:r>
-                        <a:rPr lang="en-US" sz="2400" b="0" i="0" dirty="0" err="1">
-                          <a:solidFill>
-                            <a:srgbClr val="121212"/>
-                          </a:solidFill>
-                          <a:effectLst/>
-                          <a:latin typeface="Inter"/>
-                        </a:rPr>
-                        <a:t>ülevaade</a:t>
+                        <a:t>jutustamine</a:t>
                       </a:r>
                       <a:endParaRPr lang="en-US" b="0" i="0" dirty="0">
                         <a:solidFill>
@@ -28492,137 +28564,6 @@
           </a:p>
         </p:txBody>
       </p:sp>
-      <p:pic>
-        <p:nvPicPr>
-          <p:cNvPr id="3" name="Picture 2" descr="A screenshot of a price list&#10;&#10;AI-generated content may be incorrect.">
-            <a:extLst>
-              <a:ext uri="{FF2B5EF4-FFF2-40B4-BE49-F238E27FC236}">
-                <a16:creationId xmlns:a16="http://schemas.microsoft.com/office/drawing/2014/main" id="{5710E79F-52E9-74F5-8969-7A5AEF53A382}"/>
-              </a:ext>
-            </a:extLst>
-          </p:cNvPr>
-          <p:cNvPicPr>
-            <a:picLocks noChangeAspect="1"/>
-          </p:cNvPicPr>
-          <p:nvPr/>
-        </p:nvPicPr>
-        <p:blipFill>
-          <a:blip r:embed="rId2"/>
-          <a:stretch>
-            <a:fillRect/>
-          </a:stretch>
-        </p:blipFill>
-        <p:spPr>
-          <a:xfrm>
-            <a:off x="3467100" y="2624138"/>
-            <a:ext cx="5438273" cy="1709988"/>
-          </a:xfrm>
-          <a:prstGeom prst="rect">
-            <a:avLst/>
-          </a:prstGeom>
-          <a:ln>
-            <a:noFill/>
-          </a:ln>
-        </p:spPr>
-      </p:pic>
-      <p:sp>
-        <p:nvSpPr>
-          <p:cNvPr id="4" name="Rectangle 3">
-            <a:extLst>
-              <a:ext uri="{FF2B5EF4-FFF2-40B4-BE49-F238E27FC236}">
-                <a16:creationId xmlns:a16="http://schemas.microsoft.com/office/drawing/2014/main" id="{EC938FF6-1A89-CFA2-0A21-F0F5D52BF284}"/>
-              </a:ext>
-            </a:extLst>
-          </p:cNvPr>
-          <p:cNvSpPr/>
-          <p:nvPr/>
-        </p:nvSpPr>
-        <p:spPr>
-          <a:xfrm>
-            <a:off x="4772526" y="2626894"/>
-            <a:ext cx="1072816" cy="1704473"/>
-          </a:xfrm>
-          <a:prstGeom prst="rect">
-            <a:avLst/>
-          </a:prstGeom>
-          <a:noFill/>
-          <a:ln w="28575">
-            <a:solidFill>
-              <a:srgbClr val="C00000"/>
-            </a:solidFill>
-          </a:ln>
-        </p:spPr>
-        <p:style>
-          <a:lnRef idx="2">
-            <a:schemeClr val="accent1">
-              <a:shade val="15000"/>
-            </a:schemeClr>
-          </a:lnRef>
-          <a:fillRef idx="1">
-            <a:schemeClr val="accent1"/>
-          </a:fillRef>
-          <a:effectRef idx="0">
-            <a:schemeClr val="accent1"/>
-          </a:effectRef>
-          <a:fontRef idx="minor">
-            <a:schemeClr val="lt1"/>
-          </a:fontRef>
-        </p:style>
-        <p:txBody>
-          <a:bodyPr rtlCol="0" anchor="ctr"/>
-          <a:lstStyle/>
-          <a:p>
-            <a:pPr algn="ctr"/>
-            <a:endParaRPr lang="en-US"/>
-          </a:p>
-        </p:txBody>
-      </p:sp>
-      <p:sp>
-        <p:nvSpPr>
-          <p:cNvPr id="6" name="TextBox 5">
-            <a:extLst>
-              <a:ext uri="{FF2B5EF4-FFF2-40B4-BE49-F238E27FC236}">
-                <a16:creationId xmlns:a16="http://schemas.microsoft.com/office/drawing/2014/main" id="{DAAB000F-3FDF-A298-A857-299EE56275A9}"/>
-              </a:ext>
-            </a:extLst>
-          </p:cNvPr>
-          <p:cNvSpPr txBox="1"/>
-          <p:nvPr/>
-        </p:nvSpPr>
-        <p:spPr>
-          <a:xfrm>
-            <a:off x="3118184" y="2105526"/>
-            <a:ext cx="6045868" cy="369332"/>
-          </a:xfrm>
-          <a:prstGeom prst="rect">
-            <a:avLst/>
-          </a:prstGeom>
-          <a:solidFill>
-            <a:schemeClr val="tx1"/>
-          </a:solidFill>
-        </p:spPr>
-        <p:txBody>
-          <a:bodyPr rot="0" spcFirstLastPara="0" vertOverflow="overflow" horzOverflow="overflow" vert="horz" wrap="square" lIns="91440" tIns="45720" rIns="91440" bIns="45720" numCol="1" spcCol="0" rtlCol="0" fromWordArt="0" anchor="t" anchorCtr="0" forceAA="0" compatLnSpc="1">
-            <a:prstTxWarp prst="textNoShape">
-              <a:avLst/>
-            </a:prstTxWarp>
-            <a:spAutoFit/>
-          </a:bodyPr>
-          <a:lstStyle/>
-          <a:p>
-            <a:pPr algn="ctr"/>
-            <a:r>
-              <a:rPr lang="en-US" b="1">
-                <a:solidFill>
-                  <a:srgbClr val="FFFFFF"/>
-                </a:solidFill>
-                <a:ea typeface="Inter"/>
-              </a:rPr>
-              <a:t>Pricing model needs review</a:t>
-            </a:r>
-          </a:p>
-        </p:txBody>
-      </p:sp>
       <p:sp>
         <p:nvSpPr>
           <p:cNvPr id="7" name="TextBox 6">
@@ -28662,7 +28603,7 @@
               <a:buChar char="Ø"/>
             </a:pPr>
             <a:r>
-              <a:rPr lang="en-US" sz="1400">
+              <a:rPr lang="en-US" sz="1400" dirty="0">
                 <a:ea typeface="Inter"/>
               </a:rPr>
               <a:t>Costs are significantly different, but average unit prices are similar. </a:t>
@@ -28677,7 +28618,7 @@
               <a:buChar char="Ø"/>
             </a:pPr>
             <a:r>
-              <a:rPr lang="en-US" sz="1400">
+              <a:rPr lang="en-US" sz="1400" dirty="0">
                 <a:ea typeface="Inter"/>
               </a:rPr>
               <a:t>Consider raising prices for Gadget C and Device D.</a:t>
@@ -28685,53 +28626,226 @@
           </a:p>
         </p:txBody>
       </p:sp>
-      <p:sp>
-        <p:nvSpPr>
-          <p:cNvPr id="10" name="Rectangle 9">
+      <p:grpSp>
+        <p:nvGrpSpPr>
+          <p:cNvPr id="9" name="Group 8">
             <a:extLst>
               <a:ext uri="{FF2B5EF4-FFF2-40B4-BE49-F238E27FC236}">
-                <a16:creationId xmlns:a16="http://schemas.microsoft.com/office/drawing/2014/main" id="{F8C684C0-8797-503E-DAD1-EC900E96B8A7}"/>
+                <a16:creationId xmlns:a16="http://schemas.microsoft.com/office/drawing/2014/main" id="{5C40542A-C4B6-64AE-9BC2-3A8D5B54DA5B}"/>
               </a:ext>
             </a:extLst>
           </p:cNvPr>
-          <p:cNvSpPr/>
+          <p:cNvGrpSpPr/>
           <p:nvPr/>
-        </p:nvSpPr>
-        <p:spPr>
+        </p:nvGrpSpPr>
+        <p:grpSpPr>
           <a:xfrm>
             <a:off x="3118184" y="2105525"/>
-            <a:ext cx="6045867" cy="3078079"/>
+            <a:ext cx="6045868" cy="3078079"/>
+            <a:chOff x="3118184" y="2105525"/>
+            <a:chExt cx="6045868" cy="3078079"/>
           </a:xfrm>
-          <a:prstGeom prst="rect">
-            <a:avLst/>
-          </a:prstGeom>
-          <a:noFill/>
-        </p:spPr>
-        <p:style>
-          <a:lnRef idx="2">
-            <a:schemeClr val="accent1">
-              <a:shade val="15000"/>
-            </a:schemeClr>
-          </a:lnRef>
-          <a:fillRef idx="1">
-            <a:schemeClr val="accent1"/>
-          </a:fillRef>
-          <a:effectRef idx="0">
-            <a:schemeClr val="accent1"/>
-          </a:effectRef>
-          <a:fontRef idx="minor">
-            <a:schemeClr val="lt1"/>
-          </a:fontRef>
-        </p:style>
-        <p:txBody>
-          <a:bodyPr rtlCol="0" anchor="ctr"/>
-          <a:lstStyle/>
-          <a:p>
-            <a:pPr algn="ctr"/>
-            <a:endParaRPr lang="en-US"/>
-          </a:p>
-        </p:txBody>
-      </p:sp>
+        </p:grpSpPr>
+        <p:grpSp>
+          <p:nvGrpSpPr>
+            <p:cNvPr id="2" name="Group 1">
+              <a:extLst>
+                <a:ext uri="{FF2B5EF4-FFF2-40B4-BE49-F238E27FC236}">
+                  <a16:creationId xmlns:a16="http://schemas.microsoft.com/office/drawing/2014/main" id="{2FFF91DC-E0E0-6460-0FD6-993B52FEEF9B}"/>
+                </a:ext>
+              </a:extLst>
+            </p:cNvPr>
+            <p:cNvGrpSpPr/>
+            <p:nvPr/>
+          </p:nvGrpSpPr>
+          <p:grpSpPr>
+            <a:xfrm>
+              <a:off x="3118184" y="2105525"/>
+              <a:ext cx="6045868" cy="3078079"/>
+              <a:chOff x="3118184" y="2105525"/>
+              <a:chExt cx="6045868" cy="3078079"/>
+            </a:xfrm>
+          </p:grpSpPr>
+          <p:pic>
+            <p:nvPicPr>
+              <p:cNvPr id="3" name="Picture 2" descr="A screenshot of a price list&#10;&#10;AI-generated content may be incorrect.">
+                <a:extLst>
+                  <a:ext uri="{FF2B5EF4-FFF2-40B4-BE49-F238E27FC236}">
+                    <a16:creationId xmlns:a16="http://schemas.microsoft.com/office/drawing/2014/main" id="{5710E79F-52E9-74F5-8969-7A5AEF53A382}"/>
+                  </a:ext>
+                </a:extLst>
+              </p:cNvPr>
+              <p:cNvPicPr>
+                <a:picLocks noChangeAspect="1"/>
+              </p:cNvPicPr>
+              <p:nvPr/>
+            </p:nvPicPr>
+            <p:blipFill>
+              <a:blip r:embed="rId2"/>
+              <a:stretch>
+                <a:fillRect/>
+              </a:stretch>
+            </p:blipFill>
+            <p:spPr>
+              <a:xfrm>
+                <a:off x="3487150" y="2665272"/>
+                <a:ext cx="5438273" cy="1709988"/>
+              </a:xfrm>
+              <a:prstGeom prst="rect">
+                <a:avLst/>
+              </a:prstGeom>
+              <a:ln>
+                <a:noFill/>
+              </a:ln>
+            </p:spPr>
+          </p:pic>
+          <p:sp>
+            <p:nvSpPr>
+              <p:cNvPr id="6" name="TextBox 5">
+                <a:extLst>
+                  <a:ext uri="{FF2B5EF4-FFF2-40B4-BE49-F238E27FC236}">
+                    <a16:creationId xmlns:a16="http://schemas.microsoft.com/office/drawing/2014/main" id="{DAAB000F-3FDF-A298-A857-299EE56275A9}"/>
+                  </a:ext>
+                </a:extLst>
+              </p:cNvPr>
+              <p:cNvSpPr txBox="1"/>
+              <p:nvPr/>
+            </p:nvSpPr>
+            <p:spPr>
+              <a:xfrm>
+                <a:off x="3118184" y="2105526"/>
+                <a:ext cx="6045868" cy="369332"/>
+              </a:xfrm>
+              <a:prstGeom prst="rect">
+                <a:avLst/>
+              </a:prstGeom>
+              <a:solidFill>
+                <a:schemeClr val="tx1"/>
+              </a:solidFill>
+            </p:spPr>
+            <p:txBody>
+              <a:bodyPr rot="0" spcFirstLastPara="0" vertOverflow="overflow" horzOverflow="overflow" vert="horz" wrap="square" lIns="91440" tIns="45720" rIns="91440" bIns="45720" numCol="1" spcCol="0" rtlCol="0" fromWordArt="0" anchor="t" anchorCtr="0" forceAA="0" compatLnSpc="1">
+                <a:prstTxWarp prst="textNoShape">
+                  <a:avLst/>
+                </a:prstTxWarp>
+                <a:spAutoFit/>
+              </a:bodyPr>
+              <a:lstStyle/>
+              <a:p>
+                <a:pPr algn="ctr"/>
+                <a:r>
+                  <a:rPr lang="en-US" b="1">
+                    <a:solidFill>
+                      <a:srgbClr val="FFFFFF"/>
+                    </a:solidFill>
+                    <a:ea typeface="Inter"/>
+                  </a:rPr>
+                  <a:t>Pricing model needs review</a:t>
+                </a:r>
+              </a:p>
+            </p:txBody>
+          </p:sp>
+          <p:sp>
+            <p:nvSpPr>
+              <p:cNvPr id="10" name="Rectangle 9">
+                <a:extLst>
+                  <a:ext uri="{FF2B5EF4-FFF2-40B4-BE49-F238E27FC236}">
+                    <a16:creationId xmlns:a16="http://schemas.microsoft.com/office/drawing/2014/main" id="{F8C684C0-8797-503E-DAD1-EC900E96B8A7}"/>
+                  </a:ext>
+                </a:extLst>
+              </p:cNvPr>
+              <p:cNvSpPr/>
+              <p:nvPr/>
+            </p:nvSpPr>
+            <p:spPr>
+              <a:xfrm>
+                <a:off x="3118184" y="2105525"/>
+                <a:ext cx="6045867" cy="3078079"/>
+              </a:xfrm>
+              <a:prstGeom prst="rect">
+                <a:avLst/>
+              </a:prstGeom>
+              <a:noFill/>
+            </p:spPr>
+            <p:style>
+              <a:lnRef idx="2">
+                <a:schemeClr val="accent1">
+                  <a:shade val="15000"/>
+                </a:schemeClr>
+              </a:lnRef>
+              <a:fillRef idx="1">
+                <a:schemeClr val="accent1"/>
+              </a:fillRef>
+              <a:effectRef idx="0">
+                <a:schemeClr val="accent1"/>
+              </a:effectRef>
+              <a:fontRef idx="minor">
+                <a:schemeClr val="lt1"/>
+              </a:fontRef>
+            </p:style>
+            <p:txBody>
+              <a:bodyPr rtlCol="0" anchor="ctr"/>
+              <a:lstStyle/>
+              <a:p>
+                <a:pPr algn="ctr"/>
+                <a:endParaRPr lang="en-US"/>
+              </a:p>
+            </p:txBody>
+          </p:sp>
+        </p:grpSp>
+        <p:sp>
+          <p:nvSpPr>
+            <p:cNvPr id="4" name="Rectangle 3">
+              <a:extLst>
+                <a:ext uri="{FF2B5EF4-FFF2-40B4-BE49-F238E27FC236}">
+                  <a16:creationId xmlns:a16="http://schemas.microsoft.com/office/drawing/2014/main" id="{EC938FF6-1A89-CFA2-0A21-F0F5D52BF284}"/>
+                </a:ext>
+              </a:extLst>
+            </p:cNvPr>
+            <p:cNvSpPr/>
+            <p:nvPr/>
+          </p:nvSpPr>
+          <p:spPr>
+            <a:xfrm>
+              <a:off x="4772526" y="2626894"/>
+              <a:ext cx="1072816" cy="1704473"/>
+            </a:xfrm>
+            <a:prstGeom prst="rect">
+              <a:avLst/>
+            </a:prstGeom>
+            <a:noFill/>
+            <a:ln w="28575">
+              <a:solidFill>
+                <a:srgbClr val="C00000"/>
+              </a:solidFill>
+            </a:ln>
+          </p:spPr>
+          <p:style>
+            <a:lnRef idx="2">
+              <a:schemeClr val="accent1">
+                <a:shade val="15000"/>
+              </a:schemeClr>
+            </a:lnRef>
+            <a:fillRef idx="1">
+              <a:schemeClr val="accent1"/>
+            </a:fillRef>
+            <a:effectRef idx="0">
+              <a:schemeClr val="accent1"/>
+            </a:effectRef>
+            <a:fontRef idx="minor">
+              <a:schemeClr val="lt1"/>
+            </a:fontRef>
+          </p:style>
+          <p:txBody>
+            <a:bodyPr rtlCol="0" anchor="ctr"/>
+            <a:lstStyle/>
+            <a:p>
+              <a:pPr algn="ctr"/>
+              <a:endParaRPr lang="en-US"/>
+            </a:p>
+          </p:txBody>
+        </p:sp>
+      </p:grpSp>
     </p:spTree>
     <p:extLst>
       <p:ext uri="{BB962C8B-B14F-4D97-AF65-F5344CB8AC3E}">
